--- a/Seminar1_Github_v02.pptx
+++ b/Seminar1_Github_v02.pptx
@@ -21,12 +21,12 @@
     <p:sldId id="270" r:id="rId12"/>
     <p:sldId id="271" r:id="rId13"/>
     <p:sldId id="272" r:id="rId14"/>
-    <p:sldId id="274" r:id="rId15"/>
-    <p:sldId id="273" r:id="rId16"/>
-    <p:sldId id="275" r:id="rId17"/>
-    <p:sldId id="276" r:id="rId18"/>
-    <p:sldId id="277" r:id="rId19"/>
-    <p:sldId id="278" r:id="rId20"/>
+    <p:sldId id="273" r:id="rId15"/>
+    <p:sldId id="275" r:id="rId16"/>
+    <p:sldId id="276" r:id="rId17"/>
+    <p:sldId id="277" r:id="rId18"/>
+    <p:sldId id="278" r:id="rId19"/>
+    <p:sldId id="280" r:id="rId20"/>
     <p:sldId id="279" r:id="rId21"/>
   </p:sldIdLst>
   <p:sldSz cx="9144000" cy="5143500" type="screen16x9"/>
@@ -522,6 +522,11 @@
         </p:txBody>
       </p:sp>
     </p:spTree>
+    <p:extLst>
+      <p:ext uri="{BB962C8B-B14F-4D97-AF65-F5344CB8AC3E}">
+        <p14:creationId xmlns:p14="http://schemas.microsoft.com/office/powerpoint/2010/main" val="3952077279"/>
+      </p:ext>
+    </p:extLst>
   </p:cSld>
   <p:clrMap bg1="lt1" tx1="dk1" bg2="dk2" tx2="lt2" accent1="accent1" accent2="accent2" accent3="accent3" accent4="accent4" accent5="accent5" accent6="accent6" hlink="hlink" folHlink="folHlink"/>
   <p:notesStyle>
@@ -848,6 +853,53 @@
               </a:spcAft>
               <a:buNone/>
             </a:pPr>
+            <a:r>
+              <a:rPr lang="uk-UA" dirty="0" smtClean="0"/>
+              <a:t>Доброго</a:t>
+            </a:r>
+            <a:r>
+              <a:rPr lang="uk-UA" baseline="0" dirty="0" smtClean="0"/>
+              <a:t> дня всім. Дану презентацію </a:t>
+            </a:r>
+            <a:r>
+              <a:rPr lang="uk-UA" baseline="0" dirty="0" err="1" smtClean="0"/>
+              <a:t>підготовали</a:t>
+            </a:r>
+            <a:r>
+              <a:rPr lang="uk-UA" baseline="0" dirty="0" smtClean="0"/>
+              <a:t> студенти групи ПМ.м-91/1 Арнаутов Олексій та Станіслав Ільїн. Ми розповімо Вам про веб-сервіс </a:t>
+            </a:r>
+            <a:r>
+              <a:rPr lang="en-US" baseline="0" dirty="0" smtClean="0"/>
+              <a:t>GitHub</a:t>
+            </a:r>
+            <a:r>
+              <a:rPr lang="uk-UA" baseline="0" dirty="0" smtClean="0"/>
+              <a:t> як систему контролю версій та соціальну мережу для розробників.</a:t>
+            </a:r>
+          </a:p>
+          <a:p>
+            <a:pPr marL="0" lvl="0" indent="0" algn="l" rtl="0">
+              <a:spcBef>
+                <a:spcPts val="0"/>
+              </a:spcBef>
+              <a:spcAft>
+                <a:spcPts val="0"/>
+              </a:spcAft>
+              <a:buNone/>
+            </a:pPr>
+            <a:r>
+              <a:rPr lang="uk-UA" baseline="0" dirty="0" smtClean="0"/>
+              <a:t>І для почату декілька слів про саму систему </a:t>
+            </a:r>
+            <a:r>
+              <a:rPr lang="en-US" baseline="0" dirty="0" err="1" smtClean="0"/>
+              <a:t>Git</a:t>
+            </a:r>
+            <a:r>
+              <a:rPr lang="en-US" baseline="0" dirty="0" smtClean="0"/>
+              <a:t>.</a:t>
+            </a:r>
             <a:endParaRPr dirty="0"/>
           </a:p>
         </p:txBody>
@@ -1281,110 +1333,6 @@
   <p:cSld>
     <p:spTree>
       <p:nvGrpSpPr>
-        <p:cNvPr id="1" name="Shape 292"/>
-        <p:cNvGrpSpPr/>
-        <p:nvPr/>
-      </p:nvGrpSpPr>
-      <p:grpSpPr>
-        <a:xfrm>
-          <a:off x="0" y="0"/>
-          <a:ext cx="0" cy="0"/>
-          <a:chOff x="0" y="0"/>
-          <a:chExt cx="0" cy="0"/>
-        </a:xfrm>
-      </p:grpSpPr>
-      <p:sp>
-        <p:nvSpPr>
-          <p:cNvPr id="293" name="Google Shape;293;g72f56af603_2_27:notes"/>
-          <p:cNvSpPr>
-            <a:spLocks noGrp="1" noRot="1" noChangeAspect="1"/>
-          </p:cNvSpPr>
-          <p:nvPr>
-            <p:ph type="sldImg" idx="2"/>
-          </p:nvPr>
-        </p:nvSpPr>
-        <p:spPr>
-          <a:xfrm>
-            <a:off x="381000" y="685800"/>
-            <a:ext cx="6096000" cy="3429000"/>
-          </a:xfrm>
-          <a:custGeom>
-            <a:avLst/>
-            <a:gdLst/>
-            <a:ahLst/>
-            <a:cxnLst/>
-            <a:rect l="l" t="t" r="r" b="b"/>
-            <a:pathLst>
-              <a:path w="120000" h="120000" extrusionOk="0">
-                <a:moveTo>
-                  <a:pt x="0" y="0"/>
-                </a:moveTo>
-                <a:lnTo>
-                  <a:pt x="120000" y="0"/>
-                </a:lnTo>
-                <a:lnTo>
-                  <a:pt x="120000" y="120000"/>
-                </a:lnTo>
-                <a:lnTo>
-                  <a:pt x="0" y="120000"/>
-                </a:lnTo>
-                <a:close/>
-              </a:path>
-            </a:pathLst>
-          </a:custGeom>
-        </p:spPr>
-      </p:sp>
-      <p:sp>
-        <p:nvSpPr>
-          <p:cNvPr id="294" name="Google Shape;294;g72f56af603_2_27:notes"/>
-          <p:cNvSpPr txBox="1">
-            <a:spLocks noGrp="1"/>
-          </p:cNvSpPr>
-          <p:nvPr>
-            <p:ph type="body" idx="1"/>
-          </p:nvPr>
-        </p:nvSpPr>
-        <p:spPr>
-          <a:xfrm>
-            <a:off x="685800" y="4343400"/>
-            <a:ext cx="5486400" cy="4114800"/>
-          </a:xfrm>
-          <a:prstGeom prst="rect">
-            <a:avLst/>
-          </a:prstGeom>
-        </p:spPr>
-        <p:txBody>
-          <a:bodyPr spcFirstLastPara="1" wrap="square" lIns="91425" tIns="91425" rIns="91425" bIns="91425" anchor="t" anchorCtr="0">
-            <a:noAutofit/>
-          </a:bodyPr>
-          <a:lstStyle/>
-          <a:p>
-            <a:pPr marL="0" lvl="0" indent="0" algn="l" rtl="0">
-              <a:spcBef>
-                <a:spcPts val="0"/>
-              </a:spcBef>
-              <a:spcAft>
-                <a:spcPts val="0"/>
-              </a:spcAft>
-              <a:buNone/>
-            </a:pPr>
-            <a:endParaRPr/>
-          </a:p>
-        </p:txBody>
-      </p:sp>
-    </p:spTree>
-  </p:cSld>
-  <p:clrMapOvr>
-    <a:masterClrMapping/>
-  </p:clrMapOvr>
-</p:notes>
-</file>
-
-<file path=ppt/notesSlides/notesSlide15.xml><?xml version="1.0" encoding="utf-8"?>
-<p:notes xmlns:a="http://schemas.openxmlformats.org/drawingml/2006/main" xmlns:r="http://schemas.openxmlformats.org/officeDocument/2006/relationships" xmlns:p="http://schemas.openxmlformats.org/presentationml/2006/main" showMasterSp="0" showMasterPhAnim="0">
-  <p:cSld>
-    <p:spTree>
-      <p:nvGrpSpPr>
         <p:cNvPr id="1" name="Shape 283"/>
         <p:cNvGrpSpPr/>
         <p:nvPr/>
@@ -1484,7 +1432,7 @@
 </p:notes>
 </file>
 
-<file path=ppt/notesSlides/notesSlide16.xml><?xml version="1.0" encoding="utf-8"?>
+<file path=ppt/notesSlides/notesSlide15.xml><?xml version="1.0" encoding="utf-8"?>
 <p:notes xmlns:a="http://schemas.openxmlformats.org/drawingml/2006/main" xmlns:r="http://schemas.openxmlformats.org/officeDocument/2006/relationships" xmlns:p="http://schemas.openxmlformats.org/presentationml/2006/main" showMasterSp="0" showMasterPhAnim="0">
   <p:cSld>
     <p:spTree>
@@ -1588,7 +1536,7 @@
 </p:notes>
 </file>
 
-<file path=ppt/notesSlides/notesSlide17.xml><?xml version="1.0" encoding="utf-8"?>
+<file path=ppt/notesSlides/notesSlide16.xml><?xml version="1.0" encoding="utf-8"?>
 <p:notes xmlns:a="http://schemas.openxmlformats.org/drawingml/2006/main" xmlns:r="http://schemas.openxmlformats.org/officeDocument/2006/relationships" xmlns:p="http://schemas.openxmlformats.org/presentationml/2006/main" showMasterSp="0" showMasterPhAnim="0">
   <p:cSld>
     <p:spTree>
@@ -1692,7 +1640,7 @@
 </p:notes>
 </file>
 
-<file path=ppt/notesSlides/notesSlide18.xml><?xml version="1.0" encoding="utf-8"?>
+<file path=ppt/notesSlides/notesSlide17.xml><?xml version="1.0" encoding="utf-8"?>
 <p:notes xmlns:a="http://schemas.openxmlformats.org/drawingml/2006/main" xmlns:r="http://schemas.openxmlformats.org/officeDocument/2006/relationships" xmlns:p="http://schemas.openxmlformats.org/presentationml/2006/main" showMasterSp="0" showMasterPhAnim="0">
   <p:cSld>
     <p:spTree>
@@ -1796,7 +1744,7 @@
 </p:notes>
 </file>
 
-<file path=ppt/notesSlides/notesSlide19.xml><?xml version="1.0" encoding="utf-8"?>
+<file path=ppt/notesSlides/notesSlide18.xml><?xml version="1.0" encoding="utf-8"?>
 <p:notes xmlns:a="http://schemas.openxmlformats.org/drawingml/2006/main" xmlns:r="http://schemas.openxmlformats.org/officeDocument/2006/relationships" xmlns:p="http://schemas.openxmlformats.org/presentationml/2006/main" showMasterSp="0" showMasterPhAnim="0">
   <p:cSld>
     <p:spTree>
@@ -1889,54 +1837,172 @@
               <a:buNone/>
             </a:pPr>
             <a:r>
-              <a:rPr lang="ru-RU" dirty="0" smtClean="0"/>
-              <a:t>У меня претензия</a:t>
-            </a:r>
-            <a:r>
-              <a:rPr lang="ru-RU" baseline="0" dirty="0" smtClean="0"/>
-              <a:t> к 5-му пункту:</a:t>
+              <a:rPr lang="ru-RU" noProof="0" dirty="0" smtClean="0"/>
+              <a:t>Во,</a:t>
+            </a:r>
+            <a:r>
+              <a:rPr lang="ru-RU" baseline="0" noProof="0" dirty="0" smtClean="0"/>
+              <a:t> я выдумал.</a:t>
             </a:r>
           </a:p>
           <a:p>
-            <a:pPr marL="0" lvl="0" indent="0" algn="l" rtl="0">
-              <a:spcBef>
-                <a:spcPts val="0"/>
-              </a:spcBef>
-              <a:spcAft>
-                <a:spcPts val="0"/>
-              </a:spcAft>
-              <a:buNone/>
+            <a:pPr marL="228600" lvl="0" indent="-228600" algn="l" rtl="0">
+              <a:spcBef>
+                <a:spcPts val="0"/>
+              </a:spcBef>
+              <a:spcAft>
+                <a:spcPts val="0"/>
+              </a:spcAft>
+              <a:buAutoNum type="arabicPeriod"/>
             </a:pPr>
             <a:r>
-              <a:rPr lang="ru-RU" baseline="0" dirty="0" smtClean="0"/>
-              <a:t>    1. «</a:t>
-            </a:r>
-            <a:r>
-              <a:rPr lang="ru-RU" baseline="0" dirty="0" err="1" smtClean="0"/>
-              <a:t>це</a:t>
-            </a:r>
-            <a:r>
-              <a:rPr lang="ru-RU" baseline="0" dirty="0" smtClean="0"/>
-              <a:t> </a:t>
-            </a:r>
-            <a:r>
-              <a:rPr lang="ru-RU" baseline="0" dirty="0" err="1" smtClean="0"/>
-              <a:t>чудовий</a:t>
-            </a:r>
-            <a:r>
-              <a:rPr lang="ru-RU" baseline="0" dirty="0" smtClean="0"/>
-              <a:t> </a:t>
-            </a:r>
-            <a:r>
-              <a:rPr lang="uk-UA" baseline="0" dirty="0" smtClean="0"/>
-              <a:t>інструмент для володіння…» </a:t>
-            </a:r>
-            <a:r>
-              <a:rPr lang="ru-RU" baseline="0" dirty="0" smtClean="0"/>
-              <a:t>Вообще не понял что имеется ввиду… .</a:t>
+              <a:rPr lang="ru-RU" baseline="0" noProof="0" dirty="0" smtClean="0"/>
+              <a:t>Во втором пункте просто убрал слово «</a:t>
+            </a:r>
+            <a:r>
+              <a:rPr lang="uk-UA" baseline="0" noProof="0" dirty="0" smtClean="0"/>
+              <a:t>віддаленому», </a:t>
+            </a:r>
+            <a:r>
+              <a:rPr lang="uk-UA" baseline="0" noProof="0" dirty="0" err="1" smtClean="0"/>
+              <a:t>что</a:t>
+            </a:r>
+            <a:r>
+              <a:rPr lang="uk-UA" baseline="0" noProof="0" dirty="0" smtClean="0"/>
+              <a:t> перед «сервері» </a:t>
+            </a:r>
+            <a:r>
+              <a:rPr lang="ru-RU" baseline="0" noProof="0" dirty="0" smtClean="0"/>
+              <a:t>стояло.</a:t>
             </a:r>
           </a:p>
           <a:p>
+            <a:pPr marL="228600" lvl="0" indent="-228600" algn="l" rtl="0">
+              <a:spcBef>
+                <a:spcPts val="0"/>
+              </a:spcBef>
+              <a:spcAft>
+                <a:spcPts val="0"/>
+              </a:spcAft>
+              <a:buAutoNum type="arabicPeriod"/>
+            </a:pPr>
+            <a:r>
+              <a:rPr lang="ru-RU" baseline="0" noProof="0" dirty="0" smtClean="0"/>
+              <a:t>Заменил «минусы» со собратьев «</a:t>
+            </a:r>
+            <a:r>
+              <a:rPr lang="ru-RU" baseline="0" noProof="0" dirty="0" err="1" smtClean="0"/>
+              <a:t>подлинее</a:t>
+            </a:r>
+            <a:r>
+              <a:rPr lang="ru-RU" baseline="0" noProof="0" dirty="0" smtClean="0"/>
+              <a:t>» </a:t>
+            </a:r>
+            <a:r>
+              <a:rPr lang="ru-RU" baseline="0" noProof="0" dirty="0" smtClean="0">
+                <a:sym typeface="Wingdings" panose="05000000000000000000" pitchFamily="2" charset="2"/>
+              </a:rPr>
+              <a:t></a:t>
+            </a:r>
+            <a:r>
+              <a:rPr lang="ru-RU" baseline="0" noProof="0" dirty="0" smtClean="0"/>
+              <a:t> </a:t>
+            </a:r>
+            <a:endParaRPr lang="ru-RU" noProof="0" dirty="0" smtClean="0"/>
+          </a:p>
+        </p:txBody>
+      </p:sp>
+    </p:spTree>
+  </p:cSld>
+  <p:clrMapOvr>
+    <a:masterClrMapping/>
+  </p:clrMapOvr>
+</p:notes>
+</file>
+
+<file path=ppt/notesSlides/notesSlide19.xml><?xml version="1.0" encoding="utf-8"?>
+<p:notes xmlns:a="http://schemas.openxmlformats.org/drawingml/2006/main" xmlns:r="http://schemas.openxmlformats.org/officeDocument/2006/relationships" xmlns:p="http://schemas.openxmlformats.org/presentationml/2006/main" showMasterSp="0" showMasterPhAnim="0">
+  <p:cSld>
+    <p:spTree>
+      <p:nvGrpSpPr>
+        <p:cNvPr id="1" name="Shape 328"/>
+        <p:cNvGrpSpPr/>
+        <p:nvPr/>
+      </p:nvGrpSpPr>
+      <p:grpSpPr>
+        <a:xfrm>
+          <a:off x="0" y="0"/>
+          <a:ext cx="0" cy="0"/>
+          <a:chOff x="0" y="0"/>
+          <a:chExt cx="0" cy="0"/>
+        </a:xfrm>
+      </p:grpSpPr>
+      <p:sp>
+        <p:nvSpPr>
+          <p:cNvPr id="329" name="Google Shape;329;g72be0e060f_0_11:notes"/>
+          <p:cNvSpPr>
+            <a:spLocks noGrp="1" noRot="1" noChangeAspect="1"/>
+          </p:cNvSpPr>
+          <p:nvPr>
+            <p:ph type="sldImg" idx="2"/>
+          </p:nvPr>
+        </p:nvSpPr>
+        <p:spPr>
+          <a:xfrm>
+            <a:off x="381000" y="685800"/>
+            <a:ext cx="6096000" cy="3429000"/>
+          </a:xfrm>
+          <a:custGeom>
+            <a:avLst/>
+            <a:gdLst/>
+            <a:ahLst/>
+            <a:cxnLst/>
+            <a:rect l="l" t="t" r="r" b="b"/>
+            <a:pathLst>
+              <a:path w="120000" h="120000" extrusionOk="0">
+                <a:moveTo>
+                  <a:pt x="0" y="0"/>
+                </a:moveTo>
+                <a:lnTo>
+                  <a:pt x="120000" y="0"/>
+                </a:lnTo>
+                <a:lnTo>
+                  <a:pt x="120000" y="120000"/>
+                </a:lnTo>
+                <a:lnTo>
+                  <a:pt x="0" y="120000"/>
+                </a:lnTo>
+                <a:close/>
+              </a:path>
+            </a:pathLst>
+          </a:custGeom>
+        </p:spPr>
+      </p:sp>
+      <p:sp>
+        <p:nvSpPr>
+          <p:cNvPr id="330" name="Google Shape;330;g72be0e060f_0_11:notes"/>
+          <p:cNvSpPr txBox="1">
+            <a:spLocks noGrp="1"/>
+          </p:cNvSpPr>
+          <p:nvPr>
+            <p:ph type="body" idx="1"/>
+          </p:nvPr>
+        </p:nvSpPr>
+        <p:spPr>
+          <a:xfrm>
+            <a:off x="685800" y="4343400"/>
+            <a:ext cx="5486400" cy="4114800"/>
+          </a:xfrm>
+          <a:prstGeom prst="rect">
+            <a:avLst/>
+          </a:prstGeom>
+        </p:spPr>
+        <p:txBody>
+          <a:bodyPr spcFirstLastPara="1" wrap="square" lIns="91425" tIns="91425" rIns="91425" bIns="91425" anchor="t" anchorCtr="0">
+            <a:noAutofit/>
+          </a:bodyPr>
+          <a:lstStyle/>
+          <a:p>
             <a:pPr marL="0" lvl="0" indent="0" algn="l" rtl="0">
               <a:spcBef>
                 <a:spcPts val="0"/>
@@ -1946,98 +2012,7 @@
               </a:spcAft>
               <a:buNone/>
             </a:pPr>
-            <a:r>
-              <a:rPr lang="ru-RU" baseline="0" dirty="0" smtClean="0"/>
-              <a:t>    2. «… особливо </a:t>
-            </a:r>
-            <a:r>
-              <a:rPr lang="uk-UA" baseline="0" dirty="0" smtClean="0"/>
-              <a:t>початківцям в </a:t>
-            </a:r>
-            <a:r>
-              <a:rPr lang="en-US" baseline="0" dirty="0" smtClean="0"/>
-              <a:t>IT …</a:t>
-            </a:r>
-            <a:r>
-              <a:rPr lang="uk-UA" baseline="0" dirty="0" smtClean="0"/>
-              <a:t>» . Тут не </a:t>
-            </a:r>
-            <a:r>
-              <a:rPr lang="uk-UA" baseline="0" dirty="0" err="1" smtClean="0"/>
-              <a:t>уверен</a:t>
-            </a:r>
-            <a:r>
-              <a:rPr lang="uk-UA" baseline="0" dirty="0" smtClean="0"/>
-              <a:t>, но </a:t>
-            </a:r>
-            <a:r>
-              <a:rPr lang="uk-UA" baseline="0" dirty="0" err="1" smtClean="0"/>
-              <a:t>вроде</a:t>
-            </a:r>
-            <a:r>
-              <a:rPr lang="uk-UA" baseline="0" dirty="0" smtClean="0"/>
-              <a:t> </a:t>
-            </a:r>
-            <a:r>
-              <a:rPr lang="uk-UA" baseline="0" dirty="0" err="1" smtClean="0"/>
-              <a:t>как</a:t>
-            </a:r>
-            <a:r>
-              <a:rPr lang="uk-UA" baseline="0" dirty="0" smtClean="0"/>
-              <a:t> с </a:t>
-            </a:r>
-            <a:r>
-              <a:rPr lang="uk-UA" baseline="0" dirty="0" err="1" smtClean="0"/>
-              <a:t>двух</a:t>
-            </a:r>
-            <a:r>
-              <a:rPr lang="uk-UA" baseline="0" dirty="0" smtClean="0"/>
-              <a:t> </a:t>
-            </a:r>
-            <a:r>
-              <a:rPr lang="uk-UA" baseline="0" dirty="0" err="1" smtClean="0"/>
-              <a:t>сторон</a:t>
-            </a:r>
-            <a:r>
-              <a:rPr lang="uk-UA" baseline="0" dirty="0" smtClean="0"/>
-              <a:t> </a:t>
-            </a:r>
-            <a:r>
-              <a:rPr lang="uk-UA" baseline="0" dirty="0" err="1" smtClean="0"/>
-              <a:t>выделить</a:t>
-            </a:r>
-            <a:r>
-              <a:rPr lang="uk-UA" baseline="0" dirty="0" smtClean="0"/>
-              <a:t> </a:t>
-            </a:r>
-            <a:r>
-              <a:rPr lang="uk-UA" baseline="0" dirty="0" err="1" smtClean="0"/>
-              <a:t>запятыми</a:t>
-            </a:r>
-            <a:r>
-              <a:rPr lang="uk-UA" baseline="0" dirty="0" smtClean="0"/>
-              <a:t> </a:t>
-            </a:r>
-            <a:r>
-              <a:rPr lang="uk-UA" baseline="0" dirty="0" err="1" smtClean="0"/>
-              <a:t>стоит</a:t>
-            </a:r>
-            <a:r>
-              <a:rPr lang="uk-UA" baseline="0" dirty="0" smtClean="0"/>
-              <a:t>?</a:t>
-            </a:r>
-            <a:br>
-              <a:rPr lang="uk-UA" baseline="0" dirty="0" smtClean="0"/>
-            </a:br>
-            <a:r>
-              <a:rPr lang="uk-UA" baseline="0" dirty="0" smtClean="0"/>
-              <a:t>    3. </a:t>
-            </a:r>
-            <a:r>
-              <a:rPr lang="ru-RU" baseline="0" noProof="0" dirty="0" smtClean="0"/>
-              <a:t>Тут не придирка, а простое любопытство: кто такой «пет-проект» ?</a:t>
-            </a:r>
-            <a:endParaRPr lang="ru-RU" noProof="0" dirty="0" smtClean="0"/>
+            <a:endParaRPr/>
           </a:p>
         </p:txBody>
       </p:sp>
@@ -2132,109 +2107,67 @@
           </a:bodyPr>
           <a:lstStyle/>
           <a:p>
-            <a:pPr marL="0" lvl="0" indent="0" algn="l" rtl="0">
-              <a:spcBef>
-                <a:spcPts val="0"/>
-              </a:spcBef>
-              <a:spcAft>
-                <a:spcPts val="0"/>
-              </a:spcAft>
-              <a:buNone/>
+            <a:pPr marL="0" marR="0" lvl="0" indent="0" algn="l" defTabSz="914400" rtl="0" eaLnBrk="1" fontAlgn="auto" latinLnBrk="0" hangingPunct="1">
+              <a:lnSpc>
+                <a:spcPct val="100000"/>
+              </a:lnSpc>
+              <a:spcBef>
+                <a:spcPts val="0"/>
+              </a:spcBef>
+              <a:spcAft>
+                <a:spcPts val="0"/>
+              </a:spcAft>
+              <a:buClr>
+                <a:srgbClr val="000000"/>
+              </a:buClr>
+              <a:buSzPts val="1100"/>
+              <a:buFont typeface="Arial"/>
+              <a:buNone/>
+              <a:tabLst/>
+              <a:defRPr/>
             </a:pPr>
-            <a:endParaRPr/>
+            <a:r>
+              <a:rPr lang="ru-RU" baseline="0" dirty="0" smtClean="0"/>
+              <a:t>І для </a:t>
+            </a:r>
+            <a:r>
+              <a:rPr lang="ru-RU" baseline="0" dirty="0" err="1" smtClean="0"/>
+              <a:t>почату</a:t>
+            </a:r>
+            <a:r>
+              <a:rPr lang="ru-RU" baseline="0" dirty="0" smtClean="0"/>
+              <a:t> </a:t>
+            </a:r>
+            <a:r>
+              <a:rPr lang="ru-RU" baseline="0" dirty="0" err="1" smtClean="0"/>
+              <a:t>декілька</a:t>
+            </a:r>
+            <a:r>
+              <a:rPr lang="ru-RU" baseline="0" dirty="0" smtClean="0"/>
+              <a:t> </a:t>
+            </a:r>
+            <a:r>
+              <a:rPr lang="ru-RU" baseline="0" dirty="0" err="1" smtClean="0"/>
+              <a:t>слів</a:t>
+            </a:r>
+            <a:r>
+              <a:rPr lang="ru-RU" baseline="0" dirty="0" smtClean="0"/>
+              <a:t> про саму систему </a:t>
+            </a:r>
+            <a:r>
+              <a:rPr lang="ru-RU" baseline="0" dirty="0" err="1" smtClean="0"/>
+              <a:t>Git</a:t>
+            </a:r>
+            <a:r>
+              <a:rPr lang="ru-RU" baseline="0" dirty="0" smtClean="0"/>
+              <a:t>.</a:t>
+            </a:r>
+            <a:r>
+              <a:rPr lang="uk-UA" dirty="0" smtClean="0"/>
+              <a:t>    </a:t>
+            </a:r>
+            <a:endParaRPr lang="en-US" dirty="0" smtClean="0"/>
           </a:p>
-        </p:txBody>
-      </p:sp>
-    </p:spTree>
-  </p:cSld>
-  <p:clrMapOvr>
-    <a:masterClrMapping/>
-  </p:clrMapOvr>
-</p:notes>
-</file>
-
-<file path=ppt/notesSlides/notesSlide20.xml><?xml version="1.0" encoding="utf-8"?>
-<p:notes xmlns:a="http://schemas.openxmlformats.org/drawingml/2006/main" xmlns:r="http://schemas.openxmlformats.org/officeDocument/2006/relationships" xmlns:p="http://schemas.openxmlformats.org/presentationml/2006/main" showMasterSp="0" showMasterPhAnim="0">
-  <p:cSld>
-    <p:spTree>
-      <p:nvGrpSpPr>
-        <p:cNvPr id="1" name="Shape 328"/>
-        <p:cNvGrpSpPr/>
-        <p:nvPr/>
-      </p:nvGrpSpPr>
-      <p:grpSpPr>
-        <a:xfrm>
-          <a:off x="0" y="0"/>
-          <a:ext cx="0" cy="0"/>
-          <a:chOff x="0" y="0"/>
-          <a:chExt cx="0" cy="0"/>
-        </a:xfrm>
-      </p:grpSpPr>
-      <p:sp>
-        <p:nvSpPr>
-          <p:cNvPr id="329" name="Google Shape;329;g72be0e060f_0_11:notes"/>
-          <p:cNvSpPr>
-            <a:spLocks noGrp="1" noRot="1" noChangeAspect="1"/>
-          </p:cNvSpPr>
-          <p:nvPr>
-            <p:ph type="sldImg" idx="2"/>
-          </p:nvPr>
-        </p:nvSpPr>
-        <p:spPr>
-          <a:xfrm>
-            <a:off x="381000" y="685800"/>
-            <a:ext cx="6096000" cy="3429000"/>
-          </a:xfrm>
-          <a:custGeom>
-            <a:avLst/>
-            <a:gdLst/>
-            <a:ahLst/>
-            <a:cxnLst/>
-            <a:rect l="l" t="t" r="r" b="b"/>
-            <a:pathLst>
-              <a:path w="120000" h="120000" extrusionOk="0">
-                <a:moveTo>
-                  <a:pt x="0" y="0"/>
-                </a:moveTo>
-                <a:lnTo>
-                  <a:pt x="120000" y="0"/>
-                </a:lnTo>
-                <a:lnTo>
-                  <a:pt x="120000" y="120000"/>
-                </a:lnTo>
-                <a:lnTo>
-                  <a:pt x="0" y="120000"/>
-                </a:lnTo>
-                <a:close/>
-              </a:path>
-            </a:pathLst>
-          </a:custGeom>
-        </p:spPr>
-      </p:sp>
-      <p:sp>
-        <p:nvSpPr>
-          <p:cNvPr id="330" name="Google Shape;330;g72be0e060f_0_11:notes"/>
-          <p:cNvSpPr txBox="1">
-            <a:spLocks noGrp="1"/>
-          </p:cNvSpPr>
-          <p:nvPr>
-            <p:ph type="body" idx="1"/>
-          </p:nvPr>
-        </p:nvSpPr>
-        <p:spPr>
-          <a:xfrm>
-            <a:off x="685800" y="4343400"/>
-            <a:ext cx="5486400" cy="4114800"/>
-          </a:xfrm>
-          <a:prstGeom prst="rect">
-            <a:avLst/>
-          </a:prstGeom>
-        </p:spPr>
-        <p:txBody>
-          <a:bodyPr spcFirstLastPara="1" wrap="square" lIns="91425" tIns="91425" rIns="91425" bIns="91425" anchor="t" anchorCtr="0">
-            <a:noAutofit/>
-          </a:bodyPr>
-          <a:lstStyle/>
           <a:p>
             <a:pPr marL="0" lvl="0" indent="0" algn="l" rtl="0">
               <a:spcBef>
@@ -2245,7 +2178,54 @@
               </a:spcAft>
               <a:buNone/>
             </a:pPr>
-            <a:endParaRPr/>
+            <a:r>
+              <a:rPr lang="en-US" dirty="0" err="1" smtClean="0"/>
+              <a:t>Git</a:t>
+            </a:r>
+            <a:r>
+              <a:rPr lang="en-US" dirty="0" smtClean="0"/>
+              <a:t> – </a:t>
+            </a:r>
+            <a:r>
+              <a:rPr lang="uk-UA" dirty="0" smtClean="0"/>
+              <a:t>система</a:t>
+            </a:r>
+            <a:r>
+              <a:rPr lang="uk-UA" baseline="0" dirty="0" smtClean="0"/>
+              <a:t>, що позволяє контролювати версії будь-яких типів файлів.</a:t>
+            </a:r>
+          </a:p>
+          <a:p>
+            <a:pPr marL="0" lvl="0" indent="0" algn="l" rtl="0">
+              <a:spcBef>
+                <a:spcPts val="0"/>
+              </a:spcBef>
+              <a:spcAft>
+                <a:spcPts val="0"/>
+              </a:spcAft>
+              <a:buNone/>
+            </a:pPr>
+            <a:r>
+              <a:rPr lang="uk-UA" baseline="0" dirty="0" smtClean="0"/>
+              <a:t>    Творцями даної системи колектив розробників, що працював над ядром ОС </a:t>
+            </a:r>
+            <a:r>
+              <a:rPr lang="en-US" baseline="0" dirty="0" smtClean="0"/>
+              <a:t>Linux. </a:t>
+            </a:r>
+            <a:r>
+              <a:rPr lang="uk-UA" baseline="0" dirty="0" smtClean="0"/>
+              <a:t>А надихнула на створення цієї системи їх досвід використання системи контролю версій під назвою </a:t>
+            </a:r>
+            <a:r>
+              <a:rPr lang="en-US" baseline="0" dirty="0" err="1" smtClean="0"/>
+              <a:t>BitKeeper</a:t>
+            </a:r>
+            <a:r>
+              <a:rPr lang="en-US" baseline="0" dirty="0" smtClean="0"/>
+              <a:t>.</a:t>
+            </a:r>
+            <a:endParaRPr lang="uk-UA" baseline="0" dirty="0" smtClean="0"/>
           </a:p>
         </p:txBody>
       </p:sp>
@@ -3602,6 +3582,18 @@
   <p:clrMapOvr>
     <a:masterClrMapping/>
   </p:clrMapOvr>
+  <mc:AlternateContent xmlns:mc="http://schemas.openxmlformats.org/markup-compatibility/2006" xmlns:p14="http://schemas.microsoft.com/office/powerpoint/2010/main">
+    <mc:Choice Requires="p14">
+      <p:transition p14:dur="400">
+        <p:circle/>
+      </p:transition>
+    </mc:Choice>
+    <mc:Fallback xmlns="">
+      <p:transition>
+        <p:circle/>
+      </p:transition>
+    </mc:Fallback>
+  </mc:AlternateContent>
 </p:sldLayout>
 </file>
 
@@ -4769,6 +4761,18 @@
   <p:clrMapOvr>
     <a:masterClrMapping/>
   </p:clrMapOvr>
+  <mc:AlternateContent xmlns:mc="http://schemas.openxmlformats.org/markup-compatibility/2006" xmlns:p14="http://schemas.microsoft.com/office/powerpoint/2010/main">
+    <mc:Choice Requires="p14">
+      <p:transition p14:dur="400">
+        <p:circle/>
+      </p:transition>
+    </mc:Choice>
+    <mc:Fallback xmlns="">
+      <p:transition>
+        <p:circle/>
+      </p:transition>
+    </mc:Fallback>
+  </mc:AlternateContent>
 </p:sldLayout>
 </file>
 
@@ -4873,6 +4877,18 @@
   <p:clrMapOvr>
     <a:masterClrMapping/>
   </p:clrMapOvr>
+  <mc:AlternateContent xmlns:mc="http://schemas.openxmlformats.org/markup-compatibility/2006" xmlns:p14="http://schemas.microsoft.com/office/powerpoint/2010/main">
+    <mc:Choice Requires="p14">
+      <p:transition p14:dur="400">
+        <p:circle/>
+      </p:transition>
+    </mc:Choice>
+    <mc:Fallback xmlns="">
+      <p:transition>
+        <p:circle/>
+      </p:transition>
+    </mc:Fallback>
+  </mc:AlternateContent>
 </p:sldLayout>
 </file>
 
@@ -5909,6 +5925,18 @@
   <p:clrMapOvr>
     <a:masterClrMapping/>
   </p:clrMapOvr>
+  <mc:AlternateContent xmlns:mc="http://schemas.openxmlformats.org/markup-compatibility/2006" xmlns:p14="http://schemas.microsoft.com/office/powerpoint/2010/main">
+    <mc:Choice Requires="p14">
+      <p:transition p14:dur="400">
+        <p:circle/>
+      </p:transition>
+    </mc:Choice>
+    <mc:Fallback xmlns="">
+      <p:transition>
+        <p:circle/>
+      </p:transition>
+    </mc:Fallback>
+  </mc:AlternateContent>
 </p:sldLayout>
 </file>
 
@@ -6370,6 +6398,18 @@
   <p:clrMapOvr>
     <a:masterClrMapping/>
   </p:clrMapOvr>
+  <mc:AlternateContent xmlns:mc="http://schemas.openxmlformats.org/markup-compatibility/2006" xmlns:p14="http://schemas.microsoft.com/office/powerpoint/2010/main">
+    <mc:Choice Requires="p14">
+      <p:transition p14:dur="400">
+        <p:circle/>
+      </p:transition>
+    </mc:Choice>
+    <mc:Fallback xmlns="">
+      <p:transition>
+        <p:circle/>
+      </p:transition>
+    </mc:Fallback>
+  </mc:AlternateContent>
 </p:sldLayout>
 </file>
 
@@ -6960,6 +7000,18 @@
   <p:clrMapOvr>
     <a:masterClrMapping/>
   </p:clrMapOvr>
+  <mc:AlternateContent xmlns:mc="http://schemas.openxmlformats.org/markup-compatibility/2006" xmlns:p14="http://schemas.microsoft.com/office/powerpoint/2010/main">
+    <mc:Choice Requires="p14">
+      <p:transition p14:dur="400">
+        <p:circle/>
+      </p:transition>
+    </mc:Choice>
+    <mc:Fallback xmlns="">
+      <p:transition>
+        <p:circle/>
+      </p:transition>
+    </mc:Fallback>
+  </mc:AlternateContent>
 </p:sldLayout>
 </file>
 
@@ -7292,6 +7344,18 @@
   <p:clrMapOvr>
     <a:masterClrMapping/>
   </p:clrMapOvr>
+  <mc:AlternateContent xmlns:mc="http://schemas.openxmlformats.org/markup-compatibility/2006" xmlns:p14="http://schemas.microsoft.com/office/powerpoint/2010/main">
+    <mc:Choice Requires="p14">
+      <p:transition p14:dur="400">
+        <p:circle/>
+      </p:transition>
+    </mc:Choice>
+    <mc:Fallback xmlns="">
+      <p:transition>
+        <p:circle/>
+      </p:transition>
+    </mc:Fallback>
+  </mc:AlternateContent>
 </p:sldLayout>
 </file>
 
@@ -7753,6 +7817,18 @@
   <p:clrMapOvr>
     <a:masterClrMapping/>
   </p:clrMapOvr>
+  <mc:AlternateContent xmlns:mc="http://schemas.openxmlformats.org/markup-compatibility/2006" xmlns:p14="http://schemas.microsoft.com/office/powerpoint/2010/main">
+    <mc:Choice Requires="p14">
+      <p:transition p14:dur="400">
+        <p:circle/>
+      </p:transition>
+    </mc:Choice>
+    <mc:Fallback xmlns="">
+      <p:transition>
+        <p:circle/>
+      </p:transition>
+    </mc:Fallback>
+  </mc:AlternateContent>
 </p:sldLayout>
 </file>
 
@@ -8789,6 +8865,18 @@
   <p:clrMapOvr>
     <a:masterClrMapping/>
   </p:clrMapOvr>
+  <mc:AlternateContent xmlns:mc="http://schemas.openxmlformats.org/markup-compatibility/2006" xmlns:p14="http://schemas.microsoft.com/office/powerpoint/2010/main">
+    <mc:Choice Requires="p14">
+      <p:transition p14:dur="400">
+        <p:circle/>
+      </p:transition>
+    </mc:Choice>
+    <mc:Fallback xmlns="">
+      <p:transition>
+        <p:circle/>
+      </p:transition>
+    </mc:Fallback>
+  </mc:AlternateContent>
 </p:sldLayout>
 </file>
 
@@ -9406,6 +9494,18 @@
   <p:clrMapOvr>
     <a:masterClrMapping/>
   </p:clrMapOvr>
+  <mc:AlternateContent xmlns:mc="http://schemas.openxmlformats.org/markup-compatibility/2006" xmlns:p14="http://schemas.microsoft.com/office/powerpoint/2010/main">
+    <mc:Choice Requires="p14">
+      <p:transition p14:dur="400">
+        <p:circle/>
+      </p:transition>
+    </mc:Choice>
+    <mc:Fallback xmlns="">
+      <p:transition>
+        <p:circle/>
+      </p:transition>
+    </mc:Fallback>
+  </mc:AlternateContent>
 </p:sldLayout>
 </file>
 
@@ -9657,6 +9757,18 @@
   <p:clrMapOvr>
     <a:masterClrMapping/>
   </p:clrMapOvr>
+  <mc:AlternateContent xmlns:mc="http://schemas.openxmlformats.org/markup-compatibility/2006" xmlns:p14="http://schemas.microsoft.com/office/powerpoint/2010/main">
+    <mc:Choice Requires="p14">
+      <p:transition p14:dur="400">
+        <p:circle/>
+      </p:transition>
+    </mc:Choice>
+    <mc:Fallback xmlns="">
+      <p:transition>
+        <p:circle/>
+      </p:transition>
+    </mc:Fallback>
+  </mc:AlternateContent>
 </p:sldLayout>
 </file>
 
@@ -10380,6 +10492,18 @@
     <p:sldLayoutId id="2147483657" r:id="rId10"/>
     <p:sldLayoutId id="2147483658" r:id="rId11"/>
   </p:sldLayoutIdLst>
+  <mc:AlternateContent xmlns:mc="http://schemas.openxmlformats.org/markup-compatibility/2006" xmlns:p14="http://schemas.microsoft.com/office/powerpoint/2010/main">
+    <mc:Choice Requires="p14">
+      <p:transition p14:dur="400">
+        <p:circle/>
+      </p:transition>
+    </mc:Choice>
+    <mc:Fallback xmlns="">
+      <p:transition>
+        <p:circle/>
+      </p:transition>
+    </mc:Fallback>
+  </mc:AlternateContent>
   <p:hf hdr="0" ftr="0" dt="0"/>
   <p:txStyles>
     <p:titleStyle>
@@ -11167,8 +11291,16 @@
               <a:buNone/>
             </a:pPr>
             <a:r>
-              <a:rPr lang="ru" sz="2000"/>
-              <a:t>Виконали студенти групи ПМ-91м.</a:t>
+              <a:rPr lang="ru" sz="2000" dirty="0" smtClean="0"/>
+              <a:t>Підготували </a:t>
+            </a:r>
+            <a:r>
+              <a:rPr lang="ru" sz="2000" dirty="0"/>
+              <a:t>студенти групи </a:t>
+            </a:r>
+            <a:r>
+              <a:rPr lang="ru" sz="2000" dirty="0" smtClean="0"/>
+              <a:t>ПМ.м-91/1</a:t>
             </a:r>
             <a:endParaRPr sz="2000" dirty="0"/>
           </a:p>
@@ -11183,7 +11315,7 @@
               <a:buNone/>
             </a:pPr>
             <a:r>
-              <a:rPr lang="ru" sz="2000"/>
+              <a:rPr lang="ru" sz="2000" dirty="0"/>
               <a:t>Олексій Арнаутов</a:t>
             </a:r>
             <a:endParaRPr sz="2000" dirty="0"/>
@@ -11199,7 +11331,7 @@
               <a:buNone/>
             </a:pPr>
             <a:r>
-              <a:rPr lang="ru" sz="2000"/>
+              <a:rPr lang="ru" sz="2000" dirty="0"/>
               <a:t>Станіслав Ільїн</a:t>
             </a:r>
             <a:endParaRPr sz="2000" dirty="0"/>
@@ -11267,6 +11399,18 @@
   <p:clrMapOvr>
     <a:masterClrMapping/>
   </p:clrMapOvr>
+  <mc:AlternateContent xmlns:mc="http://schemas.openxmlformats.org/markup-compatibility/2006" xmlns:p14="http://schemas.microsoft.com/office/powerpoint/2010/main">
+    <mc:Choice Requires="p14">
+      <p:transition p14:dur="400">
+        <p:circle/>
+      </p:transition>
+    </mc:Choice>
+    <mc:Fallback xmlns="">
+      <p:transition>
+        <p:circle/>
+      </p:transition>
+    </mc:Fallback>
+  </mc:AlternateContent>
   <p:timing>
     <p:tnLst>
       <p:par>
@@ -11306,7 +11450,7 @@
         </p:nvSpPr>
         <p:spPr>
           <a:xfrm>
-            <a:off x="1297500" y="393750"/>
+            <a:off x="612000" y="393750"/>
             <a:ext cx="7038900" cy="914100"/>
           </a:xfrm>
           <a:prstGeom prst="rect">
@@ -11329,10 +11473,10 @@
               <a:buNone/>
             </a:pPr>
             <a:r>
-              <a:rPr lang="ru"/>
+              <a:rPr lang="ru" dirty="0"/>
               <a:t>Злиття</a:t>
             </a:r>
-            <a:endParaRPr/>
+            <a:endParaRPr dirty="0"/>
           </a:p>
         </p:txBody>
       </p:sp>
@@ -11548,6 +11692,18 @@
   <p:clrMapOvr>
     <a:masterClrMapping/>
   </p:clrMapOvr>
+  <mc:AlternateContent xmlns:mc="http://schemas.openxmlformats.org/markup-compatibility/2006" xmlns:p14="http://schemas.microsoft.com/office/powerpoint/2010/main">
+    <mc:Choice Requires="p14">
+      <p:transition p14:dur="400">
+        <p:circle/>
+      </p:transition>
+    </mc:Choice>
+    <mc:Fallback xmlns="">
+      <p:transition>
+        <p:circle/>
+      </p:transition>
+    </mc:Fallback>
+  </mc:AlternateContent>
   <p:timing>
     <p:tnLst>
       <p:par>
@@ -12115,7 +12271,7 @@
         </p:nvSpPr>
         <p:spPr>
           <a:xfrm>
-            <a:off x="1297500" y="393750"/>
+            <a:off x="612000" y="393750"/>
             <a:ext cx="7038900" cy="914100"/>
           </a:xfrm>
           <a:prstGeom prst="rect">
@@ -12391,6 +12547,18 @@
   <p:clrMapOvr>
     <a:masterClrMapping/>
   </p:clrMapOvr>
+  <mc:AlternateContent xmlns:mc="http://schemas.openxmlformats.org/markup-compatibility/2006" xmlns:p14="http://schemas.microsoft.com/office/powerpoint/2010/main">
+    <mc:Choice Requires="p14">
+      <p:transition p14:dur="400">
+        <p:circle/>
+      </p:transition>
+    </mc:Choice>
+    <mc:Fallback xmlns="">
+      <p:transition>
+        <p:circle/>
+      </p:transition>
+    </mc:Fallback>
+  </mc:AlternateContent>
   <p:timing>
     <p:tnLst>
       <p:par>
@@ -12430,7 +12598,7 @@
         </p:nvSpPr>
         <p:spPr>
           <a:xfrm>
-            <a:off x="1297500" y="393750"/>
+            <a:off x="612000" y="393750"/>
             <a:ext cx="7038900" cy="914100"/>
           </a:xfrm>
           <a:prstGeom prst="rect">
@@ -12480,8 +12648,8 @@
         </p:nvSpPr>
         <p:spPr>
           <a:xfrm>
-            <a:off x="835000" y="1567550"/>
-            <a:ext cx="3737100" cy="2911200"/>
+            <a:off x="835000" y="1132375"/>
+            <a:ext cx="3728122" cy="3346375"/>
           </a:xfrm>
           <a:prstGeom prst="rect">
             <a:avLst/>
@@ -12493,7 +12661,7 @@
           </a:bodyPr>
           <a:lstStyle/>
           <a:p>
-            <a:pPr marL="0" lvl="0" indent="0" algn="l" rtl="0">
+            <a:pPr marL="0" lvl="0" indent="0" algn="just" rtl="0">
               <a:spcBef>
                 <a:spcPts val="0"/>
               </a:spcBef>
@@ -12503,15 +12671,19 @@
               <a:buNone/>
             </a:pPr>
             <a:r>
-              <a:rPr lang="ru" dirty="0"/>
-              <a:t>Github - глобальний веб-сервіс для спільної розробки програмних проектів, заснований за принципами Git, а також  хостінг (сховище) програмного коду. Це:</a:t>
-            </a:r>
-            <a:endParaRPr dirty="0"/>
+              <a:rPr lang="ru" sz="1400" dirty="0"/>
+              <a:t>Github - глобальний веб-сервіс для спільної розробки програмних проектів, заснований за принципами Git, а також  хостінг (сховище) програмного коду. </a:t>
+            </a:r>
+            <a:r>
+              <a:rPr lang="ru" sz="1400" dirty="0" smtClean="0"/>
+              <a:t>Це:</a:t>
+            </a:r>
+            <a:endParaRPr lang="en-US" sz="1400" dirty="0" smtClean="0"/>
           </a:p>
           <a:p>
-            <a:pPr marL="457200" lvl="0" indent="-311150" algn="l" rtl="0">
-              <a:spcBef>
-                <a:spcPts val="1600"/>
+            <a:pPr marL="457200" lvl="0" indent="-311150" algn="just" rtl="0">
+              <a:spcBef>
+                <a:spcPts val="0"/>
               </a:spcBef>
               <a:spcAft>
                 <a:spcPts val="0"/>
@@ -12520,44 +12692,110 @@
               <a:buChar char="-"/>
             </a:pPr>
             <a:r>
-              <a:rPr lang="ru" dirty="0"/>
-              <a:t>частина Microsoft</a:t>
-            </a:r>
-            <a:endParaRPr dirty="0"/>
+              <a:rPr lang="ru" sz="1400" dirty="0" smtClean="0"/>
+              <a:t>40 млн. користувачів з усього світу;</a:t>
+            </a:r>
+            <a:endParaRPr sz="1400" dirty="0" smtClean="0"/>
           </a:p>
           <a:p>
-            <a:pPr marL="457200" lvl="0" indent="-311150" algn="l" rtl="0">
-              <a:spcBef>
-                <a:spcPts val="0"/>
-              </a:spcBef>
-              <a:spcAft>
-                <a:spcPts val="0"/>
-              </a:spcAft>
-              <a:buSzPts val="1300"/>
+            <a:pPr algn="just">
+              <a:buFont typeface="Lato"/>
               <a:buChar char="-"/>
             </a:pPr>
             <a:r>
-              <a:rPr lang="ru" dirty="0"/>
-              <a:t>40 млн. користувачів з усього світу</a:t>
-            </a:r>
-            <a:endParaRPr dirty="0"/>
+              <a:rPr lang="ru" sz="1400" dirty="0" smtClean="0"/>
+              <a:t>100 </a:t>
+            </a:r>
+            <a:r>
+              <a:rPr lang="ru" sz="1400" dirty="0"/>
+              <a:t>млн. репозиторіїв - найбільший хостінг у </a:t>
+            </a:r>
+            <a:r>
+              <a:rPr lang="ru" sz="1400" dirty="0" smtClean="0"/>
+              <a:t>світі;</a:t>
+            </a:r>
+            <a:r>
+              <a:rPr lang="ru-RU" sz="1400" dirty="0"/>
+              <a:t> </a:t>
+            </a:r>
+            <a:endParaRPr lang="ru-RU" sz="1400" dirty="0" smtClean="0"/>
           </a:p>
           <a:p>
-            <a:pPr marL="457200" lvl="0" indent="-311150" algn="l" rtl="0">
-              <a:spcBef>
-                <a:spcPts val="0"/>
-              </a:spcBef>
-              <a:spcAft>
-                <a:spcPts val="0"/>
-              </a:spcAft>
-              <a:buSzPts val="1300"/>
+            <a:pPr algn="just">
+              <a:buFont typeface="Lato"/>
               <a:buChar char="-"/>
             </a:pPr>
             <a:r>
-              <a:rPr lang="ru" dirty="0"/>
-              <a:t>100 млн. репозиторіїв - найбільший хостінг у світі</a:t>
-            </a:r>
-            <a:endParaRPr dirty="0"/>
+              <a:rPr lang="ru-RU" sz="1400" dirty="0" smtClean="0"/>
+              <a:t>337 </a:t>
+            </a:r>
+            <a:r>
+              <a:rPr lang="ru-RU" sz="1400" dirty="0" err="1"/>
+              <a:t>мов</a:t>
+            </a:r>
+            <a:r>
+              <a:rPr lang="ru-RU" sz="1400" dirty="0"/>
+              <a:t> </a:t>
+            </a:r>
+            <a:r>
+              <a:rPr lang="ru-RU" sz="1400" dirty="0" err="1"/>
+              <a:t>програмування</a:t>
+            </a:r>
+            <a:r>
+              <a:rPr lang="ru-RU" sz="1400" dirty="0"/>
+              <a:t>, </a:t>
+            </a:r>
+            <a:r>
+              <a:rPr lang="ru-RU" sz="1400" dirty="0" err="1"/>
+              <a:t>серед</a:t>
+            </a:r>
+            <a:r>
+              <a:rPr lang="ru-RU" sz="1400" dirty="0"/>
+              <a:t> них </a:t>
+            </a:r>
+            <a:r>
+              <a:rPr lang="ru-RU" sz="1400" dirty="0" err="1"/>
+              <a:t>JavaScript</a:t>
+            </a:r>
+            <a:r>
+              <a:rPr lang="ru-RU" sz="1400" dirty="0"/>
+              <a:t> </a:t>
+            </a:r>
+            <a:r>
+              <a:rPr lang="ru-RU" sz="1400" dirty="0" err="1" smtClean="0"/>
+              <a:t>найпопулярніш</a:t>
+            </a:r>
+            <a:r>
+              <a:rPr lang="uk-UA" sz="1400" dirty="0" err="1" smtClean="0"/>
+              <a:t>ою</a:t>
+            </a:r>
+            <a:r>
+              <a:rPr lang="ru-RU" sz="1400" dirty="0" smtClean="0"/>
+              <a:t>;</a:t>
+            </a:r>
+          </a:p>
+          <a:p>
+            <a:pPr algn="just">
+              <a:buFont typeface="Lato"/>
+              <a:buChar char="-"/>
+            </a:pPr>
+            <a:r>
+              <a:rPr lang="uk-UA" sz="1400" dirty="0" smtClean="0"/>
+              <a:t>Серед проектів найбільш рейтинговим є </a:t>
+            </a:r>
+            <a:r>
+              <a:rPr lang="en-US" sz="1400" dirty="0" smtClean="0"/>
+              <a:t>Bootstrap, </a:t>
+            </a:r>
+            <a:r>
+              <a:rPr lang="uk-UA" sz="1400" dirty="0" smtClean="0"/>
+              <a:t>за ним йде </a:t>
+            </a:r>
+            <a:r>
+              <a:rPr lang="en-US" sz="1400" dirty="0" err="1" smtClean="0"/>
+              <a:t>TensorFlow</a:t>
+            </a:r>
+            <a:endParaRPr lang="ru-RU" sz="1400" dirty="0"/>
           </a:p>
         </p:txBody>
       </p:sp>
@@ -12648,6 +12886,18 @@
   <p:clrMapOvr>
     <a:masterClrMapping/>
   </p:clrMapOvr>
+  <mc:AlternateContent xmlns:mc="http://schemas.openxmlformats.org/markup-compatibility/2006" xmlns:p14="http://schemas.microsoft.com/office/powerpoint/2010/main">
+    <mc:Choice Requires="p14">
+      <p:transition p14:dur="400">
+        <p:circle/>
+      </p:transition>
+    </mc:Choice>
+    <mc:Fallback xmlns="">
+      <p:transition>
+        <p:circle/>
+      </p:transition>
+    </mc:Fallback>
+  </mc:AlternateContent>
   <p:timing>
     <p:tnLst>
       <p:par>
@@ -12880,7 +13130,7 @@
                             </p:stCondLst>
                             <p:childTnLst>
                               <p:par>
-                                <p:cTn id="21" presetID="22" presetClass="entr" presetSubtype="1" fill="hold" nodeType="afterEffect">
+                                <p:cTn id="21" presetID="22" presetClass="entr" presetSubtype="8" fill="hold" grpId="0" nodeType="afterEffect">
                                   <p:stCondLst>
                                     <p:cond delay="0"/>
                                   </p:stCondLst>
@@ -12888,6 +13138,58 @@
                                     <p:set>
                                       <p:cBhvr>
                                         <p:cTn id="22" dur="1" fill="hold">
+                                          <p:stCondLst>
+                                            <p:cond delay="0"/>
+                                          </p:stCondLst>
+                                        </p:cTn>
+                                        <p:tgtEl>
+                                          <p:spTgt spid="265">
+                                            <p:txEl>
+                                              <p:pRg st="4" end="4"/>
+                                            </p:txEl>
+                                          </p:spTgt>
+                                        </p:tgtEl>
+                                        <p:attrNameLst>
+                                          <p:attrName>style.visibility</p:attrName>
+                                        </p:attrNameLst>
+                                      </p:cBhvr>
+                                      <p:to>
+                                        <p:strVal val="visible"/>
+                                      </p:to>
+                                    </p:set>
+                                    <p:animEffect transition="in" filter="wipe(left)">
+                                      <p:cBhvr>
+                                        <p:cTn id="23" dur="500"/>
+                                        <p:tgtEl>
+                                          <p:spTgt spid="265">
+                                            <p:txEl>
+                                              <p:pRg st="4" end="4"/>
+                                            </p:txEl>
+                                          </p:spTgt>
+                                        </p:tgtEl>
+                                      </p:cBhvr>
+                                    </p:animEffect>
+                                  </p:childTnLst>
+                                </p:cTn>
+                              </p:par>
+                            </p:childTnLst>
+                          </p:cTn>
+                        </p:par>
+                        <p:par>
+                          <p:cTn id="24" fill="hold">
+                            <p:stCondLst>
+                              <p:cond delay="2500"/>
+                            </p:stCondLst>
+                            <p:childTnLst>
+                              <p:par>
+                                <p:cTn id="25" presetID="22" presetClass="entr" presetSubtype="1" fill="hold" nodeType="afterEffect">
+                                  <p:stCondLst>
+                                    <p:cond delay="0"/>
+                                  </p:stCondLst>
+                                  <p:childTnLst>
+                                    <p:set>
+                                      <p:cBhvr>
+                                        <p:cTn id="26" dur="1" fill="hold">
                                           <p:stCondLst>
                                             <p:cond delay="0"/>
                                           </p:stCondLst>
@@ -12905,7 +13207,7 @@
                                     </p:set>
                                     <p:animEffect transition="in" filter="wipe(up)">
                                       <p:cBhvr>
-                                        <p:cTn id="23" dur="500"/>
+                                        <p:cTn id="27" dur="500"/>
                                         <p:tgtEl>
                                           <p:spTgt spid="267"/>
                                         </p:tgtEl>
@@ -12942,7 +13244,7 @@
       </p:par>
     </p:tnLst>
     <p:bldLst>
-      <p:bldP spid="265" grpId="0" build="p"/>
+      <p:bldP spid="265" grpId="0" uiExpand="1" build="p"/>
     </p:bldLst>
   </p:timing>
 </p:sld>
@@ -12977,8 +13279,8 @@
         </p:nvSpPr>
         <p:spPr>
           <a:xfrm>
-            <a:off x="1297500" y="393750"/>
-            <a:ext cx="7038900" cy="914100"/>
+            <a:off x="612000" y="393750"/>
+            <a:ext cx="7329050" cy="914100"/>
           </a:xfrm>
           <a:prstGeom prst="rect">
             <a:avLst/>
@@ -13000,10 +13302,18 @@
               <a:buNone/>
             </a:pPr>
             <a:r>
-              <a:rPr lang="ru"/>
-              <a:t>GitHub: Створення аккауту та репозиторію</a:t>
-            </a:r>
-            <a:endParaRPr/>
+              <a:rPr lang="ru" dirty="0"/>
+              <a:t>GitHub: Створення </a:t>
+            </a:r>
+            <a:r>
+              <a:rPr lang="ru" dirty="0" smtClean="0"/>
+              <a:t>аккаунту </a:t>
+            </a:r>
+            <a:r>
+              <a:rPr lang="ru" dirty="0"/>
+              <a:t>та репозиторію</a:t>
+            </a:r>
+            <a:endParaRPr dirty="0"/>
           </a:p>
         </p:txBody>
       </p:sp>
@@ -13635,6 +13945,18 @@
   <p:clrMapOvr>
     <a:masterClrMapping/>
   </p:clrMapOvr>
+  <mc:AlternateContent xmlns:mc="http://schemas.openxmlformats.org/markup-compatibility/2006" xmlns:p14="http://schemas.microsoft.com/office/powerpoint/2010/main">
+    <mc:Choice Requires="p14">
+      <p:transition p14:dur="400">
+        <p:circle/>
+      </p:transition>
+    </mc:Choice>
+    <mc:Fallback xmlns="">
+      <p:transition>
+        <p:circle/>
+      </p:transition>
+    </mc:Fallback>
+  </mc:AlternateContent>
   <p:timing>
     <p:tnLst>
       <p:par>
@@ -13777,7 +14099,7 @@
                                     </p:set>
                                     <p:animEffect transition="in" filter="wipe(left)">
                                       <p:cBhvr>
-                                        <p:cTn id="15" dur="500"/>
+                                        <p:cTn id="15" dur="250"/>
                                         <p:tgtEl>
                                           <p:spTgt spid="275"/>
                                         </p:tgtEl>
@@ -13926,7 +14248,7 @@
                                     </p:set>
                                     <p:animEffect transition="in" filter="wipe(left)">
                                       <p:cBhvr>
-                                        <p:cTn id="28" dur="500"/>
+                                        <p:cTn id="28" dur="250"/>
                                         <p:tgtEl>
                                           <p:spTgt spid="276"/>
                                         </p:tgtEl>
@@ -14075,7 +14397,7 @@
                                     </p:set>
                                     <p:animEffect transition="in" filter="wipe(up)">
                                       <p:cBhvr>
-                                        <p:cTn id="41" dur="500"/>
+                                        <p:cTn id="41" dur="250"/>
                                         <p:tgtEl>
                                           <p:spTgt spid="274"/>
                                         </p:tgtEl>
@@ -14224,7 +14546,7 @@
                                     </p:set>
                                     <p:animEffect transition="in" filter="wipe(right)">
                                       <p:cBhvr>
-                                        <p:cTn id="54" dur="500"/>
+                                        <p:cTn id="54" dur="250"/>
                                         <p:tgtEl>
                                           <p:spTgt spid="277"/>
                                         </p:tgtEl>
@@ -14272,709 +14594,6 @@
   <p:cSld>
     <p:spTree>
       <p:nvGrpSpPr>
-        <p:cNvPr id="1" name="Shape 295"/>
-        <p:cNvGrpSpPr/>
-        <p:nvPr/>
-      </p:nvGrpSpPr>
-      <p:grpSpPr>
-        <a:xfrm>
-          <a:off x="0" y="0"/>
-          <a:ext cx="0" cy="0"/>
-          <a:chOff x="0" y="0"/>
-          <a:chExt cx="0" cy="0"/>
-        </a:xfrm>
-      </p:grpSpPr>
-      <p:sp>
-        <p:nvSpPr>
-          <p:cNvPr id="296" name="Google Shape;296;p31"/>
-          <p:cNvSpPr txBox="1">
-            <a:spLocks noGrp="1"/>
-          </p:cNvSpPr>
-          <p:nvPr>
-            <p:ph type="title"/>
-          </p:nvPr>
-        </p:nvSpPr>
-        <p:spPr>
-          <a:xfrm>
-            <a:off x="1297500" y="393750"/>
-            <a:ext cx="7038900" cy="914100"/>
-          </a:xfrm>
-          <a:prstGeom prst="rect">
-            <a:avLst/>
-          </a:prstGeom>
-        </p:spPr>
-        <p:txBody>
-          <a:bodyPr spcFirstLastPara="1" wrap="square" lIns="91425" tIns="91425" rIns="91425" bIns="91425" anchor="t" anchorCtr="0">
-            <a:noAutofit/>
-          </a:bodyPr>
-          <a:lstStyle/>
-          <a:p>
-            <a:pPr marL="0" lvl="0" indent="0" algn="l" rtl="0">
-              <a:spcBef>
-                <a:spcPts val="0"/>
-              </a:spcBef>
-              <a:spcAft>
-                <a:spcPts val="0"/>
-              </a:spcAft>
-              <a:buNone/>
-            </a:pPr>
-            <a:r>
-              <a:rPr lang="ru" dirty="0"/>
-              <a:t>GitHub: Git на </a:t>
-            </a:r>
-            <a:r>
-              <a:rPr lang="ru" dirty="0" smtClean="0"/>
-              <a:t>сервері</a:t>
-            </a:r>
-            <a:r>
-              <a:rPr lang="en-US" dirty="0" smtClean="0"/>
-              <a:t>.</a:t>
-            </a:r>
-            <a:endParaRPr dirty="0"/>
-          </a:p>
-        </p:txBody>
-      </p:sp>
-      <p:sp>
-        <p:nvSpPr>
-          <p:cNvPr id="297" name="Google Shape;297;p31"/>
-          <p:cNvSpPr txBox="1">
-            <a:spLocks noGrp="1"/>
-          </p:cNvSpPr>
-          <p:nvPr>
-            <p:ph type="body" idx="1"/>
-          </p:nvPr>
-        </p:nvSpPr>
-        <p:spPr>
-          <a:xfrm>
-            <a:off x="311700" y="1152475"/>
-            <a:ext cx="8527500" cy="3416400"/>
-          </a:xfrm>
-          <a:prstGeom prst="rect">
-            <a:avLst/>
-          </a:prstGeom>
-        </p:spPr>
-        <p:txBody>
-          <a:bodyPr spcFirstLastPara="1" wrap="square" lIns="91425" tIns="91425" rIns="91425" bIns="91425" anchor="t" anchorCtr="0">
-            <a:noAutofit/>
-          </a:bodyPr>
-          <a:lstStyle/>
-          <a:p>
-            <a:pPr marL="0" lvl="0" indent="0" algn="l" rtl="0">
-              <a:spcBef>
-                <a:spcPts val="0"/>
-              </a:spcBef>
-              <a:spcAft>
-                <a:spcPts val="0"/>
-              </a:spcAft>
-              <a:buNone/>
-            </a:pPr>
-            <a:r>
-              <a:rPr lang="ru" dirty="0"/>
-              <a:t>Після створення Git-репозиторію на сайті GitHub, можна отримати доступ до нього з ПК за допомогою декількох кроків:</a:t>
-            </a:r>
-            <a:endParaRPr dirty="0"/>
-          </a:p>
-          <a:p>
-            <a:pPr marL="0" lvl="0" indent="0" algn="l" rtl="0">
-              <a:spcBef>
-                <a:spcPts val="1600"/>
-              </a:spcBef>
-              <a:spcAft>
-                <a:spcPts val="0"/>
-              </a:spcAft>
-              <a:buNone/>
-            </a:pPr>
-            <a:r>
-              <a:rPr lang="ru" b="1" i="1" dirty="0"/>
-              <a:t>Крок 1:</a:t>
-            </a:r>
-            <a:r>
-              <a:rPr lang="ru" dirty="0"/>
-              <a:t> Відкрити створений раніше репозитарій та скопіювати URL-адресу поточної сторінки. Приблизний вигляд адреси наступний: </a:t>
-            </a:r>
-            <a:r>
-              <a:rPr lang="ru" sz="1100" u="sng" dirty="0">
-                <a:solidFill>
-                  <a:schemeClr val="hlink"/>
-                </a:solidFill>
-                <a:latin typeface="Arial"/>
-                <a:ea typeface="Arial"/>
-                <a:cs typeface="Arial"/>
-                <a:sym typeface="Arial"/>
-                <a:hlinkClick r:id="rId3"/>
-              </a:rPr>
-              <a:t>https://github.com/MyGitName/</a:t>
-            </a:r>
-            <a:r>
-              <a:rPr lang="ru" sz="1100" u="sng" dirty="0">
-                <a:solidFill>
-                  <a:schemeClr val="accent5"/>
-                </a:solidFill>
-                <a:latin typeface="Arial"/>
-                <a:ea typeface="Arial"/>
-                <a:cs typeface="Arial"/>
-                <a:sym typeface="Arial"/>
-                <a:hlinkClick r:id="rId3"/>
-              </a:rPr>
-              <a:t>MyGitRepository</a:t>
-            </a:r>
-            <a:r>
-              <a:rPr lang="ru" dirty="0"/>
-              <a:t> .</a:t>
-            </a:r>
-            <a:endParaRPr dirty="0"/>
-          </a:p>
-          <a:p>
-            <a:pPr marL="0" lvl="0" indent="0" algn="l" rtl="0">
-              <a:spcBef>
-                <a:spcPts val="1600"/>
-              </a:spcBef>
-              <a:spcAft>
-                <a:spcPts val="0"/>
-              </a:spcAft>
-              <a:buNone/>
-            </a:pPr>
-            <a:r>
-              <a:rPr lang="ru" b="1" i="1" dirty="0"/>
-              <a:t>Крок 2:</a:t>
-            </a:r>
-            <a:r>
-              <a:rPr lang="ru" dirty="0"/>
-              <a:t> Запускаємо клієнт Git Bash та переходимо в необхідну робочу директорію, наприклад, </a:t>
-            </a:r>
-            <a:r>
-              <a:rPr lang="ru" dirty="0">
-                <a:latin typeface="Courier New" panose="02070309020205020404" pitchFamily="49" charset="0"/>
-                <a:cs typeface="Courier New" panose="02070309020205020404" pitchFamily="49" charset="0"/>
-              </a:rPr>
-              <a:t>cd D:/Work_Dir</a:t>
-            </a:r>
-            <a:r>
-              <a:rPr lang="ru" dirty="0"/>
-              <a:t>.</a:t>
-            </a:r>
-            <a:endParaRPr dirty="0"/>
-          </a:p>
-          <a:p>
-            <a:pPr marL="0" lvl="0" indent="0" algn="l" rtl="0">
-              <a:spcBef>
-                <a:spcPts val="1600"/>
-              </a:spcBef>
-              <a:spcAft>
-                <a:spcPts val="0"/>
-              </a:spcAft>
-              <a:buNone/>
-            </a:pPr>
-            <a:r>
-              <a:rPr lang="ru" b="1" i="1" dirty="0"/>
-              <a:t>Крок 3:</a:t>
-            </a:r>
-            <a:r>
-              <a:rPr lang="ru" dirty="0"/>
-              <a:t> Копіюємо створений репозиторій на комп’ютер командою:</a:t>
-            </a:r>
-            <a:br>
-              <a:rPr lang="ru" dirty="0"/>
-            </a:br>
-            <a:r>
-              <a:rPr lang="ru" dirty="0"/>
-              <a:t>     </a:t>
-            </a:r>
-            <a:r>
-              <a:rPr lang="ru" sz="1100" dirty="0">
-                <a:solidFill>
-                  <a:schemeClr val="bg1"/>
-                </a:solidFill>
-                <a:latin typeface="Courier New"/>
-                <a:ea typeface="Courier New"/>
-                <a:cs typeface="Courier New"/>
-                <a:sym typeface="Courier New"/>
-              </a:rPr>
-              <a:t>git clone </a:t>
-            </a:r>
-            <a:r>
-              <a:rPr lang="ru" sz="1100" dirty="0">
-                <a:ln>
-                  <a:solidFill>
-                    <a:schemeClr val="bg1"/>
-                  </a:solidFill>
-                </a:ln>
-                <a:solidFill>
-                  <a:schemeClr val="bg1"/>
-                </a:solidFill>
-                <a:uFill>
-                  <a:noFill/>
-                </a:uFill>
-                <a:latin typeface="Courier New"/>
-                <a:ea typeface="Courier New"/>
-                <a:cs typeface="Courier New"/>
-                <a:sym typeface="Courier New"/>
-              </a:rPr>
-              <a:t>https://github.com/MyGitName/MyGitRepository</a:t>
-            </a:r>
-            <a:endParaRPr sz="1100" dirty="0">
-              <a:ln>
-                <a:solidFill>
-                  <a:schemeClr val="bg1"/>
-                </a:solidFill>
-              </a:ln>
-              <a:solidFill>
-                <a:schemeClr val="bg1"/>
-              </a:solidFill>
-              <a:latin typeface="Courier New"/>
-              <a:ea typeface="Courier New"/>
-              <a:cs typeface="Courier New"/>
-              <a:sym typeface="Courier New"/>
-            </a:endParaRPr>
-          </a:p>
-          <a:p>
-            <a:pPr marL="0" lvl="0" indent="0" algn="l" rtl="0">
-              <a:spcBef>
-                <a:spcPts val="1600"/>
-              </a:spcBef>
-              <a:spcAft>
-                <a:spcPts val="1600"/>
-              </a:spcAft>
-              <a:buNone/>
-            </a:pPr>
-            <a:r>
-              <a:rPr lang="ru" sz="1100" dirty="0">
-                <a:latin typeface="Courier New"/>
-                <a:ea typeface="Courier New"/>
-                <a:cs typeface="Courier New"/>
-                <a:sym typeface="Courier New"/>
-              </a:rPr>
-              <a:t>За необхідності відправляємо на сервер файли за допомогою команди:</a:t>
-            </a:r>
-            <a:br>
-              <a:rPr lang="ru" sz="1100" dirty="0">
-                <a:latin typeface="Courier New"/>
-                <a:ea typeface="Courier New"/>
-                <a:cs typeface="Courier New"/>
-                <a:sym typeface="Courier New"/>
-              </a:rPr>
-            </a:br>
-            <a:r>
-              <a:rPr lang="ru" dirty="0"/>
-              <a:t>     </a:t>
-            </a:r>
-            <a:r>
-              <a:rPr lang="ru" sz="1100" dirty="0">
-                <a:latin typeface="Courier New"/>
-                <a:ea typeface="Courier New"/>
-                <a:cs typeface="Courier New"/>
-                <a:sym typeface="Courier New"/>
-              </a:rPr>
-              <a:t>git push</a:t>
-            </a:r>
-            <a:endParaRPr sz="1100" dirty="0">
-              <a:latin typeface="Courier New"/>
-              <a:ea typeface="Courier New"/>
-              <a:cs typeface="Courier New"/>
-              <a:sym typeface="Courier New"/>
-            </a:endParaRPr>
-          </a:p>
-        </p:txBody>
-      </p:sp>
-      <p:sp>
-        <p:nvSpPr>
-          <p:cNvPr id="5" name="Google Shape;180;p18"/>
-          <p:cNvSpPr txBox="1">
-            <a:spLocks noGrp="1"/>
-          </p:cNvSpPr>
-          <p:nvPr>
-            <p:ph type="sldNum" idx="12"/>
-          </p:nvPr>
-        </p:nvSpPr>
-        <p:spPr>
-          <a:xfrm>
-            <a:off x="7926375" y="180000"/>
-            <a:ext cx="1094725" cy="568200"/>
-          </a:xfrm>
-          <a:prstGeom prst="rect">
-            <a:avLst/>
-          </a:prstGeom>
-        </p:spPr>
-        <p:txBody>
-          <a:bodyPr spcFirstLastPara="1" wrap="square" lIns="91425" tIns="91425" rIns="91425" bIns="91425" anchor="ctr" anchorCtr="0">
-            <a:noAutofit/>
-          </a:bodyPr>
-          <a:lstStyle/>
-          <a:p>
-            <a:pPr marL="0" lvl="0" indent="0" algn="r" rtl="0">
-              <a:spcBef>
-                <a:spcPts val="0"/>
-              </a:spcBef>
-              <a:spcAft>
-                <a:spcPts val="0"/>
-              </a:spcAft>
-              <a:buNone/>
-            </a:pPr>
-            <a:fld id="{00000000-1234-1234-1234-123412341234}" type="slidenum">
-              <a:rPr lang="ru" sz="2500" smtClean="0">
-                <a:solidFill>
-                  <a:schemeClr val="lt1"/>
-                </a:solidFill>
-              </a:rPr>
-              <a:t>14</a:t>
-            </a:fld>
-            <a:r>
-              <a:rPr lang="ru" sz="2500" dirty="0" smtClean="0"/>
-              <a:t>/20</a:t>
-            </a:r>
-            <a:endParaRPr sz="2500" dirty="0">
-              <a:solidFill>
-                <a:schemeClr val="lt1"/>
-              </a:solidFill>
-            </a:endParaRPr>
-          </a:p>
-        </p:txBody>
-      </p:sp>
-    </p:spTree>
-  </p:cSld>
-  <p:clrMapOvr>
-    <a:masterClrMapping/>
-  </p:clrMapOvr>
-  <p:timing>
-    <p:tnLst>
-      <p:par>
-        <p:cTn id="1" dur="indefinite" restart="never" nodeType="tmRoot">
-          <p:childTnLst>
-            <p:seq concurrent="1" nextAc="seek">
-              <p:cTn id="2" dur="indefinite" nodeType="mainSeq">
-                <p:childTnLst>
-                  <p:par>
-                    <p:cTn id="3" fill="hold">
-                      <p:stCondLst>
-                        <p:cond delay="indefinite"/>
-                        <p:cond evt="onBegin" delay="0">
-                          <p:tn val="2"/>
-                        </p:cond>
-                      </p:stCondLst>
-                      <p:childTnLst>
-                        <p:par>
-                          <p:cTn id="4" fill="hold">
-                            <p:stCondLst>
-                              <p:cond delay="0"/>
-                            </p:stCondLst>
-                            <p:childTnLst>
-                              <p:par>
-                                <p:cTn id="5" presetID="22" presetClass="entr" presetSubtype="8" fill="hold" grpId="0" nodeType="afterEffect">
-                                  <p:stCondLst>
-                                    <p:cond delay="0"/>
-                                  </p:stCondLst>
-                                  <p:childTnLst>
-                                    <p:set>
-                                      <p:cBhvr>
-                                        <p:cTn id="6" dur="1" fill="hold">
-                                          <p:stCondLst>
-                                            <p:cond delay="0"/>
-                                          </p:stCondLst>
-                                        </p:cTn>
-                                        <p:tgtEl>
-                                          <p:spTgt spid="297">
-                                            <p:txEl>
-                                              <p:pRg st="0" end="0"/>
-                                            </p:txEl>
-                                          </p:spTgt>
-                                        </p:tgtEl>
-                                        <p:attrNameLst>
-                                          <p:attrName>style.visibility</p:attrName>
-                                        </p:attrNameLst>
-                                      </p:cBhvr>
-                                      <p:to>
-                                        <p:strVal val="visible"/>
-                                      </p:to>
-                                    </p:set>
-                                    <p:animEffect transition="in" filter="wipe(left)">
-                                      <p:cBhvr>
-                                        <p:cTn id="7" dur="500"/>
-                                        <p:tgtEl>
-                                          <p:spTgt spid="297">
-                                            <p:txEl>
-                                              <p:pRg st="0" end="0"/>
-                                            </p:txEl>
-                                          </p:spTgt>
-                                        </p:tgtEl>
-                                      </p:cBhvr>
-                                    </p:animEffect>
-                                  </p:childTnLst>
-                                </p:cTn>
-                              </p:par>
-                            </p:childTnLst>
-                          </p:cTn>
-                        </p:par>
-                      </p:childTnLst>
-                    </p:cTn>
-                  </p:par>
-                  <p:par>
-                    <p:cTn id="8" fill="hold">
-                      <p:stCondLst>
-                        <p:cond delay="indefinite"/>
-                      </p:stCondLst>
-                      <p:childTnLst>
-                        <p:par>
-                          <p:cTn id="9" fill="hold">
-                            <p:stCondLst>
-                              <p:cond delay="0"/>
-                            </p:stCondLst>
-                            <p:childTnLst>
-                              <p:par>
-                                <p:cTn id="10" presetID="22" presetClass="entr" presetSubtype="8" fill="hold" grpId="0" nodeType="clickEffect">
-                                  <p:stCondLst>
-                                    <p:cond delay="0"/>
-                                  </p:stCondLst>
-                                  <p:childTnLst>
-                                    <p:set>
-                                      <p:cBhvr>
-                                        <p:cTn id="11" dur="1" fill="hold">
-                                          <p:stCondLst>
-                                            <p:cond delay="0"/>
-                                          </p:stCondLst>
-                                        </p:cTn>
-                                        <p:tgtEl>
-                                          <p:spTgt spid="297">
-                                            <p:txEl>
-                                              <p:pRg st="1" end="1"/>
-                                            </p:txEl>
-                                          </p:spTgt>
-                                        </p:tgtEl>
-                                        <p:attrNameLst>
-                                          <p:attrName>style.visibility</p:attrName>
-                                        </p:attrNameLst>
-                                      </p:cBhvr>
-                                      <p:to>
-                                        <p:strVal val="visible"/>
-                                      </p:to>
-                                    </p:set>
-                                    <p:animEffect transition="in" filter="wipe(left)">
-                                      <p:cBhvr>
-                                        <p:cTn id="12" dur="500"/>
-                                        <p:tgtEl>
-                                          <p:spTgt spid="297">
-                                            <p:txEl>
-                                              <p:pRg st="1" end="1"/>
-                                            </p:txEl>
-                                          </p:spTgt>
-                                        </p:tgtEl>
-                                      </p:cBhvr>
-                                    </p:animEffect>
-                                  </p:childTnLst>
-                                </p:cTn>
-                              </p:par>
-                            </p:childTnLst>
-                          </p:cTn>
-                        </p:par>
-                      </p:childTnLst>
-                    </p:cTn>
-                  </p:par>
-                  <p:par>
-                    <p:cTn id="13" fill="hold">
-                      <p:stCondLst>
-                        <p:cond delay="indefinite"/>
-                      </p:stCondLst>
-                      <p:childTnLst>
-                        <p:par>
-                          <p:cTn id="14" fill="hold">
-                            <p:stCondLst>
-                              <p:cond delay="0"/>
-                            </p:stCondLst>
-                            <p:childTnLst>
-                              <p:par>
-                                <p:cTn id="15" presetID="22" presetClass="entr" presetSubtype="8" fill="hold" grpId="0" nodeType="clickEffect">
-                                  <p:stCondLst>
-                                    <p:cond delay="0"/>
-                                  </p:stCondLst>
-                                  <p:childTnLst>
-                                    <p:set>
-                                      <p:cBhvr>
-                                        <p:cTn id="16" dur="1" fill="hold">
-                                          <p:stCondLst>
-                                            <p:cond delay="0"/>
-                                          </p:stCondLst>
-                                        </p:cTn>
-                                        <p:tgtEl>
-                                          <p:spTgt spid="297">
-                                            <p:txEl>
-                                              <p:pRg st="2" end="2"/>
-                                            </p:txEl>
-                                          </p:spTgt>
-                                        </p:tgtEl>
-                                        <p:attrNameLst>
-                                          <p:attrName>style.visibility</p:attrName>
-                                        </p:attrNameLst>
-                                      </p:cBhvr>
-                                      <p:to>
-                                        <p:strVal val="visible"/>
-                                      </p:to>
-                                    </p:set>
-                                    <p:animEffect transition="in" filter="wipe(left)">
-                                      <p:cBhvr>
-                                        <p:cTn id="17" dur="500"/>
-                                        <p:tgtEl>
-                                          <p:spTgt spid="297">
-                                            <p:txEl>
-                                              <p:pRg st="2" end="2"/>
-                                            </p:txEl>
-                                          </p:spTgt>
-                                        </p:tgtEl>
-                                      </p:cBhvr>
-                                    </p:animEffect>
-                                  </p:childTnLst>
-                                </p:cTn>
-                              </p:par>
-                            </p:childTnLst>
-                          </p:cTn>
-                        </p:par>
-                      </p:childTnLst>
-                    </p:cTn>
-                  </p:par>
-                  <p:par>
-                    <p:cTn id="18" fill="hold">
-                      <p:stCondLst>
-                        <p:cond delay="indefinite"/>
-                      </p:stCondLst>
-                      <p:childTnLst>
-                        <p:par>
-                          <p:cTn id="19" fill="hold">
-                            <p:stCondLst>
-                              <p:cond delay="0"/>
-                            </p:stCondLst>
-                            <p:childTnLst>
-                              <p:par>
-                                <p:cTn id="20" presetID="22" presetClass="entr" presetSubtype="8" fill="hold" grpId="0" nodeType="clickEffect">
-                                  <p:stCondLst>
-                                    <p:cond delay="0"/>
-                                  </p:stCondLst>
-                                  <p:childTnLst>
-                                    <p:set>
-                                      <p:cBhvr>
-                                        <p:cTn id="21" dur="1" fill="hold">
-                                          <p:stCondLst>
-                                            <p:cond delay="0"/>
-                                          </p:stCondLst>
-                                        </p:cTn>
-                                        <p:tgtEl>
-                                          <p:spTgt spid="297">
-                                            <p:txEl>
-                                              <p:pRg st="3" end="3"/>
-                                            </p:txEl>
-                                          </p:spTgt>
-                                        </p:tgtEl>
-                                        <p:attrNameLst>
-                                          <p:attrName>style.visibility</p:attrName>
-                                        </p:attrNameLst>
-                                      </p:cBhvr>
-                                      <p:to>
-                                        <p:strVal val="visible"/>
-                                      </p:to>
-                                    </p:set>
-                                    <p:animEffect transition="in" filter="wipe(left)">
-                                      <p:cBhvr>
-                                        <p:cTn id="22" dur="500"/>
-                                        <p:tgtEl>
-                                          <p:spTgt spid="297">
-                                            <p:txEl>
-                                              <p:pRg st="3" end="3"/>
-                                            </p:txEl>
-                                          </p:spTgt>
-                                        </p:tgtEl>
-                                      </p:cBhvr>
-                                    </p:animEffect>
-                                  </p:childTnLst>
-                                </p:cTn>
-                              </p:par>
-                            </p:childTnLst>
-                          </p:cTn>
-                        </p:par>
-                        <p:par>
-                          <p:cTn id="23" fill="hold">
-                            <p:stCondLst>
-                              <p:cond delay="500"/>
-                            </p:stCondLst>
-                            <p:childTnLst>
-                              <p:par>
-                                <p:cTn id="24" presetID="22" presetClass="entr" presetSubtype="8" fill="hold" grpId="0" nodeType="afterEffect">
-                                  <p:stCondLst>
-                                    <p:cond delay="750"/>
-                                  </p:stCondLst>
-                                  <p:childTnLst>
-                                    <p:set>
-                                      <p:cBhvr>
-                                        <p:cTn id="25" dur="1" fill="hold">
-                                          <p:stCondLst>
-                                            <p:cond delay="0"/>
-                                          </p:stCondLst>
-                                        </p:cTn>
-                                        <p:tgtEl>
-                                          <p:spTgt spid="297">
-                                            <p:txEl>
-                                              <p:pRg st="4" end="4"/>
-                                            </p:txEl>
-                                          </p:spTgt>
-                                        </p:tgtEl>
-                                        <p:attrNameLst>
-                                          <p:attrName>style.visibility</p:attrName>
-                                        </p:attrNameLst>
-                                      </p:cBhvr>
-                                      <p:to>
-                                        <p:strVal val="visible"/>
-                                      </p:to>
-                                    </p:set>
-                                    <p:animEffect transition="in" filter="wipe(left)">
-                                      <p:cBhvr>
-                                        <p:cTn id="26" dur="500"/>
-                                        <p:tgtEl>
-                                          <p:spTgt spid="297">
-                                            <p:txEl>
-                                              <p:pRg st="4" end="4"/>
-                                            </p:txEl>
-                                          </p:spTgt>
-                                        </p:tgtEl>
-                                      </p:cBhvr>
-                                    </p:animEffect>
-                                  </p:childTnLst>
-                                </p:cTn>
-                              </p:par>
-                            </p:childTnLst>
-                          </p:cTn>
-                        </p:par>
-                      </p:childTnLst>
-                    </p:cTn>
-                  </p:par>
-                </p:childTnLst>
-              </p:cTn>
-              <p:prevCondLst>
-                <p:cond evt="onPrev" delay="0">
-                  <p:tgtEl>
-                    <p:sldTgt/>
-                  </p:tgtEl>
-                </p:cond>
-              </p:prevCondLst>
-              <p:nextCondLst>
-                <p:cond evt="onNext" delay="0">
-                  <p:tgtEl>
-                    <p:sldTgt/>
-                  </p:tgtEl>
-                </p:cond>
-              </p:nextCondLst>
-            </p:seq>
-          </p:childTnLst>
-        </p:cTn>
-      </p:par>
-    </p:tnLst>
-    <p:bldLst>
-      <p:bldP spid="297" grpId="0" uiExpand="1" build="p"/>
-    </p:bldLst>
-  </p:timing>
-</p:sld>
-</file>
-
-<file path=ppt/slides/slide15.xml><?xml version="1.0" encoding="utf-8"?>
-<p:sld xmlns:a="http://schemas.openxmlformats.org/drawingml/2006/main" xmlns:r="http://schemas.openxmlformats.org/officeDocument/2006/relationships" xmlns:p="http://schemas.openxmlformats.org/presentationml/2006/main" showMasterSp="0">
-  <p:cSld>
-    <p:spTree>
-      <p:nvGrpSpPr>
         <p:cNvPr id="1" name="Shape 286"/>
         <p:cNvGrpSpPr/>
         <p:nvPr/>
@@ -14999,7 +14618,7 @@
         </p:nvSpPr>
         <p:spPr>
           <a:xfrm>
-            <a:off x="1297500" y="393750"/>
+            <a:off x="612000" y="393750"/>
             <a:ext cx="7038900" cy="914100"/>
           </a:xfrm>
           <a:prstGeom prst="rect">
@@ -15022,10 +14641,10 @@
               <a:buNone/>
             </a:pPr>
             <a:r>
-              <a:rPr lang="ru"/>
+              <a:rPr lang="ru" dirty="0"/>
               <a:t>GitHub: SSH протокол з’єднання</a:t>
             </a:r>
-            <a:endParaRPr/>
+            <a:endParaRPr dirty="0"/>
           </a:p>
         </p:txBody>
       </p:sp>
@@ -15070,7 +14689,7 @@
         <p:spPr>
           <a:xfrm>
             <a:off x="232699" y="1567550"/>
-            <a:ext cx="4542525" cy="2911200"/>
+            <a:ext cx="4542526" cy="2911200"/>
           </a:xfrm>
           <a:prstGeom prst="rect">
             <a:avLst/>
@@ -15082,7 +14701,7 @@
           </a:bodyPr>
           <a:lstStyle/>
           <a:p>
-            <a:pPr marL="146050" lvl="0" indent="0" algn="l" rtl="0">
+            <a:pPr marL="146050" lvl="0" indent="0" algn="just" rtl="0">
               <a:spcBef>
                 <a:spcPts val="0"/>
               </a:spcBef>
@@ -15110,7 +14729,7 @@
             </a:r>
           </a:p>
           <a:p>
-            <a:pPr marL="146050" lvl="0" indent="0" algn="l" rtl="0">
+            <a:pPr marL="146050" lvl="0" indent="0" algn="just" rtl="0">
               <a:spcBef>
                 <a:spcPts val="0"/>
               </a:spcBef>
@@ -15127,7 +14746,7 @@
             <a:endParaRPr dirty="0" smtClean="0"/>
           </a:p>
           <a:p>
-            <a:pPr marL="146050" lvl="0" indent="0" algn="l" rtl="0">
+            <a:pPr marL="146050" lvl="0" indent="0" algn="just" rtl="0">
               <a:spcBef>
                 <a:spcPts val="0"/>
               </a:spcBef>
@@ -15140,7 +14759,7 @@
             <a:endParaRPr lang="ru" b="1" i="1" dirty="0" smtClean="0"/>
           </a:p>
           <a:p>
-            <a:pPr marL="146050" lvl="0" indent="0" algn="l" rtl="0">
+            <a:pPr marL="146050" lvl="0" indent="0" algn="just" rtl="0">
               <a:spcBef>
                 <a:spcPts val="0"/>
               </a:spcBef>
@@ -15160,7 +14779,7 @@
             </a:r>
           </a:p>
           <a:p>
-            <a:pPr marL="146050" lvl="0" indent="0" algn="l" rtl="0">
+            <a:pPr marL="146050" lvl="0" indent="0" algn="just" rtl="0">
               <a:spcBef>
                 <a:spcPts val="0"/>
               </a:spcBef>
@@ -15185,7 +14804,7 @@
             <a:endParaRPr dirty="0" smtClean="0"/>
           </a:p>
           <a:p>
-            <a:pPr marL="146050" lvl="0" indent="0" algn="l" rtl="0">
+            <a:pPr marL="146050" lvl="0" indent="0" algn="just" rtl="0">
               <a:spcBef>
                 <a:spcPts val="1600"/>
               </a:spcBef>
@@ -15251,7 +14870,7 @@
                   <a:schemeClr val="lt1"/>
                 </a:solidFill>
               </a:rPr>
-              <a:t>15</a:t>
+              <a:t>14</a:t>
             </a:fld>
             <a:r>
               <a:rPr lang="ru" sz="2500" dirty="0" smtClean="0"/>
@@ -15393,6 +15012,18 @@
   <p:clrMapOvr>
     <a:masterClrMapping/>
   </p:clrMapOvr>
+  <mc:AlternateContent xmlns:mc="http://schemas.openxmlformats.org/markup-compatibility/2006" xmlns:p14="http://schemas.microsoft.com/office/powerpoint/2010/main">
+    <mc:Choice Requires="p14">
+      <p:transition p14:dur="400">
+        <p:circle/>
+      </p:transition>
+    </mc:Choice>
+    <mc:Fallback xmlns="">
+      <p:transition>
+        <p:circle/>
+      </p:transition>
+    </mc:Fallback>
+  </mc:AlternateContent>
   <p:timing>
     <p:tnLst>
       <p:par>
@@ -15456,15 +15087,24 @@
                                   </p:childTnLst>
                                 </p:cTn>
                               </p:par>
+                            </p:childTnLst>
+                          </p:cTn>
+                        </p:par>
+                        <p:par>
+                          <p:cTn id="8" fill="hold">
+                            <p:stCondLst>
+                              <p:cond delay="500"/>
+                            </p:stCondLst>
+                            <p:childTnLst>
                               <p:par>
-                                <p:cTn id="8" presetID="22" presetClass="entr" presetSubtype="8" fill="hold" grpId="0" nodeType="withEffect">
+                                <p:cTn id="9" presetID="22" presetClass="entr" presetSubtype="8" fill="hold" grpId="0" nodeType="afterEffect">
                                   <p:stCondLst>
                                     <p:cond delay="0"/>
                                   </p:stCondLst>
                                   <p:childTnLst>
                                     <p:set>
                                       <p:cBhvr>
-                                        <p:cTn id="9" dur="1" fill="hold">
+                                        <p:cTn id="10" dur="1" fill="hold">
                                           <p:stCondLst>
                                             <p:cond delay="0"/>
                                           </p:stCondLst>
@@ -15486,7 +15126,7 @@
                                     </p:set>
                                     <p:animEffect transition="in" filter="wipe(left)">
                                       <p:cBhvr>
-                                        <p:cTn id="10" dur="500"/>
+                                        <p:cTn id="11" dur="500"/>
                                         <p:tgtEl>
                                           <p:spTgt spid="290">
                                             <p:txEl>
@@ -15502,23 +15142,14 @@
                             </p:childTnLst>
                           </p:cTn>
                         </p:par>
-                      </p:childTnLst>
-                    </p:cTn>
-                  </p:par>
-                  <p:par>
-                    <p:cTn id="11" fill="hold">
-                      <p:stCondLst>
-                        <p:cond delay="indefinite"/>
-                      </p:stCondLst>
-                      <p:childTnLst>
                         <p:par>
                           <p:cTn id="12" fill="hold">
                             <p:stCondLst>
-                              <p:cond delay="0"/>
+                              <p:cond delay="1000"/>
                             </p:stCondLst>
                             <p:childTnLst>
                               <p:par>
-                                <p:cTn id="13" presetID="22" presetClass="entr" presetSubtype="8" fill="hold" grpId="0" nodeType="clickEffect">
+                                <p:cTn id="13" presetID="22" presetClass="entr" presetSubtype="8" fill="hold" grpId="0" nodeType="afterEffect">
                                   <p:stCondLst>
                                     <p:cond delay="0"/>
                                   </p:stCondLst>
@@ -15606,30 +15237,21 @@
                             </p:childTnLst>
                           </p:cTn>
                         </p:par>
-                      </p:childTnLst>
-                    </p:cTn>
-                  </p:par>
-                  <p:par>
-                    <p:cTn id="19" fill="hold">
-                      <p:stCondLst>
-                        <p:cond delay="indefinite"/>
-                      </p:stCondLst>
-                      <p:childTnLst>
                         <p:par>
-                          <p:cTn id="20" fill="hold">
+                          <p:cTn id="19" fill="hold">
                             <p:stCondLst>
-                              <p:cond delay="0"/>
+                              <p:cond delay="1500"/>
                             </p:stCondLst>
                             <p:childTnLst>
                               <p:par>
-                                <p:cTn id="21" presetID="22" presetClass="entr" presetSubtype="8" fill="hold" grpId="0" nodeType="clickEffect">
+                                <p:cTn id="20" presetID="22" presetClass="entr" presetSubtype="8" fill="hold" grpId="0" nodeType="afterEffect">
                                   <p:stCondLst>
                                     <p:cond delay="0"/>
                                   </p:stCondLst>
                                   <p:childTnLst>
                                     <p:set>
                                       <p:cBhvr>
-                                        <p:cTn id="22" dur="1" fill="hold">
+                                        <p:cTn id="21" dur="1" fill="hold">
                                           <p:stCondLst>
                                             <p:cond delay="0"/>
                                           </p:stCondLst>
@@ -15651,7 +15273,7 @@
                                     </p:set>
                                     <p:animEffect transition="in" filter="wipe(left)">
                                       <p:cBhvr>
-                                        <p:cTn id="23" dur="500"/>
+                                        <p:cTn id="22" dur="500"/>
                                         <p:tgtEl>
                                           <p:spTgt spid="290">
                                             <p:txEl>
@@ -15668,20 +15290,20 @@
                           </p:cTn>
                         </p:par>
                         <p:par>
-                          <p:cTn id="24" fill="hold">
+                          <p:cTn id="23" fill="hold">
                             <p:stCondLst>
-                              <p:cond delay="500"/>
+                              <p:cond delay="2000"/>
                             </p:stCondLst>
                             <p:childTnLst>
                               <p:par>
-                                <p:cTn id="25" presetID="22" presetClass="entr" presetSubtype="8" fill="hold" grpId="0" nodeType="afterEffect">
+                                <p:cTn id="24" presetID="22" presetClass="entr" presetSubtype="8" fill="hold" grpId="0" nodeType="afterEffect">
                                   <p:stCondLst>
                                     <p:cond delay="250"/>
                                   </p:stCondLst>
                                   <p:childTnLst>
                                     <p:set>
                                       <p:cBhvr>
-                                        <p:cTn id="26" dur="1" fill="hold">
+                                        <p:cTn id="25" dur="1" fill="hold">
                                           <p:stCondLst>
                                             <p:cond delay="0"/>
                                           </p:stCondLst>
@@ -15699,7 +15321,7 @@
                                     </p:set>
                                     <p:animEffect transition="in" filter="wipe(left)">
                                       <p:cBhvr>
-                                        <p:cTn id="27" dur="500"/>
+                                        <p:cTn id="26" dur="500"/>
                                         <p:tgtEl>
                                           <p:spTgt spid="2"/>
                                         </p:tgtEl>
@@ -15712,20 +15334,20 @@
                           </p:cTn>
                         </p:par>
                         <p:par>
-                          <p:cTn id="28" fill="hold">
+                          <p:cTn id="27" fill="hold">
                             <p:stCondLst>
-                              <p:cond delay="1250"/>
+                              <p:cond delay="2750"/>
                             </p:stCondLst>
                             <p:childTnLst>
                               <p:par>
-                                <p:cTn id="29" presetID="22" presetClass="entr" presetSubtype="8" fill="hold" nodeType="afterEffect">
+                                <p:cTn id="28" presetID="22" presetClass="entr" presetSubtype="8" fill="hold" nodeType="afterEffect">
                                   <p:stCondLst>
                                     <p:cond delay="250"/>
                                   </p:stCondLst>
                                   <p:childTnLst>
                                     <p:set>
                                       <p:cBhvr>
-                                        <p:cTn id="30" dur="1" fill="hold">
+                                        <p:cTn id="29" dur="1" fill="hold">
                                           <p:stCondLst>
                                             <p:cond delay="0"/>
                                           </p:stCondLst>
@@ -15743,7 +15365,7 @@
                                     </p:set>
                                     <p:animEffect transition="in" filter="wipe(left)">
                                       <p:cBhvr>
-                                        <p:cTn id="31" dur="500"/>
+                                        <p:cTn id="30" dur="500"/>
                                         <p:tgtEl>
                                           <p:spTgt spid="288"/>
                                         </p:tgtEl>
@@ -15787,7 +15409,7 @@
 </p:sld>
 </file>
 
-<file path=ppt/slides/slide16.xml><?xml version="1.0" encoding="utf-8"?>
+<file path=ppt/slides/slide15.xml><?xml version="1.0" encoding="utf-8"?>
 <p:sld xmlns:a="http://schemas.openxmlformats.org/drawingml/2006/main" xmlns:r="http://schemas.openxmlformats.org/officeDocument/2006/relationships" xmlns:p="http://schemas.openxmlformats.org/presentationml/2006/main" showMasterSp="0">
   <p:cSld>
     <p:spTree>
@@ -15816,7 +15438,7 @@
         </p:nvSpPr>
         <p:spPr>
           <a:xfrm>
-            <a:off x="1297500" y="393750"/>
+            <a:off x="612000" y="393750"/>
             <a:ext cx="7038900" cy="914100"/>
           </a:xfrm>
           <a:prstGeom prst="rect">
@@ -15839,10 +15461,10 @@
               <a:buNone/>
             </a:pPr>
             <a:r>
-              <a:rPr lang="ru"/>
+              <a:rPr lang="ru" dirty="0"/>
               <a:t>Github: робота з проектами</a:t>
             </a:r>
-            <a:endParaRPr/>
+            <a:endParaRPr dirty="0"/>
           </a:p>
         </p:txBody>
       </p:sp>
@@ -15858,8 +15480,8 @@
         </p:nvSpPr>
         <p:spPr>
           <a:xfrm>
-            <a:off x="1297500" y="1567550"/>
-            <a:ext cx="7038900" cy="2911200"/>
+            <a:off x="391978" y="1056781"/>
+            <a:ext cx="4455230" cy="2911200"/>
           </a:xfrm>
           <a:prstGeom prst="rect">
             <a:avLst/>
@@ -15871,7 +15493,7 @@
           </a:bodyPr>
           <a:lstStyle/>
           <a:p>
-            <a:pPr marL="0" lvl="0" indent="0" algn="l" rtl="0">
+            <a:pPr marL="0" lvl="0" indent="0" algn="just" rtl="0">
               <a:spcBef>
                 <a:spcPts val="0"/>
               </a:spcBef>
@@ -15887,7 +15509,7 @@
             <a:endParaRPr dirty="0"/>
           </a:p>
           <a:p>
-            <a:pPr marL="457200" lvl="0" indent="-311150" algn="l" rtl="0">
+            <a:pPr marL="457200" lvl="0" indent="-311150" algn="just" rtl="0">
               <a:spcBef>
                 <a:spcPts val="0"/>
               </a:spcBef>
@@ -15904,7 +15526,7 @@
             <a:endParaRPr dirty="0"/>
           </a:p>
           <a:p>
-            <a:pPr marL="457200" lvl="0" indent="-311150" algn="l" rtl="0">
+            <a:pPr marL="457200" lvl="0" indent="-311150" algn="just" rtl="0">
               <a:spcBef>
                 <a:spcPts val="0"/>
               </a:spcBef>
@@ -15921,7 +15543,7 @@
             <a:endParaRPr dirty="0"/>
           </a:p>
           <a:p>
-            <a:pPr marL="457200" lvl="0" indent="0" algn="l" rtl="0">
+            <a:pPr marL="457200" lvl="0" indent="0" algn="just" rtl="0">
               <a:spcBef>
                 <a:spcPts val="0"/>
               </a:spcBef>
@@ -15937,7 +15559,7 @@
             <a:endParaRPr dirty="0"/>
           </a:p>
           <a:p>
-            <a:pPr marL="0" lvl="0" indent="0" algn="l" rtl="0">
+            <a:pPr marL="0" lvl="0" indent="0" algn="just" rtl="0">
               <a:spcBef>
                 <a:spcPts val="0"/>
               </a:spcBef>
@@ -15948,12 +15570,28 @@
             </a:pPr>
             <a:r>
               <a:rPr lang="ru" dirty="0"/>
-              <a:t>Головні команди для роботи з віддаленим репозиторієм:</a:t>
-            </a:r>
+              <a:t>Головні команди для роботи з віддаленим репозиторієм</a:t>
+            </a:r>
+            <a:r>
+              <a:rPr lang="ru" dirty="0" smtClean="0"/>
+              <a:t>:</a:t>
+            </a:r>
+            <a:endParaRPr lang="en-US" dirty="0" smtClean="0"/>
+          </a:p>
+          <a:p>
+            <a:pPr marL="0" lvl="0" indent="0" algn="just" rtl="0">
+              <a:spcBef>
+                <a:spcPts val="0"/>
+              </a:spcBef>
+              <a:spcAft>
+                <a:spcPts val="0"/>
+              </a:spcAft>
+              <a:buNone/>
+            </a:pPr>
             <a:endParaRPr dirty="0"/>
           </a:p>
           <a:p>
-            <a:pPr marL="0" lvl="0" indent="0" algn="l" rtl="0">
+            <a:pPr marL="0" lvl="0" indent="0" algn="just" rtl="0">
               <a:spcBef>
                 <a:spcPts val="0"/>
               </a:spcBef>
@@ -15969,7 +15607,7 @@
             <a:endParaRPr dirty="0"/>
           </a:p>
           <a:p>
-            <a:pPr marL="0" lvl="0" indent="0" algn="l" rtl="0">
+            <a:pPr marL="0" lvl="0" indent="0" algn="just" rtl="0">
               <a:spcBef>
                 <a:spcPts val="0"/>
               </a:spcBef>
@@ -15990,7 +15628,7 @@
             <a:endParaRPr dirty="0"/>
           </a:p>
           <a:p>
-            <a:pPr marL="0" lvl="0" indent="0" algn="l" rtl="0">
+            <a:pPr marL="0" lvl="0" indent="0" algn="just" rtl="0">
               <a:spcBef>
                 <a:spcPts val="0"/>
               </a:spcBef>
@@ -16047,7 +15685,7 @@
                   <a:schemeClr val="lt1"/>
                 </a:solidFill>
               </a:rPr>
-              <a:t>16</a:t>
+              <a:t>15</a:t>
             </a:fld>
             <a:r>
               <a:rPr lang="ru" sz="2500" dirty="0" smtClean="0"/>
@@ -16061,22 +15699,367 @@
           </a:p>
         </p:txBody>
       </p:sp>
+      <p:pic>
+        <p:nvPicPr>
+          <p:cNvPr id="1026" name="Picture 2"/>
+          <p:cNvPicPr>
+            <a:picLocks noChangeAspect="1" noChangeArrowheads="1"/>
+          </p:cNvPicPr>
+          <p:nvPr/>
+        </p:nvPicPr>
+        <p:blipFill>
+          <a:blip r:embed="rId3">
+            <a:extLst>
+              <a:ext uri="{28A0092B-C50C-407E-A947-70E740481C1C}">
+                <a14:useLocalDpi xmlns:a14="http://schemas.microsoft.com/office/drawing/2010/main" val="0"/>
+              </a:ext>
+            </a:extLst>
+          </a:blip>
+          <a:srcRect/>
+          <a:stretch>
+            <a:fillRect/>
+          </a:stretch>
+        </p:blipFill>
+        <p:spPr bwMode="auto">
+          <a:xfrm>
+            <a:off x="5684253" y="1446090"/>
+            <a:ext cx="3190875" cy="600075"/>
+          </a:xfrm>
+          <a:prstGeom prst="rect">
+            <a:avLst/>
+          </a:prstGeom>
+          <a:noFill/>
+          <a:ln>
+            <a:noFill/>
+          </a:ln>
+          <a:effectLst/>
+          <a:extLst>
+            <a:ext uri="{909E8E84-426E-40DD-AFC4-6F175D3DCCD1}">
+              <a14:hiddenFill xmlns:a14="http://schemas.microsoft.com/office/drawing/2010/main">
+                <a:solidFill>
+                  <a:schemeClr val="accent1"/>
+                </a:solidFill>
+              </a14:hiddenFill>
+            </a:ext>
+            <a:ext uri="{91240B29-F687-4F45-9708-019B960494DF}">
+              <a14:hiddenLine xmlns:a14="http://schemas.microsoft.com/office/drawing/2010/main" w="9525">
+                <a:solidFill>
+                  <a:schemeClr val="tx1"/>
+                </a:solidFill>
+                <a:miter lim="800000"/>
+                <a:headEnd/>
+                <a:tailEnd/>
+              </a14:hiddenLine>
+            </a:ext>
+            <a:ext uri="{AF507438-7753-43E0-B8FC-AC1667EBCBE1}">
+              <a14:hiddenEffects xmlns:a14="http://schemas.microsoft.com/office/drawing/2010/main">
+                <a:effectLst>
+                  <a:outerShdw dist="35921" dir="2700000" algn="ctr" rotWithShape="0">
+                    <a:schemeClr val="bg2"/>
+                  </a:outerShdw>
+                </a:effectLst>
+              </a14:hiddenEffects>
+            </a:ext>
+          </a:extLst>
+        </p:spPr>
+      </p:pic>
+      <p:pic>
+        <p:nvPicPr>
+          <p:cNvPr id="1027" name="Picture 3"/>
+          <p:cNvPicPr>
+            <a:picLocks noChangeAspect="1" noChangeArrowheads="1"/>
+          </p:cNvPicPr>
+          <p:nvPr/>
+        </p:nvPicPr>
+        <p:blipFill>
+          <a:blip r:embed="rId4">
+            <a:extLst>
+              <a:ext uri="{28A0092B-C50C-407E-A947-70E740481C1C}">
+                <a14:useLocalDpi xmlns:a14="http://schemas.microsoft.com/office/drawing/2010/main" val="0"/>
+              </a:ext>
+            </a:extLst>
+          </a:blip>
+          <a:srcRect/>
+          <a:stretch>
+            <a:fillRect/>
+          </a:stretch>
+        </p:blipFill>
+        <p:spPr bwMode="auto">
+          <a:xfrm>
+            <a:off x="5684253" y="2512381"/>
+            <a:ext cx="3333983" cy="1771420"/>
+          </a:xfrm>
+          <a:prstGeom prst="rect">
+            <a:avLst/>
+          </a:prstGeom>
+          <a:noFill/>
+          <a:ln>
+            <a:noFill/>
+          </a:ln>
+          <a:effectLst/>
+          <a:extLst>
+            <a:ext uri="{909E8E84-426E-40DD-AFC4-6F175D3DCCD1}">
+              <a14:hiddenFill xmlns:a14="http://schemas.microsoft.com/office/drawing/2010/main">
+                <a:solidFill>
+                  <a:schemeClr val="accent1"/>
+                </a:solidFill>
+              </a14:hiddenFill>
+            </a:ext>
+            <a:ext uri="{91240B29-F687-4F45-9708-019B960494DF}">
+              <a14:hiddenLine xmlns:a14="http://schemas.microsoft.com/office/drawing/2010/main" w="9525">
+                <a:solidFill>
+                  <a:schemeClr val="tx1"/>
+                </a:solidFill>
+                <a:miter lim="800000"/>
+                <a:headEnd/>
+                <a:tailEnd/>
+              </a14:hiddenLine>
+            </a:ext>
+            <a:ext uri="{AF507438-7753-43E0-B8FC-AC1667EBCBE1}">
+              <a14:hiddenEffects xmlns:a14="http://schemas.microsoft.com/office/drawing/2010/main">
+                <a:effectLst>
+                  <a:outerShdw dist="35921" dir="2700000" algn="ctr" rotWithShape="0">
+                    <a:schemeClr val="bg2"/>
+                  </a:outerShdw>
+                </a:effectLst>
+              </a14:hiddenEffects>
+            </a:ext>
+          </a:extLst>
+        </p:spPr>
+      </p:pic>
     </p:spTree>
   </p:cSld>
   <p:clrMapOvr>
     <a:masterClrMapping/>
   </p:clrMapOvr>
+  <mc:AlternateContent xmlns:mc="http://schemas.openxmlformats.org/markup-compatibility/2006" xmlns:p14="http://schemas.microsoft.com/office/powerpoint/2010/main">
+    <mc:Choice Requires="p14">
+      <p:transition p14:dur="400">
+        <p:circle/>
+      </p:transition>
+    </mc:Choice>
+    <mc:Fallback xmlns="">
+      <p:transition>
+        <p:circle/>
+      </p:transition>
+    </mc:Fallback>
+  </mc:AlternateContent>
   <p:timing>
     <p:tnLst>
       <p:par>
-        <p:cTn id="1" dur="indefinite" restart="never" nodeType="tmRoot"/>
+        <p:cTn id="1" dur="indefinite" restart="never" nodeType="tmRoot">
+          <p:childTnLst>
+            <p:seq concurrent="1" nextAc="seek">
+              <p:cTn id="2" dur="indefinite" nodeType="mainSeq">
+                <p:childTnLst>
+                  <p:par>
+                    <p:cTn id="3" fill="hold">
+                      <p:stCondLst>
+                        <p:cond delay="indefinite"/>
+                      </p:stCondLst>
+                      <p:childTnLst>
+                        <p:par>
+                          <p:cTn id="4" fill="hold">
+                            <p:stCondLst>
+                              <p:cond delay="0"/>
+                            </p:stCondLst>
+                            <p:childTnLst>
+                              <p:par>
+                                <p:cTn id="5" presetID="2" presetClass="entr" presetSubtype="4" fill="hold" nodeType="clickEffect">
+                                  <p:stCondLst>
+                                    <p:cond delay="0"/>
+                                  </p:stCondLst>
+                                  <p:childTnLst>
+                                    <p:set>
+                                      <p:cBhvr>
+                                        <p:cTn id="6" dur="1" fill="hold">
+                                          <p:stCondLst>
+                                            <p:cond delay="0"/>
+                                          </p:stCondLst>
+                                        </p:cTn>
+                                        <p:tgtEl>
+                                          <p:spTgt spid="1026"/>
+                                        </p:tgtEl>
+                                        <p:attrNameLst>
+                                          <p:attrName>style.visibility</p:attrName>
+                                        </p:attrNameLst>
+                                      </p:cBhvr>
+                                      <p:to>
+                                        <p:strVal val="visible"/>
+                                      </p:to>
+                                    </p:set>
+                                    <p:anim calcmode="lin" valueType="num">
+                                      <p:cBhvr additive="base">
+                                        <p:cTn id="7" dur="500" fill="hold"/>
+                                        <p:tgtEl>
+                                          <p:spTgt spid="1026"/>
+                                        </p:tgtEl>
+                                        <p:attrNameLst>
+                                          <p:attrName>ppt_x</p:attrName>
+                                        </p:attrNameLst>
+                                      </p:cBhvr>
+                                      <p:tavLst>
+                                        <p:tav tm="0">
+                                          <p:val>
+                                            <p:strVal val="#ppt_x"/>
+                                          </p:val>
+                                        </p:tav>
+                                        <p:tav tm="100000">
+                                          <p:val>
+                                            <p:strVal val="#ppt_x"/>
+                                          </p:val>
+                                        </p:tav>
+                                      </p:tavLst>
+                                    </p:anim>
+                                    <p:anim calcmode="lin" valueType="num">
+                                      <p:cBhvr additive="base">
+                                        <p:cTn id="8" dur="500" fill="hold"/>
+                                        <p:tgtEl>
+                                          <p:spTgt spid="1026"/>
+                                        </p:tgtEl>
+                                        <p:attrNameLst>
+                                          <p:attrName>ppt_y</p:attrName>
+                                        </p:attrNameLst>
+                                      </p:cBhvr>
+                                      <p:tavLst>
+                                        <p:tav tm="0">
+                                          <p:val>
+                                            <p:strVal val="1+#ppt_h/2"/>
+                                          </p:val>
+                                        </p:tav>
+                                        <p:tav tm="100000">
+                                          <p:val>
+                                            <p:strVal val="#ppt_y"/>
+                                          </p:val>
+                                        </p:tav>
+                                      </p:tavLst>
+                                    </p:anim>
+                                  </p:childTnLst>
+                                </p:cTn>
+                              </p:par>
+                            </p:childTnLst>
+                          </p:cTn>
+                        </p:par>
+                      </p:childTnLst>
+                    </p:cTn>
+                  </p:par>
+                  <p:par>
+                    <p:cTn id="9" fill="hold">
+                      <p:stCondLst>
+                        <p:cond delay="indefinite"/>
+                      </p:stCondLst>
+                      <p:childTnLst>
+                        <p:par>
+                          <p:cTn id="10" fill="hold">
+                            <p:stCondLst>
+                              <p:cond delay="0"/>
+                            </p:stCondLst>
+                            <p:childTnLst>
+                              <p:par>
+                                <p:cTn id="11" presetID="2" presetClass="entr" presetSubtype="4" fill="hold" nodeType="clickEffect">
+                                  <p:stCondLst>
+                                    <p:cond delay="0"/>
+                                  </p:stCondLst>
+                                  <p:childTnLst>
+                                    <p:set>
+                                      <p:cBhvr>
+                                        <p:cTn id="12" dur="1" fill="hold">
+                                          <p:stCondLst>
+                                            <p:cond delay="0"/>
+                                          </p:stCondLst>
+                                        </p:cTn>
+                                        <p:tgtEl>
+                                          <p:spTgt spid="1027"/>
+                                        </p:tgtEl>
+                                        <p:attrNameLst>
+                                          <p:attrName>style.visibility</p:attrName>
+                                        </p:attrNameLst>
+                                      </p:cBhvr>
+                                      <p:to>
+                                        <p:strVal val="visible"/>
+                                      </p:to>
+                                    </p:set>
+                                    <p:anim calcmode="lin" valueType="num">
+                                      <p:cBhvr additive="base">
+                                        <p:cTn id="13" dur="500" fill="hold"/>
+                                        <p:tgtEl>
+                                          <p:spTgt spid="1027"/>
+                                        </p:tgtEl>
+                                        <p:attrNameLst>
+                                          <p:attrName>ppt_x</p:attrName>
+                                        </p:attrNameLst>
+                                      </p:cBhvr>
+                                      <p:tavLst>
+                                        <p:tav tm="0">
+                                          <p:val>
+                                            <p:strVal val="#ppt_x"/>
+                                          </p:val>
+                                        </p:tav>
+                                        <p:tav tm="100000">
+                                          <p:val>
+                                            <p:strVal val="#ppt_x"/>
+                                          </p:val>
+                                        </p:tav>
+                                      </p:tavLst>
+                                    </p:anim>
+                                    <p:anim calcmode="lin" valueType="num">
+                                      <p:cBhvr additive="base">
+                                        <p:cTn id="14" dur="500" fill="hold"/>
+                                        <p:tgtEl>
+                                          <p:spTgt spid="1027"/>
+                                        </p:tgtEl>
+                                        <p:attrNameLst>
+                                          <p:attrName>ppt_y</p:attrName>
+                                        </p:attrNameLst>
+                                      </p:cBhvr>
+                                      <p:tavLst>
+                                        <p:tav tm="0">
+                                          <p:val>
+                                            <p:strVal val="1+#ppt_h/2"/>
+                                          </p:val>
+                                        </p:tav>
+                                        <p:tav tm="100000">
+                                          <p:val>
+                                            <p:strVal val="#ppt_y"/>
+                                          </p:val>
+                                        </p:tav>
+                                      </p:tavLst>
+                                    </p:anim>
+                                  </p:childTnLst>
+                                </p:cTn>
+                              </p:par>
+                            </p:childTnLst>
+                          </p:cTn>
+                        </p:par>
+                      </p:childTnLst>
+                    </p:cTn>
+                  </p:par>
+                </p:childTnLst>
+              </p:cTn>
+              <p:prevCondLst>
+                <p:cond evt="onPrev" delay="0">
+                  <p:tgtEl>
+                    <p:sldTgt/>
+                  </p:tgtEl>
+                </p:cond>
+              </p:prevCondLst>
+              <p:nextCondLst>
+                <p:cond evt="onNext" delay="0">
+                  <p:tgtEl>
+                    <p:sldTgt/>
+                  </p:tgtEl>
+                </p:cond>
+              </p:nextCondLst>
+            </p:seq>
+          </p:childTnLst>
+        </p:cTn>
       </p:par>
     </p:tnLst>
   </p:timing>
 </p:sld>
 </file>
 
-<file path=ppt/slides/slide17.xml><?xml version="1.0" encoding="utf-8"?>
+<file path=ppt/slides/slide16.xml><?xml version="1.0" encoding="utf-8"?>
 <p:sld xmlns:a="http://schemas.openxmlformats.org/drawingml/2006/main" xmlns:r="http://schemas.openxmlformats.org/officeDocument/2006/relationships" xmlns:p="http://schemas.openxmlformats.org/presentationml/2006/main" showMasterSp="0">
   <p:cSld>
     <p:spTree>
@@ -16105,7 +16088,7 @@
         </p:nvSpPr>
         <p:spPr>
           <a:xfrm>
-            <a:off x="1297500" y="393750"/>
+            <a:off x="612000" y="393750"/>
             <a:ext cx="7038900" cy="914100"/>
           </a:xfrm>
           <a:prstGeom prst="rect">
@@ -16128,10 +16111,10 @@
               <a:buNone/>
             </a:pPr>
             <a:r>
-              <a:rPr lang="ru"/>
+              <a:rPr lang="ru" dirty="0"/>
               <a:t>Github: інструменти колективної роботи</a:t>
             </a:r>
-            <a:endParaRPr/>
+            <a:endParaRPr dirty="0"/>
           </a:p>
         </p:txBody>
       </p:sp>
@@ -16160,7 +16143,7 @@
           </a:bodyPr>
           <a:lstStyle/>
           <a:p>
-            <a:pPr marL="457200" lvl="0" indent="-311150" algn="l" rtl="0">
+            <a:pPr marL="457200" lvl="0" indent="-311150" algn="just" rtl="0">
               <a:spcBef>
                 <a:spcPts val="0"/>
               </a:spcBef>
@@ -16171,17 +16154,17 @@
               <a:buAutoNum type="arabicPeriod"/>
             </a:pPr>
             <a:r>
-              <a:rPr lang="ru" b="1"/>
+              <a:rPr lang="ru" sz="1600" b="1" dirty="0"/>
               <a:t>Pull request</a:t>
             </a:r>
             <a:r>
-              <a:rPr lang="ru"/>
+              <a:rPr lang="ru" sz="1600" dirty="0"/>
               <a:t> - організація додавання змін у гілку (коментарі, code review)</a:t>
             </a:r>
-            <a:endParaRPr/>
+            <a:endParaRPr sz="1600" dirty="0"/>
           </a:p>
           <a:p>
-            <a:pPr marL="457200" lvl="0" indent="-311150" algn="l" rtl="0">
+            <a:pPr marL="457200" lvl="0" indent="-311150" algn="just" rtl="0">
               <a:spcBef>
                 <a:spcPts val="0"/>
               </a:spcBef>
@@ -16192,17 +16175,17 @@
               <a:buAutoNum type="arabicPeriod"/>
             </a:pPr>
             <a:r>
-              <a:rPr lang="ru" b="1"/>
+              <a:rPr lang="ru" sz="1600" b="1" dirty="0"/>
               <a:t>Приватні/публічні репозиторії</a:t>
             </a:r>
             <a:r>
-              <a:rPr lang="ru"/>
+              <a:rPr lang="ru" sz="1600" dirty="0"/>
               <a:t> - можливість створювати комерційні проекти віддалено на закритому (приватному) хостінгу або, навпаки, створювати опенсорсні проекти та залучати величезну ІТ-команду зі всього світу.</a:t>
             </a:r>
-            <a:endParaRPr/>
+            <a:endParaRPr sz="1600" dirty="0"/>
           </a:p>
           <a:p>
-            <a:pPr marL="457200" lvl="0" indent="-311150" algn="l" rtl="0">
+            <a:pPr marL="457200" lvl="0" indent="-311150" algn="just" rtl="0">
               <a:spcBef>
                 <a:spcPts val="0"/>
               </a:spcBef>
@@ -16213,17 +16196,17 @@
               <a:buAutoNum type="arabicPeriod"/>
             </a:pPr>
             <a:r>
-              <a:rPr lang="ru" b="1"/>
+              <a:rPr lang="ru" sz="1600" b="1" dirty="0"/>
               <a:t>Організації </a:t>
             </a:r>
             <a:r>
-              <a:rPr lang="ru"/>
+              <a:rPr lang="ru" sz="1600" dirty="0"/>
               <a:t>- створення великої команду проекту, яка складатиметься з окремих спеціалізацій (розробників, фронтенд, бекенд, ...), зайнятими своїми мікропроектами, та налагоджувати зв’язки між ними.</a:t>
             </a:r>
-            <a:endParaRPr/>
+            <a:endParaRPr sz="1600" dirty="0"/>
           </a:p>
           <a:p>
-            <a:pPr marL="457200" lvl="0" indent="-311150" algn="l" rtl="0">
+            <a:pPr marL="457200" lvl="0" indent="-311150" algn="just" rtl="0">
               <a:spcBef>
                 <a:spcPts val="0"/>
               </a:spcBef>
@@ -16234,17 +16217,17 @@
               <a:buAutoNum type="arabicPeriod"/>
             </a:pPr>
             <a:r>
-              <a:rPr lang="ru" b="1"/>
+              <a:rPr lang="ru" sz="1600" b="1" dirty="0"/>
               <a:t>Wiki </a:t>
             </a:r>
             <a:r>
-              <a:rPr lang="ru"/>
+              <a:rPr lang="ru" sz="1600" dirty="0"/>
               <a:t>- публікація детальної документації щодо проекту (окремо від readme).</a:t>
             </a:r>
-            <a:endParaRPr/>
+            <a:endParaRPr sz="1600" dirty="0"/>
           </a:p>
           <a:p>
-            <a:pPr marL="457200" lvl="0" indent="-311150" algn="l" rtl="0">
+            <a:pPr marL="457200" lvl="0" indent="-311150" algn="just" rtl="0">
               <a:spcBef>
                 <a:spcPts val="0"/>
               </a:spcBef>
@@ -16255,17 +16238,17 @@
               <a:buAutoNum type="arabicPeriod"/>
             </a:pPr>
             <a:r>
-              <a:rPr lang="ru" b="1"/>
+              <a:rPr lang="ru" sz="1600" b="1" dirty="0"/>
               <a:t>Issue tracking</a:t>
             </a:r>
             <a:r>
-              <a:rPr lang="ru"/>
+              <a:rPr lang="ru" sz="1600" dirty="0"/>
               <a:t> - додавання звіту про виявленні проблеми в коді або в користуванні (аналог форуму).</a:t>
             </a:r>
-            <a:endParaRPr/>
+            <a:endParaRPr sz="1600" dirty="0"/>
           </a:p>
           <a:p>
-            <a:pPr marL="457200" lvl="0" indent="-311150" algn="l" rtl="0">
+            <a:pPr marL="457200" lvl="0" indent="-311150" algn="just" rtl="0">
               <a:spcBef>
                 <a:spcPts val="0"/>
               </a:spcBef>
@@ -16276,14 +16259,14 @@
               <a:buAutoNum type="arabicPeriod"/>
             </a:pPr>
             <a:r>
-              <a:rPr lang="ru" b="1"/>
+              <a:rPr lang="ru" sz="1600" b="1" dirty="0"/>
               <a:t>Коментарі </a:t>
             </a:r>
             <a:r>
-              <a:rPr lang="ru"/>
+              <a:rPr lang="ru" sz="1600" dirty="0"/>
               <a:t>- Github практично всюди дозволяє залишати коментарі.</a:t>
             </a:r>
-            <a:endParaRPr/>
+            <a:endParaRPr sz="1600" dirty="0"/>
           </a:p>
         </p:txBody>
       </p:sp>
@@ -16327,7 +16310,7 @@
                   <a:schemeClr val="lt1"/>
                 </a:solidFill>
               </a:rPr>
-              <a:t>17</a:t>
+              <a:t>16</a:t>
             </a:fld>
             <a:r>
               <a:rPr lang="ru" sz="2500" dirty="0" smtClean="0"/>
@@ -16346,6 +16329,18 @@
   <p:clrMapOvr>
     <a:masterClrMapping/>
   </p:clrMapOvr>
+  <mc:AlternateContent xmlns:mc="http://schemas.openxmlformats.org/markup-compatibility/2006" xmlns:p14="http://schemas.microsoft.com/office/powerpoint/2010/main">
+    <mc:Choice Requires="p14">
+      <p:transition p14:dur="400">
+        <p:circle/>
+      </p:transition>
+    </mc:Choice>
+    <mc:Fallback xmlns="">
+      <p:transition>
+        <p:circle/>
+      </p:transition>
+    </mc:Fallback>
+  </mc:AlternateContent>
   <p:timing>
     <p:tnLst>
       <p:par>
@@ -16356,7 +16351,7 @@
 </p:sld>
 </file>
 
-<file path=ppt/slides/slide18.xml><?xml version="1.0" encoding="utf-8"?>
+<file path=ppt/slides/slide17.xml><?xml version="1.0" encoding="utf-8"?>
 <p:sld xmlns:a="http://schemas.openxmlformats.org/drawingml/2006/main" xmlns:r="http://schemas.openxmlformats.org/officeDocument/2006/relationships" xmlns:p="http://schemas.openxmlformats.org/presentationml/2006/main" showMasterSp="0">
   <p:cSld>
     <p:spTree>
@@ -16385,7 +16380,7 @@
         </p:nvSpPr>
         <p:spPr>
           <a:xfrm>
-            <a:off x="1297500" y="393750"/>
+            <a:off x="612000" y="393750"/>
             <a:ext cx="7038900" cy="914100"/>
           </a:xfrm>
           <a:prstGeom prst="rect">
@@ -16408,10 +16403,10 @@
               <a:buNone/>
             </a:pPr>
             <a:r>
-              <a:rPr lang="ru"/>
+              <a:rPr lang="ru" dirty="0"/>
               <a:t>GitHub соціальна мережа</a:t>
             </a:r>
-            <a:endParaRPr/>
+            <a:endParaRPr dirty="0"/>
           </a:p>
         </p:txBody>
       </p:sp>
@@ -16450,10 +16445,10 @@
               <a:buNone/>
             </a:pPr>
             <a:r>
-              <a:rPr lang="ru" dirty="0"/>
+              <a:rPr lang="ru" sz="1600" dirty="0"/>
               <a:t>Атрибути соцмережі:</a:t>
             </a:r>
-            <a:endParaRPr dirty="0"/>
+            <a:endParaRPr sz="1600" dirty="0"/>
           </a:p>
           <a:p>
             <a:pPr marL="457200" lvl="0" indent="-311150" algn="l" rtl="0">
@@ -16467,10 +16462,10 @@
               <a:buChar char="-"/>
             </a:pPr>
             <a:r>
-              <a:rPr lang="ru" dirty="0"/>
+              <a:rPr lang="ru" sz="1600" dirty="0"/>
               <a:t>підписка;</a:t>
             </a:r>
-            <a:endParaRPr dirty="0"/>
+            <a:endParaRPr sz="1600" dirty="0"/>
           </a:p>
           <a:p>
             <a:pPr marL="457200" lvl="0" indent="-311150" algn="l" rtl="0">
@@ -16484,10 +16479,10 @@
               <a:buChar char="-"/>
             </a:pPr>
             <a:r>
-              <a:rPr lang="ru" dirty="0"/>
+              <a:rPr lang="ru" sz="1600" dirty="0"/>
               <a:t>стрічка новин і трендів;</a:t>
             </a:r>
-            <a:endParaRPr dirty="0"/>
+            <a:endParaRPr sz="1600" dirty="0"/>
           </a:p>
           <a:p>
             <a:pPr marL="457200" lvl="0" indent="-311150" algn="l" rtl="0">
@@ -16501,10 +16496,10 @@
               <a:buChar char="-"/>
             </a:pPr>
             <a:r>
-              <a:rPr lang="ru" dirty="0"/>
+              <a:rPr lang="ru" sz="1600" dirty="0"/>
               <a:t>коментарі;</a:t>
             </a:r>
-            <a:endParaRPr dirty="0"/>
+            <a:endParaRPr sz="1600" dirty="0"/>
           </a:p>
           <a:p>
             <a:pPr marL="457200" lvl="0" indent="-311150" algn="l" rtl="0">
@@ -16518,10 +16513,10 @@
               <a:buChar char="-"/>
             </a:pPr>
             <a:r>
-              <a:rPr lang="ru" dirty="0"/>
+              <a:rPr lang="ru" sz="1600" dirty="0"/>
               <a:t>спілкування</a:t>
             </a:r>
-            <a:endParaRPr dirty="0"/>
+            <a:endParaRPr sz="1600" dirty="0"/>
           </a:p>
           <a:p>
             <a:pPr marL="457200" lvl="0" indent="-311150" algn="l" rtl="0">
@@ -16535,10 +16530,10 @@
               <a:buChar char="-"/>
             </a:pPr>
             <a:r>
-              <a:rPr lang="ru" dirty="0"/>
+              <a:rPr lang="ru" sz="1600" dirty="0"/>
               <a:t>рейтинги репозиторіїв.</a:t>
             </a:r>
-            <a:endParaRPr dirty="0"/>
+            <a:endParaRPr sz="1600" dirty="0"/>
           </a:p>
         </p:txBody>
       </p:sp>
@@ -16610,7 +16605,7 @@
                   <a:schemeClr val="lt1"/>
                 </a:solidFill>
               </a:rPr>
-              <a:t>18</a:t>
+              <a:t>17</a:t>
             </a:fld>
             <a:r>
               <a:rPr lang="ru" sz="2500" dirty="0" smtClean="0"/>
@@ -16629,6 +16624,18 @@
   <p:clrMapOvr>
     <a:masterClrMapping/>
   </p:clrMapOvr>
+  <mc:AlternateContent xmlns:mc="http://schemas.openxmlformats.org/markup-compatibility/2006" xmlns:p14="http://schemas.microsoft.com/office/powerpoint/2010/main">
+    <mc:Choice Requires="p14">
+      <p:transition p14:dur="400">
+        <p:circle/>
+      </p:transition>
+    </mc:Choice>
+    <mc:Fallback xmlns="">
+      <p:transition>
+        <p:circle/>
+      </p:transition>
+    </mc:Fallback>
+  </mc:AlternateContent>
   <p:timing>
     <p:tnLst>
       <p:par>
@@ -16639,7 +16646,7 @@
 </p:sld>
 </file>
 
-<file path=ppt/slides/slide19.xml><?xml version="1.0" encoding="utf-8"?>
+<file path=ppt/slides/slide18.xml><?xml version="1.0" encoding="utf-8"?>
 <p:sld xmlns:a="http://schemas.openxmlformats.org/drawingml/2006/main" xmlns:r="http://schemas.openxmlformats.org/officeDocument/2006/relationships" xmlns:p="http://schemas.openxmlformats.org/presentationml/2006/main" showMasterSp="0">
   <p:cSld>
     <p:spTree>
@@ -16668,7 +16675,7 @@
         </p:nvSpPr>
         <p:spPr>
           <a:xfrm>
-            <a:off x="1297500" y="393750"/>
+            <a:off x="612000" y="393750"/>
             <a:ext cx="7038900" cy="914100"/>
           </a:xfrm>
           <a:prstGeom prst="rect">
@@ -16723,7 +16730,17 @@
           </a:bodyPr>
           <a:lstStyle/>
           <a:p>
-            <a:pPr marL="457200" lvl="0" indent="-311150" algn="l" rtl="0">
+            <a:pPr lvl="0" algn="just">
+              <a:buAutoNum type="arabicPeriod"/>
+            </a:pPr>
+            <a:r>
+              <a:rPr lang="ru" sz="1800" dirty="0"/>
+              <a:t>Git — технологія контролю версій, яка допомагає IT спеціалістам (і не тільки) контролювати кожний етап розробки свого продукту.</a:t>
+            </a:r>
+            <a:endParaRPr sz="1800" dirty="0"/>
+          </a:p>
+          <a:p>
+            <a:pPr marL="457200" lvl="0" indent="-311150" algn="just" rtl="0">
               <a:spcBef>
                 <a:spcPts val="0"/>
               </a:spcBef>
@@ -16735,12 +16752,20 @@
             </a:pPr>
             <a:r>
               <a:rPr lang="ru" sz="1800" dirty="0"/>
-              <a:t>Git - технологія контролю версій, яка допомагає IT спеціалістам (і не тільки) контролювати кожний етап розробки свого продукту.</a:t>
+              <a:t>Git на </a:t>
+            </a:r>
+            <a:r>
+              <a:rPr lang="ru" sz="1800" dirty="0" smtClean="0"/>
+              <a:t>сервері </a:t>
+            </a:r>
+            <a:r>
+              <a:rPr lang="ru" sz="1800" dirty="0"/>
+              <a:t>дозволяє зберігати і працювати з проектами віддалено.</a:t>
             </a:r>
             <a:endParaRPr sz="1800" dirty="0"/>
           </a:p>
           <a:p>
-            <a:pPr marL="457200" lvl="0" indent="-311150" algn="l" rtl="0">
+            <a:pPr marL="457200" lvl="0" indent="-311150" algn="just" rtl="0">
               <a:spcBef>
                 <a:spcPts val="0"/>
               </a:spcBef>
@@ -16752,58 +16777,43 @@
             </a:pPr>
             <a:r>
               <a:rPr lang="ru" sz="1800" dirty="0"/>
-              <a:t>Git на віддаленому сервері дозволяє зберігати і працювати з проектами віддалено.</a:t>
+              <a:t>Ця технологія дозволяє об’єднувати величезну кількість людей в одну команду для розробки продукту.</a:t>
             </a:r>
             <a:endParaRPr sz="1800" dirty="0"/>
           </a:p>
           <a:p>
-            <a:pPr marL="457200" lvl="0" indent="-311150" algn="l" rtl="0">
-              <a:spcBef>
-                <a:spcPts val="0"/>
-              </a:spcBef>
-              <a:spcAft>
-                <a:spcPts val="0"/>
-              </a:spcAft>
-              <a:buSzPts val="1300"/>
+            <a:pPr lvl="0" algn="just">
               <a:buAutoNum type="arabicPeriod"/>
             </a:pPr>
             <a:r>
               <a:rPr lang="ru" sz="1800" dirty="0"/>
-              <a:t>Ця технологія дозволяє об’єднувати величезну кількість людей в одну команду для розробки продукту.</a:t>
+              <a:t>Github — це інструмент, який реалізує технологію Git з більш вираженими елементами соціальної мережі.</a:t>
             </a:r>
             <a:endParaRPr sz="1800" dirty="0"/>
           </a:p>
           <a:p>
-            <a:pPr marL="457200" lvl="0" indent="-311150" algn="l" rtl="0">
-              <a:spcBef>
-                <a:spcPts val="0"/>
-              </a:spcBef>
-              <a:spcAft>
-                <a:spcPts val="0"/>
-              </a:spcAft>
-              <a:buSzPts val="1300"/>
+            <a:pPr lvl="0" algn="just">
               <a:buAutoNum type="arabicPeriod"/>
             </a:pPr>
             <a:r>
               <a:rPr lang="ru" sz="1800" dirty="0"/>
-              <a:t>Github - це інструмент, який реалізує технологію Git з більш вираженими елементами соціальної мережі.</a:t>
-            </a:r>
-            <a:endParaRPr sz="1800" dirty="0"/>
-          </a:p>
-          <a:p>
-            <a:pPr marL="457200" lvl="0" indent="-311150" algn="l" rtl="0">
-              <a:spcBef>
-                <a:spcPts val="0"/>
-              </a:spcBef>
-              <a:spcAft>
-                <a:spcPts val="0"/>
-              </a:spcAft>
-              <a:buSzPts val="1300"/>
-              <a:buAutoNum type="arabicPeriod"/>
-            </a:pPr>
+              <a:t>Github </a:t>
+            </a:r>
+            <a:r>
+              <a:rPr lang="ru" sz="1800" dirty="0" smtClean="0"/>
+              <a:t>— чудовий </a:t>
+            </a:r>
+            <a:r>
+              <a:rPr lang="uk-UA" sz="1800" dirty="0" smtClean="0"/>
+              <a:t>Інтернет-ресурс, </a:t>
+            </a:r>
+            <a:r>
+              <a:rPr lang="ru" sz="1800" dirty="0" smtClean="0"/>
+              <a:t>особливо </a:t>
+            </a:r>
             <a:r>
               <a:rPr lang="ru" sz="1800" dirty="0"/>
-              <a:t>Github - це чудовий інструмент для володіння особливо початківцям в IT, що дозволяє безкоштовно публікувати свої пет-проекти, які можна зазначити в своєму резюме (CV) як підтвердження свого досвіду.</a:t>
+              <a:t>початківцям в IT, що дозволяє безкоштовно публікувати свої пет-проекти, які можна зазначити в своєму резюме (CV) як підтвердження свого досвіду.</a:t>
             </a:r>
             <a:endParaRPr sz="1800" dirty="0"/>
           </a:p>
@@ -16849,7 +16859,7 @@
                   <a:schemeClr val="lt1"/>
                 </a:solidFill>
               </a:rPr>
-              <a:t>19</a:t>
+              <a:t>18</a:t>
             </a:fld>
             <a:r>
               <a:rPr lang="ru" sz="2500" dirty="0" smtClean="0"/>
@@ -16868,6 +16878,289 @@
   <p:clrMapOvr>
     <a:masterClrMapping/>
   </p:clrMapOvr>
+  <mc:AlternateContent xmlns:mc="http://schemas.openxmlformats.org/markup-compatibility/2006" xmlns:p14="http://schemas.microsoft.com/office/powerpoint/2010/main">
+    <mc:Choice Requires="p14">
+      <p:transition p14:dur="400">
+        <p:circle/>
+      </p:transition>
+    </mc:Choice>
+    <mc:Fallback xmlns="">
+      <p:transition>
+        <p:circle/>
+      </p:transition>
+    </mc:Fallback>
+  </mc:AlternateContent>
+  <p:timing>
+    <p:tnLst>
+      <p:par>
+        <p:cTn id="1" dur="indefinite" restart="never" nodeType="tmRoot"/>
+      </p:par>
+    </p:tnLst>
+  </p:timing>
+</p:sld>
+</file>
+
+<file path=ppt/slides/slide19.xml><?xml version="1.0" encoding="utf-8"?>
+<p:sld xmlns:a="http://schemas.openxmlformats.org/drawingml/2006/main" xmlns:r="http://schemas.openxmlformats.org/officeDocument/2006/relationships" xmlns:p="http://schemas.openxmlformats.org/presentationml/2006/main" showMasterSp="0">
+  <p:cSld>
+    <p:spTree>
+      <p:nvGrpSpPr>
+        <p:cNvPr id="1" name=""/>
+        <p:cNvGrpSpPr/>
+        <p:nvPr/>
+      </p:nvGrpSpPr>
+      <p:grpSpPr>
+        <a:xfrm>
+          <a:off x="0" y="0"/>
+          <a:ext cx="0" cy="0"/>
+          <a:chOff x="0" y="0"/>
+          <a:chExt cx="0" cy="0"/>
+        </a:xfrm>
+      </p:grpSpPr>
+      <p:sp>
+        <p:nvSpPr>
+          <p:cNvPr id="4" name="Номер слайда 3"/>
+          <p:cNvSpPr>
+            <a:spLocks noGrp="1"/>
+          </p:cNvSpPr>
+          <p:nvPr>
+            <p:ph type="sldNum" idx="12"/>
+          </p:nvPr>
+        </p:nvSpPr>
+        <p:spPr/>
+        <p:txBody>
+          <a:bodyPr/>
+          <a:lstStyle/>
+          <a:p>
+            <a:pPr marL="0" lvl="0" indent="0" algn="r" rtl="0">
+              <a:spcBef>
+                <a:spcPts val="0"/>
+              </a:spcBef>
+              <a:spcAft>
+                <a:spcPts val="0"/>
+              </a:spcAft>
+              <a:buNone/>
+            </a:pPr>
+            <a:fld id="{00000000-1234-1234-1234-123412341234}" type="slidenum">
+              <a:rPr lang="ru" smtClean="0"/>
+              <a:t>19</a:t>
+            </a:fld>
+            <a:endParaRPr lang="ru"/>
+          </a:p>
+        </p:txBody>
+      </p:sp>
+      <p:sp>
+        <p:nvSpPr>
+          <p:cNvPr id="5" name="Прямоугольник 4"/>
+          <p:cNvSpPr/>
+          <p:nvPr/>
+        </p:nvSpPr>
+        <p:spPr>
+          <a:xfrm>
+            <a:off x="1020387" y="2110085"/>
+            <a:ext cx="7103228" cy="923330"/>
+          </a:xfrm>
+          <a:prstGeom prst="rect">
+            <a:avLst/>
+          </a:prstGeom>
+          <a:noFill/>
+        </p:spPr>
+        <p:txBody>
+          <a:bodyPr wrap="none" lIns="91440" tIns="45720" rIns="91440" bIns="45720">
+            <a:spAutoFit/>
+          </a:bodyPr>
+          <a:lstStyle/>
+          <a:p>
+            <a:pPr algn="ctr"/>
+            <a:r>
+              <a:rPr lang="uk-UA" sz="5400" b="1" i="1" cap="none" spc="300" dirty="0" smtClean="0">
+                <a:ln w="11430" cmpd="sng">
+                  <a:solidFill>
+                    <a:schemeClr val="accent1">
+                      <a:tint val="10000"/>
+                    </a:schemeClr>
+                  </a:solidFill>
+                  <a:prstDash val="solid"/>
+                  <a:miter lim="800000"/>
+                </a:ln>
+                <a:solidFill>
+                  <a:schemeClr val="bg1"/>
+                </a:solidFill>
+                <a:effectLst>
+                  <a:glow rad="45500">
+                    <a:schemeClr val="accent1">
+                      <a:satMod val="220000"/>
+                      <a:alpha val="35000"/>
+                    </a:schemeClr>
+                  </a:glow>
+                </a:effectLst>
+              </a:rPr>
+              <a:t>Дякуємо</a:t>
+            </a:r>
+            <a:r>
+              <a:rPr lang="ru-RU" sz="5400" b="1" i="1" cap="none" spc="300" dirty="0" smtClean="0">
+                <a:ln w="11430" cmpd="sng">
+                  <a:solidFill>
+                    <a:schemeClr val="accent1">
+                      <a:tint val="10000"/>
+                    </a:schemeClr>
+                  </a:solidFill>
+                  <a:prstDash val="solid"/>
+                  <a:miter lim="800000"/>
+                </a:ln>
+                <a:solidFill>
+                  <a:schemeClr val="bg1"/>
+                </a:solidFill>
+                <a:effectLst>
+                  <a:glow rad="45500">
+                    <a:schemeClr val="accent1">
+                      <a:satMod val="220000"/>
+                      <a:alpha val="35000"/>
+                    </a:schemeClr>
+                  </a:glow>
+                </a:effectLst>
+              </a:rPr>
+              <a:t> за </a:t>
+            </a:r>
+            <a:r>
+              <a:rPr lang="uk-UA" sz="5400" b="1" i="1" cap="none" spc="300" dirty="0" smtClean="0">
+                <a:ln w="11430" cmpd="sng">
+                  <a:solidFill>
+                    <a:schemeClr val="accent1">
+                      <a:tint val="10000"/>
+                    </a:schemeClr>
+                  </a:solidFill>
+                  <a:prstDash val="solid"/>
+                  <a:miter lim="800000"/>
+                </a:ln>
+                <a:solidFill>
+                  <a:schemeClr val="bg1"/>
+                </a:solidFill>
+                <a:effectLst>
+                  <a:glow rad="45500">
+                    <a:schemeClr val="accent1">
+                      <a:satMod val="220000"/>
+                      <a:alpha val="35000"/>
+                    </a:schemeClr>
+                  </a:glow>
+                </a:effectLst>
+              </a:rPr>
+              <a:t>увагу</a:t>
+            </a:r>
+            <a:r>
+              <a:rPr lang="ru-RU" sz="5400" b="1" i="1" cap="none" spc="300" dirty="0" smtClean="0">
+                <a:ln w="11430" cmpd="sng">
+                  <a:solidFill>
+                    <a:schemeClr val="accent1">
+                      <a:tint val="10000"/>
+                    </a:schemeClr>
+                  </a:solidFill>
+                  <a:prstDash val="solid"/>
+                  <a:miter lim="800000"/>
+                </a:ln>
+                <a:solidFill>
+                  <a:schemeClr val="bg1"/>
+                </a:solidFill>
+                <a:effectLst>
+                  <a:glow rad="45500">
+                    <a:schemeClr val="accent1">
+                      <a:satMod val="220000"/>
+                      <a:alpha val="35000"/>
+                    </a:schemeClr>
+                  </a:glow>
+                </a:effectLst>
+              </a:rPr>
+              <a:t>!</a:t>
+            </a:r>
+            <a:endParaRPr lang="ru-RU" sz="5400" b="1" i="1" cap="none" spc="300" dirty="0">
+              <a:ln w="11430" cmpd="sng">
+                <a:solidFill>
+                  <a:schemeClr val="accent1">
+                    <a:tint val="10000"/>
+                  </a:schemeClr>
+                </a:solidFill>
+                <a:prstDash val="solid"/>
+                <a:miter lim="800000"/>
+              </a:ln>
+              <a:solidFill>
+                <a:schemeClr val="bg1"/>
+              </a:solidFill>
+              <a:effectLst>
+                <a:glow rad="45500">
+                  <a:schemeClr val="accent1">
+                    <a:satMod val="220000"/>
+                    <a:alpha val="35000"/>
+                  </a:schemeClr>
+                </a:glow>
+              </a:effectLst>
+            </a:endParaRPr>
+          </a:p>
+        </p:txBody>
+      </p:sp>
+      <p:sp>
+        <p:nvSpPr>
+          <p:cNvPr id="6" name="Прямоугольник 5"/>
+          <p:cNvSpPr/>
+          <p:nvPr/>
+        </p:nvSpPr>
+        <p:spPr>
+          <a:xfrm>
+            <a:off x="7967759" y="225079"/>
+            <a:ext cx="986167" cy="477054"/>
+          </a:xfrm>
+          <a:prstGeom prst="rect">
+            <a:avLst/>
+          </a:prstGeom>
+        </p:spPr>
+        <p:txBody>
+          <a:bodyPr wrap="none">
+            <a:spAutoFit/>
+          </a:bodyPr>
+          <a:lstStyle/>
+          <a:p>
+            <a:pPr lvl="0" algn="r"/>
+            <a:fld id="{00000000-1234-1234-1234-123412341234}" type="slidenum">
+              <a:rPr lang="ru" sz="2500">
+                <a:solidFill>
+                  <a:schemeClr val="bg1"/>
+                </a:solidFill>
+              </a:rPr>
+              <a:pPr lvl="0" algn="r"/>
+              <a:t>19</a:t>
+            </a:fld>
+            <a:r>
+              <a:rPr lang="ru" sz="2500" dirty="0">
+                <a:solidFill>
+                  <a:schemeClr val="bg1"/>
+                </a:solidFill>
+              </a:rPr>
+              <a:t>/20</a:t>
+            </a:r>
+          </a:p>
+        </p:txBody>
+      </p:sp>
+    </p:spTree>
+    <p:extLst>
+      <p:ext uri="{BB962C8B-B14F-4D97-AF65-F5344CB8AC3E}">
+        <p14:creationId xmlns:p14="http://schemas.microsoft.com/office/powerpoint/2010/main" val="241963851"/>
+      </p:ext>
+    </p:extLst>
+  </p:cSld>
+  <p:clrMapOvr>
+    <a:masterClrMapping/>
+  </p:clrMapOvr>
+  <mc:AlternateContent xmlns:mc="http://schemas.openxmlformats.org/markup-compatibility/2006" xmlns:p14="http://schemas.microsoft.com/office/powerpoint/2010/main">
+    <mc:Choice Requires="p14">
+      <p:transition p14:dur="400">
+        <p:circle/>
+      </p:transition>
+    </mc:Choice>
+    <mc:Fallback xmlns="">
+      <p:transition>
+        <p:circle/>
+      </p:transition>
+    </mc:Fallback>
+  </mc:AlternateContent>
   <p:timing>
     <p:tnLst>
       <p:par>
@@ -16907,7 +17200,7 @@
         </p:nvSpPr>
         <p:spPr>
           <a:xfrm>
-            <a:off x="1297500" y="393750"/>
+            <a:off x="612000" y="393750"/>
             <a:ext cx="7038900" cy="914100"/>
           </a:xfrm>
           <a:prstGeom prst="rect">
@@ -17214,7 +17507,7 @@
         </p:nvSpPr>
         <p:spPr>
           <a:xfrm>
-            <a:off x="311700" y="1133775"/>
+            <a:off x="311700" y="1126687"/>
             <a:ext cx="5757600" cy="3416400"/>
           </a:xfrm>
           <a:prstGeom prst="rect">
@@ -17252,7 +17545,7 @@
             </a:r>
             <a:r>
               <a:rPr lang="uk-UA" dirty="0" smtClean="0"/>
-              <a:t>це безкоштовна та з відкритим кодом розповсюджена система управління версіями, призначена для швидкого та ефективного управління будь-якими</a:t>
+              <a:t>це безкоштовна та з відкритим кодом розповсюджена система управління версіями, призначена для швидкого та ефективного управління будь-якими проектами</a:t>
             </a:r>
             <a:r>
               <a:rPr lang="ru-RU" dirty="0" smtClean="0"/>
@@ -17343,6 +17636,18 @@
   <p:clrMapOvr>
     <a:masterClrMapping/>
   </p:clrMapOvr>
+  <mc:AlternateContent xmlns:mc="http://schemas.openxmlformats.org/markup-compatibility/2006" xmlns:p14="http://schemas.microsoft.com/office/powerpoint/2010/main">
+    <mc:Choice Requires="p14">
+      <p:transition p14:dur="400">
+        <p:circle/>
+      </p:transition>
+    </mc:Choice>
+    <mc:Fallback xmlns="">
+      <p:transition>
+        <p:circle/>
+      </p:transition>
+    </mc:Fallback>
+  </mc:AlternateContent>
   <p:timing>
     <p:tnLst>
       <p:par>
@@ -17393,7 +17698,7 @@
                                     </p:set>
                                     <p:animEffect transition="in" filter="fade">
                                       <p:cBhvr>
-                                        <p:cTn id="7" dur="1000"/>
+                                        <p:cTn id="7" dur="500"/>
                                         <p:tgtEl>
                                           <p:spTgt spid="13">
                                             <p:txEl>
@@ -17405,7 +17710,7 @@
                                     </p:animEffect>
                                     <p:anim calcmode="lin" valueType="num">
                                       <p:cBhvr>
-                                        <p:cTn id="8" dur="1000" fill="hold"/>
+                                        <p:cTn id="8" dur="500" fill="hold"/>
                                         <p:tgtEl>
                                           <p:spTgt spid="13">
                                             <p:txEl>
@@ -17432,7 +17737,7 @@
                                     </p:anim>
                                     <p:anim calcmode="lin" valueType="num">
                                       <p:cBhvr>
-                                        <p:cTn id="9" dur="1000" fill="hold"/>
+                                        <p:cTn id="9" dur="500" fill="hold"/>
                                         <p:tgtEl>
                                           <p:spTgt spid="13">
                                             <p:txEl>
@@ -17463,30 +17768,21 @@
                             </p:childTnLst>
                           </p:cTn>
                         </p:par>
-                      </p:childTnLst>
-                    </p:cTn>
-                  </p:par>
-                  <p:par>
-                    <p:cTn id="10" fill="hold">
-                      <p:stCondLst>
-                        <p:cond delay="indefinite"/>
-                      </p:stCondLst>
-                      <p:childTnLst>
                         <p:par>
-                          <p:cTn id="11" fill="hold">
+                          <p:cTn id="10" fill="hold">
                             <p:stCondLst>
-                              <p:cond delay="0"/>
+                              <p:cond delay="500"/>
                             </p:stCondLst>
                             <p:childTnLst>
                               <p:par>
-                                <p:cTn id="12" presetID="42" presetClass="entr" presetSubtype="0" fill="hold" grpId="0" nodeType="clickEffect">
+                                <p:cTn id="11" presetID="42" presetClass="entr" presetSubtype="0" fill="hold" grpId="0" nodeType="afterEffect">
                                   <p:stCondLst>
                                     <p:cond delay="0"/>
                                   </p:stCondLst>
                                   <p:childTnLst>
                                     <p:set>
                                       <p:cBhvr>
-                                        <p:cTn id="13" dur="1" fill="hold">
+                                        <p:cTn id="12" dur="1" fill="hold">
                                           <p:stCondLst>
                                             <p:cond delay="0"/>
                                           </p:stCondLst>
@@ -17508,7 +17804,7 @@
                                     </p:set>
                                     <p:animEffect transition="in" filter="fade">
                                       <p:cBhvr>
-                                        <p:cTn id="14" dur="1000"/>
+                                        <p:cTn id="13" dur="500"/>
                                         <p:tgtEl>
                                           <p:spTgt spid="13">
                                             <p:txEl>
@@ -17520,7 +17816,7 @@
                                     </p:animEffect>
                                     <p:anim calcmode="lin" valueType="num">
                                       <p:cBhvr>
-                                        <p:cTn id="15" dur="1000" fill="hold"/>
+                                        <p:cTn id="14" dur="500" fill="hold"/>
                                         <p:tgtEl>
                                           <p:spTgt spid="13">
                                             <p:txEl>
@@ -17547,7 +17843,7 @@
                                     </p:anim>
                                     <p:anim calcmode="lin" valueType="num">
                                       <p:cBhvr>
-                                        <p:cTn id="16" dur="1000" fill="hold"/>
+                                        <p:cTn id="15" dur="500" fill="hold"/>
                                         <p:tgtEl>
                                           <p:spTgt spid="13">
                                             <p:txEl>
@@ -17576,14 +17872,14 @@
                                 </p:cTn>
                               </p:par>
                               <p:par>
-                                <p:cTn id="17" presetID="1" presetClass="entr" presetSubtype="0" fill="hold" nodeType="withEffect">
+                                <p:cTn id="16" presetID="1" presetClass="entr" presetSubtype="0" fill="hold" nodeType="withEffect">
                                   <p:stCondLst>
                                     <p:cond delay="0"/>
                                   </p:stCondLst>
                                   <p:childTnLst>
                                     <p:set>
                                       <p:cBhvr>
-                                        <p:cTn id="18" dur="1" fill="hold">
+                                        <p:cTn id="17" dur="1" fill="hold">
                                           <p:stCondLst>
                                             <p:cond delay="0"/>
                                           </p:stCondLst>
@@ -17605,30 +17901,21 @@
                             </p:childTnLst>
                           </p:cTn>
                         </p:par>
-                      </p:childTnLst>
-                    </p:cTn>
-                  </p:par>
-                  <p:par>
-                    <p:cTn id="19" fill="hold">
-                      <p:stCondLst>
-                        <p:cond delay="indefinite"/>
-                      </p:stCondLst>
-                      <p:childTnLst>
                         <p:par>
-                          <p:cTn id="20" fill="hold">
+                          <p:cTn id="18" fill="hold">
                             <p:stCondLst>
-                              <p:cond delay="0"/>
+                              <p:cond delay="1000"/>
                             </p:stCondLst>
                             <p:childTnLst>
                               <p:par>
-                                <p:cTn id="21" presetID="42" presetClass="entr" presetSubtype="0" fill="hold" grpId="0" nodeType="clickEffect">
+                                <p:cTn id="19" presetID="42" presetClass="entr" presetSubtype="0" fill="hold" grpId="0" nodeType="afterEffect">
                                   <p:stCondLst>
                                     <p:cond delay="0"/>
                                   </p:stCondLst>
                                   <p:childTnLst>
                                     <p:set>
                                       <p:cBhvr>
-                                        <p:cTn id="22" dur="1" fill="hold">
+                                        <p:cTn id="20" dur="1" fill="hold">
                                           <p:stCondLst>
                                             <p:cond delay="0"/>
                                           </p:stCondLst>
@@ -17650,7 +17937,7 @@
                                     </p:set>
                                     <p:animEffect transition="in" filter="fade">
                                       <p:cBhvr>
-                                        <p:cTn id="23" dur="1000"/>
+                                        <p:cTn id="21" dur="500"/>
                                         <p:tgtEl>
                                           <p:spTgt spid="13">
                                             <p:txEl>
@@ -17662,7 +17949,7 @@
                                     </p:animEffect>
                                     <p:anim calcmode="lin" valueType="num">
                                       <p:cBhvr>
-                                        <p:cTn id="24" dur="1000" fill="hold"/>
+                                        <p:cTn id="22" dur="500" fill="hold"/>
                                         <p:tgtEl>
                                           <p:spTgt spid="13">
                                             <p:txEl>
@@ -17689,7 +17976,7 @@
                                     </p:anim>
                                     <p:anim calcmode="lin" valueType="num">
                                       <p:cBhvr>
-                                        <p:cTn id="25" dur="1000" fill="hold"/>
+                                        <p:cTn id="23" dur="500" fill="hold"/>
                                         <p:tgtEl>
                                           <p:spTgt spid="13">
                                             <p:txEl>
@@ -17718,14 +18005,14 @@
                                 </p:cTn>
                               </p:par>
                               <p:par>
-                                <p:cTn id="26" presetID="22" presetClass="entr" presetSubtype="2" fill="hold" nodeType="withEffect">
+                                <p:cTn id="24" presetID="22" presetClass="entr" presetSubtype="2" fill="hold" nodeType="withEffect">
                                   <p:stCondLst>
                                     <p:cond delay="0"/>
                                   </p:stCondLst>
                                   <p:childTnLst>
                                     <p:set>
                                       <p:cBhvr>
-                                        <p:cTn id="27" dur="1" fill="hold">
+                                        <p:cTn id="25" dur="1" fill="hold">
                                           <p:stCondLst>
                                             <p:cond delay="0"/>
                                           </p:stCondLst>
@@ -17743,7 +18030,7 @@
                                     </p:set>
                                     <p:animEffect transition="in" filter="wipe(right)">
                                       <p:cBhvr>
-                                        <p:cTn id="28" dur="500"/>
+                                        <p:cTn id="26" dur="500"/>
                                         <p:tgtEl>
                                           <p:spTgt spid="178"/>
                                         </p:tgtEl>
@@ -17753,14 +18040,14 @@
                                 </p:cTn>
                               </p:par>
                               <p:par>
-                                <p:cTn id="29" presetID="1" presetClass="entr" presetSubtype="0" fill="hold" nodeType="withEffect">
+                                <p:cTn id="27" presetID="1" presetClass="entr" presetSubtype="0" fill="hold" nodeType="withEffect">
                                   <p:stCondLst>
                                     <p:cond delay="750"/>
                                   </p:stCondLst>
                                   <p:childTnLst>
                                     <p:set>
                                       <p:cBhvr>
-                                        <p:cTn id="30" dur="1" fill="hold">
+                                        <p:cTn id="28" dur="1" fill="hold">
                                           <p:stCondLst>
                                             <p:cond delay="0"/>
                                           </p:stCondLst>
@@ -17782,30 +18069,21 @@
                             </p:childTnLst>
                           </p:cTn>
                         </p:par>
-                      </p:childTnLst>
-                    </p:cTn>
-                  </p:par>
-                  <p:par>
-                    <p:cTn id="31" fill="hold">
-                      <p:stCondLst>
-                        <p:cond delay="indefinite"/>
-                      </p:stCondLst>
-                      <p:childTnLst>
                         <p:par>
-                          <p:cTn id="32" fill="hold">
+                          <p:cTn id="29" fill="hold">
                             <p:stCondLst>
-                              <p:cond delay="0"/>
+                              <p:cond delay="1750"/>
                             </p:stCondLst>
                             <p:childTnLst>
                               <p:par>
-                                <p:cTn id="33" presetID="42" presetClass="entr" presetSubtype="0" fill="hold" grpId="0" nodeType="clickEffect">
+                                <p:cTn id="30" presetID="42" presetClass="entr" presetSubtype="0" fill="hold" grpId="0" nodeType="afterEffect">
                                   <p:stCondLst>
                                     <p:cond delay="0"/>
                                   </p:stCondLst>
                                   <p:childTnLst>
                                     <p:set>
                                       <p:cBhvr>
-                                        <p:cTn id="34" dur="1" fill="hold">
+                                        <p:cTn id="31" dur="1" fill="hold">
                                           <p:stCondLst>
                                             <p:cond delay="0"/>
                                           </p:stCondLst>
@@ -17827,7 +18105,7 @@
                                     </p:set>
                                     <p:animEffect transition="in" filter="fade">
                                       <p:cBhvr>
-                                        <p:cTn id="35" dur="1000"/>
+                                        <p:cTn id="32" dur="500"/>
                                         <p:tgtEl>
                                           <p:spTgt spid="13">
                                             <p:txEl>
@@ -17839,7 +18117,7 @@
                                     </p:animEffect>
                                     <p:anim calcmode="lin" valueType="num">
                                       <p:cBhvr>
-                                        <p:cTn id="36" dur="1000" fill="hold"/>
+                                        <p:cTn id="33" dur="500" fill="hold"/>
                                         <p:tgtEl>
                                           <p:spTgt spid="13">
                                             <p:txEl>
@@ -17866,7 +18144,7 @@
                                     </p:anim>
                                     <p:anim calcmode="lin" valueType="num">
                                       <p:cBhvr>
-                                        <p:cTn id="37" dur="1000" fill="hold"/>
+                                        <p:cTn id="34" dur="500" fill="hold"/>
                                         <p:tgtEl>
                                           <p:spTgt spid="13">
                                             <p:txEl>
@@ -17895,14 +18173,14 @@
                                 </p:cTn>
                               </p:par>
                               <p:par>
-                                <p:cTn id="38" presetID="22" presetClass="entr" presetSubtype="2" fill="hold" nodeType="withEffect">
+                                <p:cTn id="35" presetID="22" presetClass="entr" presetSubtype="2" fill="hold" nodeType="withEffect">
                                   <p:stCondLst>
                                     <p:cond delay="750"/>
                                   </p:stCondLst>
                                   <p:childTnLst>
                                     <p:set>
                                       <p:cBhvr>
-                                        <p:cTn id="39" dur="1" fill="hold">
+                                        <p:cTn id="36" dur="1" fill="hold">
                                           <p:stCondLst>
                                             <p:cond delay="0"/>
                                           </p:stCondLst>
@@ -17920,7 +18198,7 @@
                                     </p:set>
                                     <p:animEffect transition="in" filter="wipe(right)">
                                       <p:cBhvr>
-                                        <p:cTn id="40" dur="500"/>
+                                        <p:cTn id="37" dur="500"/>
                                         <p:tgtEl>
                                           <p:spTgt spid="179"/>
                                         </p:tgtEl>
@@ -17930,14 +18208,14 @@
                                 </p:cTn>
                               </p:par>
                               <p:par>
-                                <p:cTn id="41" presetID="1" presetClass="entr" presetSubtype="0" fill="hold" nodeType="withEffect">
+                                <p:cTn id="38" presetID="1" presetClass="entr" presetSubtype="0" fill="hold" nodeType="withEffect">
                                   <p:stCondLst>
                                     <p:cond delay="1250"/>
                                   </p:stCondLst>
                                   <p:childTnLst>
                                     <p:set>
                                       <p:cBhvr>
-                                        <p:cTn id="42" dur="1" fill="hold">
+                                        <p:cTn id="39" dur="1" fill="hold">
                                           <p:stCondLst>
                                             <p:cond delay="0"/>
                                           </p:stCondLst>
@@ -18042,10 +18320,10 @@
               <a:buNone/>
             </a:pPr>
             <a:r>
-              <a:rPr lang="ru"/>
+              <a:rPr lang="ru" dirty="0"/>
               <a:t>Список використаних джерел</a:t>
             </a:r>
-            <a:endParaRPr/>
+            <a:endParaRPr dirty="0"/>
           </a:p>
         </p:txBody>
       </p:sp>
@@ -18252,13 +18530,46 @@
               <a:rPr lang="ru" dirty="0" smtClean="0"/>
               <a:t> </a:t>
             </a:r>
-            <a:endParaRPr dirty="0">
+            <a:endParaRPr lang="en-US" dirty="0" smtClean="0"/>
+          </a:p>
+          <a:p>
+            <a:pPr lvl="0">
+              <a:buAutoNum type="arabicPeriod"/>
+            </a:pPr>
+            <a:r>
+              <a:rPr lang="en-US" u="sng" dirty="0">
+                <a:solidFill>
+                  <a:schemeClr val="hlink"/>
+                </a:solidFill>
+                <a:hlinkClick r:id="rId10"/>
+              </a:rPr>
+              <a:t>https://www.rankred.com/facts-and-statistics-about-github</a:t>
+            </a:r>
+            <a:r>
+              <a:rPr lang="en-US" u="sng" dirty="0" smtClean="0">
+                <a:solidFill>
+                  <a:schemeClr val="hlink"/>
+                </a:solidFill>
+                <a:hlinkClick r:id="rId10"/>
+              </a:rPr>
+              <a:t>/</a:t>
+            </a:r>
+            <a:r>
+              <a:rPr lang="ru" b="1" dirty="0">
+                <a:solidFill>
+                  <a:schemeClr val="bg1"/>
+                </a:solidFill>
+              </a:rPr>
+              <a:t> .</a:t>
+            </a:r>
+            <a:r>
+              <a:rPr lang="ru" dirty="0"/>
+              <a:t> </a:t>
+            </a:r>
+            <a:endParaRPr u="sng" dirty="0">
               <a:solidFill>
-                <a:srgbClr val="000000"/>
+                <a:schemeClr val="hlink"/>
               </a:solidFill>
-              <a:highlight>
-                <a:srgbClr val="FFFFFF"/>
-              </a:highlight>
             </a:endParaRPr>
           </a:p>
         </p:txBody>
@@ -18270,7 +18581,7 @@
           <p:nvPr/>
         </p:nvPicPr>
         <p:blipFill rotWithShape="1">
-          <a:blip r:embed="rId10">
+          <a:blip r:embed="rId11">
             <a:alphaModFix/>
           </a:blip>
           <a:srcRect l="29062" r="29895"/>
@@ -18349,6 +18660,18 @@
   <p:clrMapOvr>
     <a:masterClrMapping/>
   </p:clrMapOvr>
+  <mc:AlternateContent xmlns:mc="http://schemas.openxmlformats.org/markup-compatibility/2006" xmlns:p14="http://schemas.microsoft.com/office/powerpoint/2010/main">
+    <mc:Choice Requires="p14">
+      <p:transition p14:dur="400">
+        <p:circle/>
+      </p:transition>
+    </mc:Choice>
+    <mc:Fallback xmlns="">
+      <p:transition>
+        <p:circle/>
+      </p:transition>
+    </mc:Fallback>
+  </mc:AlternateContent>
   <p:timing>
     <p:tnLst>
       <p:par>
@@ -18388,7 +18711,7 @@
         </p:nvSpPr>
         <p:spPr>
           <a:xfrm>
-            <a:off x="1297500" y="393750"/>
+            <a:off x="612000" y="393750"/>
             <a:ext cx="7038900" cy="914100"/>
           </a:xfrm>
           <a:prstGeom prst="rect">
@@ -18470,7 +18793,15 @@
             </a:pPr>
             <a:r>
               <a:rPr lang="ru" dirty="0"/>
-              <a:t>Інтерфейс: CMD</a:t>
+              <a:t>Інтерфейс: </a:t>
+            </a:r>
+            <a:r>
+              <a:rPr lang="ru" dirty="0" smtClean="0"/>
+              <a:t>консольний (</a:t>
+            </a:r>
+            <a:r>
+              <a:rPr lang="en-US" dirty="0" smtClean="0"/>
+              <a:t>CMD, Bash)</a:t>
             </a:r>
             <a:endParaRPr dirty="0"/>
           </a:p>
@@ -18817,435 +19148,23 @@
           </a:p>
         </p:txBody>
       </p:sp>
-      <p:sp>
-        <p:nvSpPr>
-          <p:cNvPr id="11" name="Google Shape;186;p19"/>
-          <p:cNvSpPr txBox="1">
-            <a:spLocks/>
-          </p:cNvSpPr>
-          <p:nvPr/>
-        </p:nvSpPr>
-        <p:spPr>
-          <a:xfrm>
-            <a:off x="612800" y="933606"/>
-            <a:ext cx="7723600" cy="505148"/>
-          </a:xfrm>
-          <a:prstGeom prst="rect">
-            <a:avLst/>
-          </a:prstGeom>
-          <a:noFill/>
-          <a:ln>
-            <a:noFill/>
-          </a:ln>
-        </p:spPr>
-        <p:txBody>
-          <a:bodyPr spcFirstLastPara="1" wrap="square" lIns="91425" tIns="91425" rIns="91425" bIns="91425" anchor="ctr" anchorCtr="0">
-            <a:noAutofit/>
-          </a:bodyPr>
-          <a:lstStyle>
-            <a:defPPr marR="0" lvl="0" algn="l" rtl="0">
-              <a:lnSpc>
-                <a:spcPct val="100000"/>
-              </a:lnSpc>
-              <a:spcBef>
-                <a:spcPts val="0"/>
-              </a:spcBef>
-              <a:spcAft>
-                <a:spcPts val="0"/>
-              </a:spcAft>
-            </a:defPPr>
-            <a:lvl1pPr marL="457200" marR="0" lvl="0" indent="-311150" algn="l" rtl="0">
-              <a:lnSpc>
-                <a:spcPct val="115000"/>
-              </a:lnSpc>
-              <a:spcBef>
-                <a:spcPts val="0"/>
-              </a:spcBef>
-              <a:spcAft>
-                <a:spcPts val="0"/>
-              </a:spcAft>
-              <a:buClr>
-                <a:schemeClr val="lt1"/>
-              </a:buClr>
-              <a:buSzPts val="1300"/>
-              <a:buFont typeface="Lato"/>
-              <a:buChar char="●"/>
-              <a:defRPr sz="1300" b="0" i="0" u="none" strike="noStrike" cap="none">
-                <a:solidFill>
-                  <a:schemeClr val="lt1"/>
-                </a:solidFill>
-                <a:latin typeface="Lato"/>
-                <a:ea typeface="Lato"/>
-                <a:cs typeface="Lato"/>
-                <a:sym typeface="Lato"/>
-              </a:defRPr>
-            </a:lvl1pPr>
-            <a:lvl2pPr marL="914400" marR="0" lvl="1" indent="-298450" algn="l" rtl="0">
-              <a:lnSpc>
-                <a:spcPct val="115000"/>
-              </a:lnSpc>
-              <a:spcBef>
-                <a:spcPts val="1600"/>
-              </a:spcBef>
-              <a:spcAft>
-                <a:spcPts val="0"/>
-              </a:spcAft>
-              <a:buClr>
-                <a:schemeClr val="lt1"/>
-              </a:buClr>
-              <a:buSzPts val="1100"/>
-              <a:buFont typeface="Lato"/>
-              <a:buChar char="○"/>
-              <a:defRPr sz="1100" b="0" i="0" u="none" strike="noStrike" cap="none">
-                <a:solidFill>
-                  <a:schemeClr val="lt1"/>
-                </a:solidFill>
-                <a:latin typeface="Lato"/>
-                <a:ea typeface="Lato"/>
-                <a:cs typeface="Lato"/>
-                <a:sym typeface="Lato"/>
-              </a:defRPr>
-            </a:lvl2pPr>
-            <a:lvl3pPr marL="1371600" marR="0" lvl="2" indent="-298450" algn="l" rtl="0">
-              <a:lnSpc>
-                <a:spcPct val="115000"/>
-              </a:lnSpc>
-              <a:spcBef>
-                <a:spcPts val="1600"/>
-              </a:spcBef>
-              <a:spcAft>
-                <a:spcPts val="0"/>
-              </a:spcAft>
-              <a:buClr>
-                <a:schemeClr val="lt1"/>
-              </a:buClr>
-              <a:buSzPts val="1100"/>
-              <a:buFont typeface="Lato"/>
-              <a:buChar char="■"/>
-              <a:defRPr sz="1100" b="0" i="0" u="none" strike="noStrike" cap="none">
-                <a:solidFill>
-                  <a:schemeClr val="lt1"/>
-                </a:solidFill>
-                <a:latin typeface="Lato"/>
-                <a:ea typeface="Lato"/>
-                <a:cs typeface="Lato"/>
-                <a:sym typeface="Lato"/>
-              </a:defRPr>
-            </a:lvl3pPr>
-            <a:lvl4pPr marL="1828800" marR="0" lvl="3" indent="-298450" algn="l" rtl="0">
-              <a:lnSpc>
-                <a:spcPct val="115000"/>
-              </a:lnSpc>
-              <a:spcBef>
-                <a:spcPts val="1600"/>
-              </a:spcBef>
-              <a:spcAft>
-                <a:spcPts val="0"/>
-              </a:spcAft>
-              <a:buClr>
-                <a:schemeClr val="lt1"/>
-              </a:buClr>
-              <a:buSzPts val="1100"/>
-              <a:buFont typeface="Lato"/>
-              <a:buChar char="●"/>
-              <a:defRPr sz="1100" b="0" i="0" u="none" strike="noStrike" cap="none">
-                <a:solidFill>
-                  <a:schemeClr val="lt1"/>
-                </a:solidFill>
-                <a:latin typeface="Lato"/>
-                <a:ea typeface="Lato"/>
-                <a:cs typeface="Lato"/>
-                <a:sym typeface="Lato"/>
-              </a:defRPr>
-            </a:lvl4pPr>
-            <a:lvl5pPr marL="2286000" marR="0" lvl="4" indent="-298450" algn="l" rtl="0">
-              <a:lnSpc>
-                <a:spcPct val="115000"/>
-              </a:lnSpc>
-              <a:spcBef>
-                <a:spcPts val="1600"/>
-              </a:spcBef>
-              <a:spcAft>
-                <a:spcPts val="0"/>
-              </a:spcAft>
-              <a:buClr>
-                <a:schemeClr val="lt1"/>
-              </a:buClr>
-              <a:buSzPts val="1100"/>
-              <a:buFont typeface="Lato"/>
-              <a:buChar char="○"/>
-              <a:defRPr sz="1100" b="0" i="0" u="none" strike="noStrike" cap="none">
-                <a:solidFill>
-                  <a:schemeClr val="lt1"/>
-                </a:solidFill>
-                <a:latin typeface="Lato"/>
-                <a:ea typeface="Lato"/>
-                <a:cs typeface="Lato"/>
-                <a:sym typeface="Lato"/>
-              </a:defRPr>
-            </a:lvl5pPr>
-            <a:lvl6pPr marL="2743200" marR="0" lvl="5" indent="-298450" algn="l" rtl="0">
-              <a:lnSpc>
-                <a:spcPct val="115000"/>
-              </a:lnSpc>
-              <a:spcBef>
-                <a:spcPts val="1600"/>
-              </a:spcBef>
-              <a:spcAft>
-                <a:spcPts val="0"/>
-              </a:spcAft>
-              <a:buClr>
-                <a:schemeClr val="lt1"/>
-              </a:buClr>
-              <a:buSzPts val="1100"/>
-              <a:buFont typeface="Lato"/>
-              <a:buChar char="■"/>
-              <a:defRPr sz="1100" b="0" i="0" u="none" strike="noStrike" cap="none">
-                <a:solidFill>
-                  <a:schemeClr val="lt1"/>
-                </a:solidFill>
-                <a:latin typeface="Lato"/>
-                <a:ea typeface="Lato"/>
-                <a:cs typeface="Lato"/>
-                <a:sym typeface="Lato"/>
-              </a:defRPr>
-            </a:lvl6pPr>
-            <a:lvl7pPr marL="3200400" marR="0" lvl="6" indent="-298450" algn="l" rtl="0">
-              <a:lnSpc>
-                <a:spcPct val="115000"/>
-              </a:lnSpc>
-              <a:spcBef>
-                <a:spcPts val="1600"/>
-              </a:spcBef>
-              <a:spcAft>
-                <a:spcPts val="0"/>
-              </a:spcAft>
-              <a:buClr>
-                <a:schemeClr val="lt1"/>
-              </a:buClr>
-              <a:buSzPts val="1100"/>
-              <a:buFont typeface="Lato"/>
-              <a:buChar char="●"/>
-              <a:defRPr sz="1100" b="0" i="0" u="none" strike="noStrike" cap="none">
-                <a:solidFill>
-                  <a:schemeClr val="lt1"/>
-                </a:solidFill>
-                <a:latin typeface="Lato"/>
-                <a:ea typeface="Lato"/>
-                <a:cs typeface="Lato"/>
-                <a:sym typeface="Lato"/>
-              </a:defRPr>
-            </a:lvl7pPr>
-            <a:lvl8pPr marL="3657600" marR="0" lvl="7" indent="-298450" algn="l" rtl="0">
-              <a:lnSpc>
-                <a:spcPct val="115000"/>
-              </a:lnSpc>
-              <a:spcBef>
-                <a:spcPts val="1600"/>
-              </a:spcBef>
-              <a:spcAft>
-                <a:spcPts val="0"/>
-              </a:spcAft>
-              <a:buClr>
-                <a:schemeClr val="lt1"/>
-              </a:buClr>
-              <a:buSzPts val="1100"/>
-              <a:buFont typeface="Lato"/>
-              <a:buChar char="○"/>
-              <a:defRPr sz="1100" b="0" i="0" u="none" strike="noStrike" cap="none">
-                <a:solidFill>
-                  <a:schemeClr val="lt1"/>
-                </a:solidFill>
-                <a:latin typeface="Lato"/>
-                <a:ea typeface="Lato"/>
-                <a:cs typeface="Lato"/>
-                <a:sym typeface="Lato"/>
-              </a:defRPr>
-            </a:lvl8pPr>
-            <a:lvl9pPr marL="4114800" marR="0" lvl="8" indent="-298450" algn="l" rtl="0">
-              <a:lnSpc>
-                <a:spcPct val="115000"/>
-              </a:lnSpc>
-              <a:spcBef>
-                <a:spcPts val="1600"/>
-              </a:spcBef>
-              <a:spcAft>
-                <a:spcPts val="1600"/>
-              </a:spcAft>
-              <a:buClr>
-                <a:schemeClr val="lt1"/>
-              </a:buClr>
-              <a:buSzPts val="1100"/>
-              <a:buFont typeface="Lato"/>
-              <a:buChar char="■"/>
-              <a:defRPr sz="1100" b="0" i="0" u="none" strike="noStrike" cap="none">
-                <a:solidFill>
-                  <a:schemeClr val="lt1"/>
-                </a:solidFill>
-                <a:latin typeface="Lato"/>
-                <a:ea typeface="Lato"/>
-                <a:cs typeface="Lato"/>
-                <a:sym typeface="Lato"/>
-              </a:defRPr>
-            </a:lvl9pPr>
-          </a:lstStyle>
-          <a:p>
-            <a:pPr marL="0" indent="0" algn="ctr">
-              <a:buFont typeface="Lato"/>
-              <a:buNone/>
-            </a:pPr>
-            <a:r>
-              <a:rPr lang="uk-UA" b="1" dirty="0" smtClean="0"/>
-              <a:t>!!! Усі приклади в презентації на ведено з використанням Оригінального клієнту</a:t>
-            </a:r>
-            <a:r>
-              <a:rPr lang="en-US" b="1" dirty="0" smtClean="0"/>
-              <a:t> </a:t>
-            </a:r>
-            <a:r>
-              <a:rPr lang="en-US" b="1" dirty="0" err="1" smtClean="0"/>
-              <a:t>Git</a:t>
-            </a:r>
-            <a:r>
-              <a:rPr lang="en-US" b="1" dirty="0" smtClean="0"/>
-              <a:t> Bash</a:t>
-            </a:r>
-            <a:r>
-              <a:rPr lang="uk-UA" b="1" dirty="0"/>
-              <a:t> </a:t>
-            </a:r>
-            <a:r>
-              <a:rPr lang="uk-UA" b="1" dirty="0" smtClean="0"/>
-              <a:t>для </a:t>
-            </a:r>
-            <a:r>
-              <a:rPr lang="en-US" b="1" dirty="0" smtClean="0"/>
-              <a:t>Windows</a:t>
-            </a:r>
-            <a:endParaRPr lang="en-US" dirty="0"/>
-          </a:p>
-        </p:txBody>
-      </p:sp>
-      <p:sp>
-        <p:nvSpPr>
-          <p:cNvPr id="3" name="Полилиния 2"/>
-          <p:cNvSpPr/>
-          <p:nvPr/>
-        </p:nvSpPr>
-        <p:spPr>
-          <a:xfrm>
-            <a:off x="259297" y="1106744"/>
-            <a:ext cx="761429" cy="1133182"/>
-          </a:xfrm>
-          <a:custGeom>
-            <a:avLst/>
-            <a:gdLst>
-              <a:gd name="connsiteX0" fmla="*/ 513336 w 761429"/>
-              <a:gd name="connsiteY0" fmla="*/ 91191 h 1133182"/>
-              <a:gd name="connsiteX1" fmla="*/ 222712 w 761429"/>
-              <a:gd name="connsiteY1" fmla="*/ 6130 h 1133182"/>
-              <a:gd name="connsiteX2" fmla="*/ 286508 w 761429"/>
-              <a:gd name="connsiteY2" fmla="*/ 240047 h 1133182"/>
-              <a:gd name="connsiteX3" fmla="*/ 24238 w 761429"/>
-              <a:gd name="connsiteY3" fmla="*/ 318019 h 1133182"/>
-              <a:gd name="connsiteX4" fmla="*/ 95122 w 761429"/>
-              <a:gd name="connsiteY4" fmla="*/ 700791 h 1133182"/>
-              <a:gd name="connsiteX5" fmla="*/ 761429 w 761429"/>
-              <a:gd name="connsiteY5" fmla="*/ 1133182 h 1133182"/>
-            </a:gdLst>
-            <a:ahLst/>
-            <a:cxnLst>
-              <a:cxn ang="0">
-                <a:pos x="connsiteX0" y="connsiteY0"/>
-              </a:cxn>
-              <a:cxn ang="0">
-                <a:pos x="connsiteX1" y="connsiteY1"/>
-              </a:cxn>
-              <a:cxn ang="0">
-                <a:pos x="connsiteX2" y="connsiteY2"/>
-              </a:cxn>
-              <a:cxn ang="0">
-                <a:pos x="connsiteX3" y="connsiteY3"/>
-              </a:cxn>
-              <a:cxn ang="0">
-                <a:pos x="connsiteX4" y="connsiteY4"/>
-              </a:cxn>
-              <a:cxn ang="0">
-                <a:pos x="connsiteX5" y="connsiteY5"/>
-              </a:cxn>
-            </a:cxnLst>
-            <a:rect l="l" t="t" r="r" b="b"/>
-            <a:pathLst>
-              <a:path w="761429" h="1133182">
-                <a:moveTo>
-                  <a:pt x="513336" y="91191"/>
-                </a:moveTo>
-                <a:cubicBezTo>
-                  <a:pt x="386926" y="36256"/>
-                  <a:pt x="260517" y="-18679"/>
-                  <a:pt x="222712" y="6130"/>
-                </a:cubicBezTo>
-                <a:cubicBezTo>
-                  <a:pt x="184907" y="30939"/>
-                  <a:pt x="319587" y="188066"/>
-                  <a:pt x="286508" y="240047"/>
-                </a:cubicBezTo>
-                <a:cubicBezTo>
-                  <a:pt x="253429" y="292028"/>
-                  <a:pt x="56136" y="241228"/>
-                  <a:pt x="24238" y="318019"/>
-                </a:cubicBezTo>
-                <a:cubicBezTo>
-                  <a:pt x="-7660" y="394810"/>
-                  <a:pt x="-27743" y="564931"/>
-                  <a:pt x="95122" y="700791"/>
-                </a:cubicBezTo>
-                <a:cubicBezTo>
-                  <a:pt x="217987" y="836651"/>
-                  <a:pt x="489708" y="984916"/>
-                  <a:pt x="761429" y="1133182"/>
-                </a:cubicBezTo>
-              </a:path>
-            </a:pathLst>
-          </a:custGeom>
-          <a:noFill/>
-          <a:ln w="38100">
-            <a:solidFill>
-              <a:srgbClr val="D9D9D9"/>
-            </a:solidFill>
-            <a:tailEnd type="stealth"/>
-          </a:ln>
-        </p:spPr>
-        <p:style>
-          <a:lnRef idx="2">
-            <a:schemeClr val="accent1">
-              <a:shade val="50000"/>
-            </a:schemeClr>
-          </a:lnRef>
-          <a:fillRef idx="1">
-            <a:schemeClr val="accent1"/>
-          </a:fillRef>
-          <a:effectRef idx="0">
-            <a:schemeClr val="accent1"/>
-          </a:effectRef>
-          <a:fontRef idx="minor">
-            <a:schemeClr val="lt1"/>
-          </a:fontRef>
-        </p:style>
-        <p:txBody>
-          <a:bodyPr rtlCol="0" anchor="ctr"/>
-          <a:lstStyle/>
-          <a:p>
-            <a:pPr algn="ctr"/>
-            <a:endParaRPr lang="ru-RU"/>
-          </a:p>
-        </p:txBody>
-      </p:sp>
     </p:spTree>
   </p:cSld>
   <p:clrMapOvr>
     <a:masterClrMapping/>
   </p:clrMapOvr>
+  <mc:AlternateContent xmlns:mc="http://schemas.openxmlformats.org/markup-compatibility/2006" xmlns:p14="http://schemas.microsoft.com/office/powerpoint/2010/main">
+    <mc:Choice Requires="p14">
+      <p:transition p14:dur="400">
+        <p:circle/>
+      </p:transition>
+    </mc:Choice>
+    <mc:Fallback xmlns="">
+      <p:transition>
+        <p:circle/>
+      </p:transition>
+    </mc:Fallback>
+  </mc:AlternateContent>
   <p:timing>
     <p:tnLst>
       <p:par>
@@ -19296,7 +19215,7 @@
                                     </p:set>
                                     <p:animEffect transition="in" filter="wipe(up)">
                                       <p:cBhvr>
-                                        <p:cTn id="7" dur="500"/>
+                                        <p:cTn id="7" dur="400"/>
                                         <p:tgtEl>
                                           <p:spTgt spid="186">
                                             <p:txEl>
@@ -19315,7 +19234,7 @@
                         <p:par>
                           <p:cTn id="8" fill="hold">
                             <p:stCondLst>
-                              <p:cond delay="500"/>
+                              <p:cond delay="400"/>
                             </p:stCondLst>
                             <p:childTnLst>
                               <p:par>
@@ -19348,7 +19267,7 @@
                                     </p:set>
                                     <p:animEffect transition="in" filter="wipe(up)">
                                       <p:cBhvr>
-                                        <p:cTn id="11" dur="500"/>
+                                        <p:cTn id="11" dur="400"/>
                                         <p:tgtEl>
                                           <p:spTgt spid="186">
                                             <p:txEl>
@@ -19367,7 +19286,7 @@
                         <p:par>
                           <p:cTn id="12" fill="hold">
                             <p:stCondLst>
-                              <p:cond delay="1000"/>
+                              <p:cond delay="800"/>
                             </p:stCondLst>
                             <p:childTnLst>
                               <p:par>
@@ -19400,7 +19319,7 @@
                                     </p:set>
                                     <p:animEffect transition="in" filter="wipe(up)">
                                       <p:cBhvr>
-                                        <p:cTn id="15" dur="500"/>
+                                        <p:cTn id="15" dur="400"/>
                                         <p:tgtEl>
                                           <p:spTgt spid="186">
                                             <p:txEl>
@@ -19413,24 +19332,15 @@
                                   </p:childTnLst>
                                 </p:cTn>
                               </p:par>
-                            </p:childTnLst>
-                          </p:cTn>
-                        </p:par>
-                        <p:par>
-                          <p:cTn id="16" fill="hold">
-                            <p:stCondLst>
-                              <p:cond delay="1500"/>
-                            </p:stCondLst>
-                            <p:childTnLst>
                               <p:par>
-                                <p:cTn id="17" presetID="22" presetClass="entr" presetSubtype="4" fill="hold" nodeType="afterEffect">
+                                <p:cTn id="16" presetID="22" presetClass="entr" presetSubtype="1" fill="hold" nodeType="withEffect">
                                   <p:stCondLst>
                                     <p:cond delay="0"/>
                                   </p:stCondLst>
                                   <p:childTnLst>
                                     <p:set>
                                       <p:cBhvr>
-                                        <p:cTn id="18" dur="1" fill="hold">
+                                        <p:cTn id="17" dur="1" fill="hold">
                                           <p:stCondLst>
                                             <p:cond delay="0"/>
                                           </p:stCondLst>
@@ -19446,9 +19356,9 @@
                                         <p:strVal val="visible"/>
                                       </p:to>
                                     </p:set>
-                                    <p:animEffect transition="in" filter="wipe(down)">
+                                    <p:animEffect transition="in" filter="wipe(up)">
                                       <p:cBhvr>
-                                        <p:cTn id="19" dur="500"/>
+                                        <p:cTn id="18" dur="300"/>
                                         <p:tgtEl>
                                           <p:spTgt spid="189"/>
                                         </p:tgtEl>
@@ -19460,30 +19370,21 @@
                             </p:childTnLst>
                           </p:cTn>
                         </p:par>
-                      </p:childTnLst>
-                    </p:cTn>
-                  </p:par>
-                  <p:par>
-                    <p:cTn id="20" fill="hold">
-                      <p:stCondLst>
-                        <p:cond delay="indefinite"/>
-                      </p:stCondLst>
-                      <p:childTnLst>
                         <p:par>
-                          <p:cTn id="21" fill="hold">
+                          <p:cTn id="19" fill="hold">
                             <p:stCondLst>
-                              <p:cond delay="0"/>
+                              <p:cond delay="1200"/>
                             </p:stCondLst>
                             <p:childTnLst>
                               <p:par>
-                                <p:cTn id="22" presetID="22" presetClass="entr" presetSubtype="1" fill="hold" grpId="0" nodeType="clickEffect">
+                                <p:cTn id="20" presetID="22" presetClass="entr" presetSubtype="1" fill="hold" grpId="0" nodeType="afterEffect">
                                   <p:stCondLst>
                                     <p:cond delay="0"/>
                                   </p:stCondLst>
                                   <p:childTnLst>
                                     <p:set>
                                       <p:cBhvr>
-                                        <p:cTn id="23" dur="1" fill="hold">
+                                        <p:cTn id="21" dur="1" fill="hold">
                                           <p:stCondLst>
                                             <p:cond delay="0"/>
                                           </p:stCondLst>
@@ -19505,7 +19406,7 @@
                                     </p:set>
                                     <p:animEffect transition="in" filter="wipe(up)">
                                       <p:cBhvr>
-                                        <p:cTn id="24" dur="500"/>
+                                        <p:cTn id="22" dur="400"/>
                                         <p:tgtEl>
                                           <p:spTgt spid="187">
                                             <p:txEl>
@@ -19522,20 +19423,20 @@
                           </p:cTn>
                         </p:par>
                         <p:par>
-                          <p:cTn id="25" fill="hold">
+                          <p:cTn id="23" fill="hold">
                             <p:stCondLst>
-                              <p:cond delay="500"/>
+                              <p:cond delay="1600"/>
                             </p:stCondLst>
                             <p:childTnLst>
                               <p:par>
-                                <p:cTn id="26" presetID="22" presetClass="entr" presetSubtype="1" fill="hold" grpId="0" nodeType="afterEffect">
+                                <p:cTn id="24" presetID="22" presetClass="entr" presetSubtype="1" fill="hold" grpId="0" nodeType="afterEffect">
                                   <p:stCondLst>
                                     <p:cond delay="0"/>
                                   </p:stCondLst>
                                   <p:childTnLst>
                                     <p:set>
                                       <p:cBhvr>
-                                        <p:cTn id="27" dur="1" fill="hold">
+                                        <p:cTn id="25" dur="1" fill="hold">
                                           <p:stCondLst>
                                             <p:cond delay="0"/>
                                           </p:stCondLst>
@@ -19557,7 +19458,7 @@
                                     </p:set>
                                     <p:animEffect transition="in" filter="wipe(up)">
                                       <p:cBhvr>
-                                        <p:cTn id="28" dur="500"/>
+                                        <p:cTn id="26" dur="400"/>
                                         <p:tgtEl>
                                           <p:spTgt spid="187">
                                             <p:txEl>
@@ -19574,20 +19475,20 @@
                           </p:cTn>
                         </p:par>
                         <p:par>
-                          <p:cTn id="29" fill="hold">
+                          <p:cTn id="27" fill="hold">
                             <p:stCondLst>
-                              <p:cond delay="1000"/>
+                              <p:cond delay="2000"/>
                             </p:stCondLst>
                             <p:childTnLst>
                               <p:par>
-                                <p:cTn id="30" presetID="22" presetClass="entr" presetSubtype="1" fill="hold" grpId="0" nodeType="afterEffect">
+                                <p:cTn id="28" presetID="22" presetClass="entr" presetSubtype="1" fill="hold" grpId="0" nodeType="afterEffect">
                                   <p:stCondLst>
                                     <p:cond delay="0"/>
                                   </p:stCondLst>
                                   <p:childTnLst>
                                     <p:set>
                                       <p:cBhvr>
-                                        <p:cTn id="31" dur="1" fill="hold">
+                                        <p:cTn id="29" dur="1" fill="hold">
                                           <p:stCondLst>
                                             <p:cond delay="0"/>
                                           </p:stCondLst>
@@ -19609,7 +19510,7 @@
                                     </p:set>
                                     <p:animEffect transition="in" filter="wipe(up)">
                                       <p:cBhvr>
-                                        <p:cTn id="32" dur="500"/>
+                                        <p:cTn id="30" dur="400"/>
                                         <p:tgtEl>
                                           <p:spTgt spid="187">
                                             <p:txEl>
@@ -19622,24 +19523,15 @@
                                   </p:childTnLst>
                                 </p:cTn>
                               </p:par>
-                            </p:childTnLst>
-                          </p:cTn>
-                        </p:par>
-                        <p:par>
-                          <p:cTn id="33" fill="hold">
-                            <p:stCondLst>
-                              <p:cond delay="1500"/>
-                            </p:stCondLst>
-                            <p:childTnLst>
                               <p:par>
-                                <p:cTn id="34" presetID="22" presetClass="entr" presetSubtype="4" fill="hold" nodeType="afterEffect">
+                                <p:cTn id="31" presetID="22" presetClass="entr" presetSubtype="1" fill="hold" nodeType="withEffect">
                                   <p:stCondLst>
                                     <p:cond delay="0"/>
                                   </p:stCondLst>
                                   <p:childTnLst>
                                     <p:set>
                                       <p:cBhvr>
-                                        <p:cTn id="35" dur="1" fill="hold">
+                                        <p:cTn id="32" dur="1" fill="hold">
                                           <p:stCondLst>
                                             <p:cond delay="0"/>
                                           </p:stCondLst>
@@ -19655,9 +19547,9 @@
                                         <p:strVal val="visible"/>
                                       </p:to>
                                     </p:set>
-                                    <p:animEffect transition="in" filter="wipe(down)">
+                                    <p:animEffect transition="in" filter="wipe(up)">
                                       <p:cBhvr>
-                                        <p:cTn id="36" dur="500"/>
+                                        <p:cTn id="33" dur="300"/>
                                         <p:tgtEl>
                                           <p:spTgt spid="190"/>
                                         </p:tgtEl>
@@ -19669,30 +19561,21 @@
                             </p:childTnLst>
                           </p:cTn>
                         </p:par>
-                      </p:childTnLst>
-                    </p:cTn>
-                  </p:par>
-                  <p:par>
-                    <p:cTn id="37" fill="hold">
-                      <p:stCondLst>
-                        <p:cond delay="indefinite"/>
-                      </p:stCondLst>
-                      <p:childTnLst>
                         <p:par>
-                          <p:cTn id="38" fill="hold">
+                          <p:cTn id="34" fill="hold">
                             <p:stCondLst>
-                              <p:cond delay="0"/>
+                              <p:cond delay="2400"/>
                             </p:stCondLst>
                             <p:childTnLst>
                               <p:par>
-                                <p:cTn id="39" presetID="22" presetClass="entr" presetSubtype="4" fill="hold" grpId="0" nodeType="clickEffect">
+                                <p:cTn id="35" presetID="22" presetClass="entr" presetSubtype="4" fill="hold" grpId="0" nodeType="afterEffect">
                                   <p:stCondLst>
                                     <p:cond delay="0"/>
                                   </p:stCondLst>
                                   <p:childTnLst>
                                     <p:set>
                                       <p:cBhvr>
-                                        <p:cTn id="40" dur="1" fill="hold">
+                                        <p:cTn id="36" dur="1" fill="hold">
                                           <p:stCondLst>
                                             <p:cond delay="0"/>
                                           </p:stCondLst>
@@ -19714,7 +19597,7 @@
                                     </p:set>
                                     <p:animEffect transition="in" filter="wipe(down)">
                                       <p:cBhvr>
-                                        <p:cTn id="41" dur="500"/>
+                                        <p:cTn id="37" dur="400"/>
                                         <p:tgtEl>
                                           <p:spTgt spid="188">
                                             <p:txEl>
@@ -19731,20 +19614,20 @@
                           </p:cTn>
                         </p:par>
                         <p:par>
-                          <p:cTn id="42" fill="hold">
+                          <p:cTn id="38" fill="hold">
                             <p:stCondLst>
-                              <p:cond delay="500"/>
+                              <p:cond delay="2800"/>
                             </p:stCondLst>
                             <p:childTnLst>
                               <p:par>
-                                <p:cTn id="43" presetID="22" presetClass="entr" presetSubtype="4" fill="hold" grpId="0" nodeType="afterEffect">
+                                <p:cTn id="39" presetID="22" presetClass="entr" presetSubtype="4" fill="hold" grpId="0" nodeType="afterEffect">
                                   <p:stCondLst>
                                     <p:cond delay="0"/>
                                   </p:stCondLst>
                                   <p:childTnLst>
                                     <p:set>
                                       <p:cBhvr>
-                                        <p:cTn id="44" dur="1" fill="hold">
+                                        <p:cTn id="40" dur="1" fill="hold">
                                           <p:stCondLst>
                                             <p:cond delay="0"/>
                                           </p:stCondLst>
@@ -19766,7 +19649,7 @@
                                     </p:set>
                                     <p:animEffect transition="in" filter="wipe(down)">
                                       <p:cBhvr>
-                                        <p:cTn id="45" dur="500"/>
+                                        <p:cTn id="41" dur="400"/>
                                         <p:tgtEl>
                                           <p:spTgt spid="188">
                                             <p:txEl>
@@ -19783,20 +19666,20 @@
                           </p:cTn>
                         </p:par>
                         <p:par>
-                          <p:cTn id="46" fill="hold">
+                          <p:cTn id="42" fill="hold">
                             <p:stCondLst>
-                              <p:cond delay="1000"/>
+                              <p:cond delay="3200"/>
                             </p:stCondLst>
                             <p:childTnLst>
                               <p:par>
-                                <p:cTn id="47" presetID="22" presetClass="entr" presetSubtype="4" fill="hold" grpId="0" nodeType="afterEffect">
+                                <p:cTn id="43" presetID="22" presetClass="entr" presetSubtype="4" fill="hold" grpId="0" nodeType="afterEffect">
                                   <p:stCondLst>
                                     <p:cond delay="0"/>
                                   </p:stCondLst>
                                   <p:childTnLst>
                                     <p:set>
                                       <p:cBhvr>
-                                        <p:cTn id="48" dur="1" fill="hold">
+                                        <p:cTn id="44" dur="1" fill="hold">
                                           <p:stCondLst>
                                             <p:cond delay="0"/>
                                           </p:stCondLst>
@@ -19818,7 +19701,7 @@
                                     </p:set>
                                     <p:animEffect transition="in" filter="wipe(down)">
                                       <p:cBhvr>
-                                        <p:cTn id="49" dur="500"/>
+                                        <p:cTn id="45" dur="400"/>
                                         <p:tgtEl>
                                           <p:spTgt spid="188">
                                             <p:txEl>
@@ -19831,24 +19714,15 @@
                                   </p:childTnLst>
                                 </p:cTn>
                               </p:par>
-                            </p:childTnLst>
-                          </p:cTn>
-                        </p:par>
-                        <p:par>
-                          <p:cTn id="50" fill="hold">
-                            <p:stCondLst>
-                              <p:cond delay="1500"/>
-                            </p:stCondLst>
-                            <p:childTnLst>
                               <p:par>
-                                <p:cTn id="51" presetID="22" presetClass="entr" presetSubtype="4" fill="hold" nodeType="afterEffect">
+                                <p:cTn id="46" presetID="22" presetClass="entr" presetSubtype="1" fill="hold" nodeType="withEffect">
                                   <p:stCondLst>
                                     <p:cond delay="0"/>
                                   </p:stCondLst>
                                   <p:childTnLst>
                                     <p:set>
                                       <p:cBhvr>
-                                        <p:cTn id="52" dur="1" fill="hold">
+                                        <p:cTn id="47" dur="1" fill="hold">
                                           <p:stCondLst>
                                             <p:cond delay="0"/>
                                           </p:stCondLst>
@@ -19864,116 +19738,11 @@
                                         <p:strVal val="visible"/>
                                       </p:to>
                                     </p:set>
-                                    <p:animEffect transition="in" filter="wipe(down)">
+                                    <p:animEffect transition="in" filter="wipe(up)">
                                       <p:cBhvr>
-                                        <p:cTn id="53" dur="500"/>
+                                        <p:cTn id="48" dur="300"/>
                                         <p:tgtEl>
                                           <p:spTgt spid="191"/>
-                                        </p:tgtEl>
-                                      </p:cBhvr>
-                                    </p:animEffect>
-                                  </p:childTnLst>
-                                </p:cTn>
-                              </p:par>
-                            </p:childTnLst>
-                          </p:cTn>
-                        </p:par>
-                      </p:childTnLst>
-                    </p:cTn>
-                  </p:par>
-                  <p:par>
-                    <p:cTn id="54" fill="hold">
-                      <p:stCondLst>
-                        <p:cond delay="indefinite"/>
-                      </p:stCondLst>
-                      <p:childTnLst>
-                        <p:par>
-                          <p:cTn id="55" fill="hold">
-                            <p:stCondLst>
-                              <p:cond delay="0"/>
-                            </p:stCondLst>
-                            <p:childTnLst>
-                              <p:par>
-                                <p:cTn id="56" presetID="22" presetClass="entr" presetSubtype="8" fill="hold" grpId="0" nodeType="clickEffect">
-                                  <p:stCondLst>
-                                    <p:cond delay="0"/>
-                                  </p:stCondLst>
-                                  <p:childTnLst>
-                                    <p:set>
-                                      <p:cBhvr>
-                                        <p:cTn id="57" dur="1" fill="hold">
-                                          <p:stCondLst>
-                                            <p:cond delay="0"/>
-                                          </p:stCondLst>
-                                        </p:cTn>
-                                        <p:tgtEl>
-                                          <p:spTgt spid="11">
-                                            <p:txEl>
-                                              <p:pRg st="0" end="0"/>
-                                            </p:txEl>
-                                          </p:spTgt>
-                                        </p:tgtEl>
-                                        <p:attrNameLst>
-                                          <p:attrName>style.visibility</p:attrName>
-                                        </p:attrNameLst>
-                                      </p:cBhvr>
-                                      <p:to>
-                                        <p:strVal val="visible"/>
-                                      </p:to>
-                                    </p:set>
-                                    <p:animEffect transition="in" filter="wipe(left)">
-                                      <p:cBhvr>
-                                        <p:cTn id="58" dur="500"/>
-                                        <p:tgtEl>
-                                          <p:spTgt spid="11">
-                                            <p:txEl>
-                                              <p:pRg st="0" end="0"/>
-                                            </p:txEl>
-                                          </p:spTgt>
-                                        </p:tgtEl>
-                                      </p:cBhvr>
-                                    </p:animEffect>
-                                  </p:childTnLst>
-                                </p:cTn>
-                              </p:par>
-                            </p:childTnLst>
-                          </p:cTn>
-                        </p:par>
-                        <p:par>
-                          <p:cTn id="59" fill="hold">
-                            <p:stCondLst>
-                              <p:cond delay="500"/>
-                            </p:stCondLst>
-                            <p:childTnLst>
-                              <p:par>
-                                <p:cTn id="60" presetID="22" presetClass="entr" presetSubtype="1" fill="hold" grpId="0" nodeType="afterEffect">
-                                  <p:stCondLst>
-                                    <p:cond delay="0"/>
-                                  </p:stCondLst>
-                                  <p:childTnLst>
-                                    <p:set>
-                                      <p:cBhvr>
-                                        <p:cTn id="61" dur="1" fill="hold">
-                                          <p:stCondLst>
-                                            <p:cond delay="0"/>
-                                          </p:stCondLst>
-                                        </p:cTn>
-                                        <p:tgtEl>
-                                          <p:spTgt spid="3"/>
-                                        </p:tgtEl>
-                                        <p:attrNameLst>
-                                          <p:attrName>style.visibility</p:attrName>
-                                        </p:attrNameLst>
-                                      </p:cBhvr>
-                                      <p:to>
-                                        <p:strVal val="visible"/>
-                                      </p:to>
-                                    </p:set>
-                                    <p:animEffect transition="in" filter="wipe(up)">
-                                      <p:cBhvr>
-                                        <p:cTn id="62" dur="500"/>
-                                        <p:tgtEl>
-                                          <p:spTgt spid="3"/>
                                         </p:tgtEl>
                                       </p:cBhvr>
                                     </p:animEffect>
@@ -20011,8 +19780,6 @@
       <p:bldP spid="186" grpId="0" uiExpand="1" build="p"/>
       <p:bldP spid="187" grpId="0" uiExpand="1" build="p"/>
       <p:bldP spid="188" grpId="0" uiExpand="1" build="p"/>
-      <p:bldP spid="11" grpId="0" uiExpand="1" build="p"/>
-      <p:bldP spid="3" grpId="0" animBg="1"/>
     </p:bldLst>
   </p:timing>
 </p:sld>
@@ -20060,7 +19827,7 @@
           </a:bodyPr>
           <a:lstStyle/>
           <a:p>
-            <a:pPr marL="457200" lvl="0" indent="-311150" algn="l" rtl="0">
+            <a:pPr marL="457200" lvl="0" indent="-311150" algn="just" rtl="0">
               <a:spcBef>
                 <a:spcPts val="0"/>
               </a:spcBef>
@@ -20089,7 +19856,7 @@
             <a:endParaRPr dirty="0"/>
           </a:p>
           <a:p>
-            <a:pPr marL="914400" lvl="1" indent="-298450" algn="l" rtl="0">
+            <a:pPr marL="914400" lvl="1" indent="-298450" algn="just" rtl="0">
               <a:spcBef>
                 <a:spcPts val="0"/>
               </a:spcBef>
@@ -20118,7 +19885,7 @@
             <a:endParaRPr dirty="0"/>
           </a:p>
           <a:p>
-            <a:pPr marL="914400" lvl="1" indent="-298450" algn="l" rtl="0">
+            <a:pPr marL="914400" lvl="1" indent="-298450" algn="just" rtl="0">
               <a:spcBef>
                 <a:spcPts val="0"/>
               </a:spcBef>
@@ -20143,27 +19910,31 @@
             <a:r>
               <a:rPr lang="ru" dirty="0">
                 <a:solidFill>
-                  <a:schemeClr val="lt1"/>
+                  <a:schemeClr val="bg1"/>
                 </a:solidFill>
-                <a:uFill>
-                  <a:noFill/>
-                </a:uFill>
                 <a:latin typeface="Courier New"/>
                 <a:ea typeface="Courier New"/>
                 <a:cs typeface="Courier New"/>
                 <a:sym typeface="Courier New"/>
-                <a:hlinkClick r:id="rId3"/>
               </a:rPr>
               <a:t>alex.arnautov@example.com</a:t>
             </a:r>
             <a:r>
+              <a:rPr lang="ru" dirty="0">
+                <a:latin typeface="Courier New"/>
+                <a:ea typeface="Courier New"/>
+                <a:cs typeface="Courier New"/>
+              </a:rPr>
+              <a:t> </a:t>
+            </a:r>
+            <a:r>
               <a:rPr lang="ru" dirty="0"/>
-              <a:t> - збереження електронної адреси автора.</a:t>
+              <a:t>- збереження електронної адреси автора.</a:t>
             </a:r>
             <a:endParaRPr dirty="0"/>
           </a:p>
           <a:p>
-            <a:pPr marL="457200" lvl="0" indent="-311150" algn="l" rtl="0">
+            <a:pPr marL="457200" lvl="0" indent="-311150" algn="just" rtl="0">
               <a:spcBef>
                 <a:spcPts val="0"/>
               </a:spcBef>
@@ -20188,7 +19959,7 @@
             <a:endParaRPr i="1" dirty="0"/>
           </a:p>
           <a:p>
-            <a:pPr marL="457200" lvl="0" indent="0" algn="l" rtl="0">
+            <a:pPr marL="457200" lvl="0" indent="0" algn="just" rtl="0">
               <a:spcBef>
                 <a:spcPts val="1600"/>
               </a:spcBef>
@@ -20225,7 +19996,7 @@
         </p:nvSpPr>
         <p:spPr>
           <a:xfrm>
-            <a:off x="1297500" y="393750"/>
+            <a:off x="612000" y="393750"/>
             <a:ext cx="7038900" cy="914100"/>
           </a:xfrm>
           <a:prstGeom prst="rect">
@@ -20248,10 +20019,10 @@
               <a:buNone/>
             </a:pPr>
             <a:r>
-              <a:rPr lang="ru"/>
+              <a:rPr lang="ru" dirty="0"/>
               <a:t>Налаштування роботи</a:t>
             </a:r>
-            <a:endParaRPr/>
+            <a:endParaRPr dirty="0"/>
           </a:p>
         </p:txBody>
       </p:sp>
@@ -20262,7 +20033,7 @@
           <p:nvPr/>
         </p:nvPicPr>
         <p:blipFill>
-          <a:blip r:embed="rId4">
+          <a:blip r:embed="rId3">
             <a:alphaModFix/>
           </a:blip>
           <a:stretch>
@@ -20342,6 +20113,18 @@
   <p:clrMapOvr>
     <a:masterClrMapping/>
   </p:clrMapOvr>
+  <mc:AlternateContent xmlns:mc="http://schemas.openxmlformats.org/markup-compatibility/2006" xmlns:p14="http://schemas.microsoft.com/office/powerpoint/2010/main">
+    <mc:Choice Requires="p14">
+      <p:transition p14:dur="400">
+        <p:circle/>
+      </p:transition>
+    </mc:Choice>
+    <mc:Fallback xmlns="">
+      <p:transition>
+        <p:circle/>
+      </p:transition>
+    </mc:Fallback>
+  </mc:AlternateContent>
   <p:timing>
     <p:tnLst>
       <p:par>
@@ -20687,7 +20470,7 @@
         </p:nvSpPr>
         <p:spPr>
           <a:xfrm>
-            <a:off x="1297500" y="393750"/>
+            <a:off x="612000" y="393750"/>
             <a:ext cx="7038900" cy="914100"/>
           </a:xfrm>
           <a:prstGeom prst="rect">
@@ -20710,10 +20493,10 @@
               <a:buNone/>
             </a:pPr>
             <a:r>
-              <a:rPr lang="ru"/>
+              <a:rPr lang="ru" dirty="0"/>
               <a:t>Створення репозиторію</a:t>
             </a:r>
-            <a:endParaRPr/>
+            <a:endParaRPr dirty="0"/>
           </a:p>
         </p:txBody>
       </p:sp>
@@ -20730,7 +20513,7 @@
         <p:spPr>
           <a:xfrm>
             <a:off x="311700" y="1133775"/>
-            <a:ext cx="8520600" cy="3416400"/>
+            <a:ext cx="8520600" cy="1594185"/>
           </a:xfrm>
           <a:prstGeom prst="rect">
             <a:avLst/>
@@ -20743,7 +20526,7 @@
           </a:bodyPr>
           <a:lstStyle/>
           <a:p>
-            <a:pPr marL="457200" lvl="0" indent="-311150" algn="l" rtl="0">
+            <a:pPr marL="457200" lvl="0" indent="-311150" rtl="0">
               <a:spcBef>
                 <a:spcPts val="0"/>
               </a:spcBef>
@@ -20768,7 +20551,7 @@
             </a:endParaRPr>
           </a:p>
           <a:p>
-            <a:pPr marL="914400" lvl="1" indent="-298450" algn="l" rtl="0">
+            <a:pPr marL="914400" lvl="1" indent="-298450" rtl="0">
               <a:spcBef>
                 <a:spcPts val="0"/>
               </a:spcBef>
@@ -20836,7 +20619,7 @@
             </a:endParaRPr>
           </a:p>
           <a:p>
-            <a:pPr marL="457200" lvl="0" indent="-311150" algn="l" rtl="0">
+            <a:pPr marL="457200" lvl="0" indent="-311150" rtl="0">
               <a:spcBef>
                 <a:spcPts val="0"/>
               </a:spcBef>
@@ -20861,7 +20644,7 @@
             </a:endParaRPr>
           </a:p>
           <a:p>
-            <a:pPr marL="914400" lvl="1" indent="-298450" algn="l" rtl="0">
+            <a:pPr marL="914400" lvl="1" indent="-298450" rtl="0">
               <a:spcBef>
                 <a:spcPts val="0"/>
               </a:spcBef>
@@ -20922,7 +20705,7 @@
             </a:endParaRPr>
           </a:p>
           <a:p>
-            <a:pPr marL="914400" lvl="1" indent="-298450" algn="l" rtl="0">
+            <a:pPr marL="914400" lvl="1" indent="-298450" rtl="0">
               <a:spcBef>
                 <a:spcPts val="0"/>
               </a:spcBef>
@@ -21086,6 +20869,18 @@
   <p:clrMapOvr>
     <a:masterClrMapping/>
   </p:clrMapOvr>
+  <mc:AlternateContent xmlns:mc="http://schemas.openxmlformats.org/markup-compatibility/2006" xmlns:p14="http://schemas.microsoft.com/office/powerpoint/2010/main">
+    <mc:Choice Requires="p14">
+      <p:transition p14:dur="400">
+        <p:circle/>
+      </p:transition>
+    </mc:Choice>
+    <mc:Fallback xmlns="">
+      <p:transition>
+        <p:circle/>
+      </p:transition>
+    </mc:Fallback>
+  </mc:AlternateContent>
   <p:timing>
     <p:tnLst>
       <p:par>
@@ -21387,7 +21182,7 @@
         </p:nvSpPr>
         <p:spPr>
           <a:xfrm>
-            <a:off x="1297500" y="393750"/>
+            <a:off x="612000" y="393750"/>
             <a:ext cx="7038900" cy="914100"/>
           </a:xfrm>
           <a:prstGeom prst="rect">
@@ -21446,7 +21241,7 @@
           </a:bodyPr>
           <a:lstStyle/>
           <a:p>
-            <a:pPr marL="457200" lvl="0" indent="-311150" algn="l" rtl="0">
+            <a:pPr marL="457200" lvl="0" indent="-311150" algn="just" rtl="0">
               <a:spcBef>
                 <a:spcPts val="0"/>
               </a:spcBef>
@@ -21467,7 +21262,7 @@
             <a:endParaRPr dirty="0"/>
           </a:p>
           <a:p>
-            <a:pPr marL="914400" lvl="1" indent="-298450" algn="l" rtl="0">
+            <a:pPr marL="914400" lvl="1" indent="-298450" algn="just" rtl="0">
               <a:spcBef>
                 <a:spcPts val="0"/>
               </a:spcBef>
@@ -21504,7 +21299,7 @@
             <a:endParaRPr dirty="0"/>
           </a:p>
           <a:p>
-            <a:pPr marL="914400" lvl="1" indent="-298450" algn="l" rtl="0">
+            <a:pPr marL="914400" lvl="1" indent="-298450" algn="just" rtl="0">
               <a:spcBef>
                 <a:spcPts val="0"/>
               </a:spcBef>
@@ -21545,7 +21340,7 @@
             <a:endParaRPr dirty="0"/>
           </a:p>
           <a:p>
-            <a:pPr marL="457200" lvl="0" indent="-311150" algn="l" rtl="0">
+            <a:pPr marL="457200" lvl="0" indent="-311150" algn="just" rtl="0">
               <a:spcBef>
                 <a:spcPts val="0"/>
               </a:spcBef>
@@ -21582,7 +21377,7 @@
             <a:endParaRPr dirty="0"/>
           </a:p>
           <a:p>
-            <a:pPr marL="457200" lvl="0" indent="-311150" algn="l" rtl="0">
+            <a:pPr marL="457200" lvl="0" indent="-311150" algn="just" rtl="0">
               <a:spcBef>
                 <a:spcPts val="0"/>
               </a:spcBef>
@@ -21603,7 +21398,7 @@
             <a:endParaRPr dirty="0"/>
           </a:p>
           <a:p>
-            <a:pPr marL="914400" lvl="1" indent="-298450" algn="l" rtl="0">
+            <a:pPr marL="914400" lvl="1" indent="-298450" algn="just" rtl="0">
               <a:spcBef>
                 <a:spcPts val="0"/>
               </a:spcBef>
@@ -21661,7 +21456,7 @@
             <a:endParaRPr dirty="0"/>
           </a:p>
           <a:p>
-            <a:pPr marL="914400" lvl="1" indent="-298450" algn="l" rtl="0">
+            <a:pPr marL="914400" lvl="1" indent="-298450" algn="just" rtl="0">
               <a:spcBef>
                 <a:spcPts val="0"/>
               </a:spcBef>
@@ -21758,6 +21553,18 @@
   <p:clrMapOvr>
     <a:masterClrMapping/>
   </p:clrMapOvr>
+  <mc:AlternateContent xmlns:mc="http://schemas.openxmlformats.org/markup-compatibility/2006" xmlns:p14="http://schemas.microsoft.com/office/powerpoint/2010/main">
+    <mc:Choice Requires="p14">
+      <p:transition p14:dur="400">
+        <p:circle/>
+      </p:transition>
+    </mc:Choice>
+    <mc:Fallback xmlns="">
+      <p:transition>
+        <p:circle/>
+      </p:transition>
+    </mc:Fallback>
+  </mc:AlternateContent>
   <p:timing>
     <p:tnLst>
       <p:par>
@@ -22142,7 +21949,7 @@
         </p:nvSpPr>
         <p:spPr>
           <a:xfrm>
-            <a:off x="1297500" y="393750"/>
+            <a:off x="612000" y="393750"/>
             <a:ext cx="7038900" cy="914100"/>
           </a:xfrm>
           <a:prstGeom prst="rect">
@@ -22197,7 +22004,7 @@
           </a:bodyPr>
           <a:lstStyle/>
           <a:p>
-            <a:pPr marL="0" lvl="0" indent="0" algn="l" rtl="0">
+            <a:pPr marL="0" lvl="0" indent="0" rtl="0">
               <a:spcBef>
                 <a:spcPts val="0"/>
               </a:spcBef>
@@ -22249,7 +22056,7 @@
             <a:endParaRPr dirty="0"/>
           </a:p>
           <a:p>
-            <a:pPr marL="0" lvl="0" indent="0" algn="l" rtl="0">
+            <a:pPr marL="0" lvl="0" indent="0" rtl="0">
               <a:spcBef>
                 <a:spcPts val="1600"/>
               </a:spcBef>
@@ -22291,7 +22098,7 @@
             <a:endParaRPr dirty="0"/>
           </a:p>
           <a:p>
-            <a:pPr marL="0" lvl="0" indent="0" algn="l" rtl="0">
+            <a:pPr marL="0" lvl="0" indent="0" rtl="0">
               <a:spcBef>
                 <a:spcPts val="1600"/>
               </a:spcBef>
@@ -22391,6 +22198,18 @@
   <p:clrMapOvr>
     <a:masterClrMapping/>
   </p:clrMapOvr>
+  <mc:AlternateContent xmlns:mc="http://schemas.openxmlformats.org/markup-compatibility/2006" xmlns:p14="http://schemas.microsoft.com/office/powerpoint/2010/main">
+    <mc:Choice Requires="p14">
+      <p:transition p14:dur="400">
+        <p:circle/>
+      </p:transition>
+    </mc:Choice>
+    <mc:Fallback xmlns="">
+      <p:transition>
+        <p:circle/>
+      </p:transition>
+    </mc:Fallback>
+  </mc:AlternateContent>
   <p:timing>
     <p:tnLst>
       <p:par>
@@ -22668,7 +22487,7 @@
         </p:nvSpPr>
         <p:spPr>
           <a:xfrm>
-            <a:off x="1297500" y="393750"/>
+            <a:off x="612000" y="393750"/>
             <a:ext cx="7038900" cy="914100"/>
           </a:xfrm>
           <a:prstGeom prst="rect">
@@ -22723,7 +22542,7 @@
           </a:bodyPr>
           <a:lstStyle/>
           <a:p>
-            <a:pPr marL="457200" lvl="0" indent="-311150" algn="l" rtl="0">
+            <a:pPr marL="457200" lvl="0" indent="-311150" algn="just" rtl="0">
               <a:spcBef>
                 <a:spcPts val="0"/>
               </a:spcBef>
@@ -22734,17 +22553,17 @@
               <a:buChar char="-"/>
             </a:pPr>
             <a:r>
-              <a:rPr lang="ru" b="1" dirty="0"/>
+              <a:rPr lang="ru" sz="1400" b="1" dirty="0"/>
               <a:t>створення </a:t>
             </a:r>
             <a:r>
-              <a:rPr lang="ru" dirty="0"/>
+              <a:rPr lang="ru" sz="1400" dirty="0"/>
               <a:t>нової гілки: git branch &lt;new_branch&gt;</a:t>
             </a:r>
-            <a:endParaRPr dirty="0"/>
+            <a:endParaRPr sz="1400" dirty="0"/>
           </a:p>
           <a:p>
-            <a:pPr marL="457200" lvl="0" indent="-311150" algn="l" rtl="0">
+            <a:pPr marL="457200" lvl="0" indent="-311150" algn="just" rtl="0">
               <a:spcBef>
                 <a:spcPts val="0"/>
               </a:spcBef>
@@ -22755,17 +22574,17 @@
               <a:buChar char="-"/>
             </a:pPr>
             <a:r>
-              <a:rPr lang="ru" b="1" dirty="0"/>
+              <a:rPr lang="ru" sz="1400" b="1" dirty="0"/>
               <a:t>перемикання </a:t>
             </a:r>
             <a:r>
-              <a:rPr lang="ru" dirty="0"/>
+              <a:rPr lang="ru" sz="1400" dirty="0"/>
               <a:t>на нову гілку: git checkout &lt;new_branch&gt;</a:t>
             </a:r>
-            <a:endParaRPr dirty="0"/>
+            <a:endParaRPr sz="1400" dirty="0"/>
           </a:p>
           <a:p>
-            <a:pPr marL="457200" lvl="0" indent="-311150" algn="l" rtl="0">
+            <a:pPr marL="457200" lvl="0" indent="-311150" algn="just" rtl="0">
               <a:spcBef>
                 <a:spcPts val="0"/>
               </a:spcBef>
@@ -22776,22 +22595,22 @@
               <a:buChar char="-"/>
             </a:pPr>
             <a:r>
-              <a:rPr lang="ru" b="1" dirty="0"/>
+              <a:rPr lang="ru" sz="1400" b="1" dirty="0"/>
               <a:t>створення </a:t>
             </a:r>
             <a:r>
-              <a:rPr lang="ru" dirty="0"/>
+              <a:rPr lang="ru" sz="1400" dirty="0"/>
               <a:t>нової гілки та </a:t>
             </a:r>
             <a:r>
-              <a:rPr lang="ru" b="1" dirty="0"/>
+              <a:rPr lang="ru" sz="1400" b="1" dirty="0"/>
               <a:t>перемикання </a:t>
             </a:r>
             <a:r>
-              <a:rPr lang="ru" dirty="0"/>
+              <a:rPr lang="ru" sz="1400" dirty="0"/>
               <a:t>на неї: git checkout -b &lt;new_branch&gt;</a:t>
             </a:r>
-            <a:endParaRPr dirty="0"/>
+            <a:endParaRPr sz="1400" dirty="0"/>
           </a:p>
         </p:txBody>
       </p:sp>
@@ -23014,6 +22833,18 @@
   <p:clrMapOvr>
     <a:masterClrMapping/>
   </p:clrMapOvr>
+  <mc:AlternateContent xmlns:mc="http://schemas.openxmlformats.org/markup-compatibility/2006" xmlns:p14="http://schemas.microsoft.com/office/powerpoint/2010/main">
+    <mc:Choice Requires="p14">
+      <p:transition p14:dur="400">
+        <p:circle/>
+      </p:transition>
+    </mc:Choice>
+    <mc:Fallback xmlns="">
+      <p:transition>
+        <p:circle/>
+      </p:transition>
+    </mc:Fallback>
+  </mc:AlternateContent>
   <p:timing>
     <p:tnLst>
       <p:par>
@@ -23053,7 +22884,7 @@
         </p:nvSpPr>
         <p:spPr>
           <a:xfrm>
-            <a:off x="1297500" y="393750"/>
+            <a:off x="612000" y="393750"/>
             <a:ext cx="7038900" cy="914100"/>
           </a:xfrm>
           <a:prstGeom prst="rect">
@@ -23076,10 +22907,10 @@
               <a:buNone/>
             </a:pPr>
             <a:r>
-              <a:rPr lang="ru"/>
+              <a:rPr lang="ru" dirty="0"/>
               <a:t>Коміт</a:t>
             </a:r>
-            <a:endParaRPr/>
+            <a:endParaRPr dirty="0"/>
           </a:p>
         </p:txBody>
       </p:sp>
@@ -23108,7 +22939,7 @@
           </a:bodyPr>
           <a:lstStyle/>
           <a:p>
-            <a:pPr marL="457200" lvl="0" indent="-311150" algn="l" rtl="0">
+            <a:pPr marL="457200" lvl="0" indent="-311150" algn="just" rtl="0">
               <a:spcBef>
                 <a:spcPts val="0"/>
               </a:spcBef>
@@ -23129,7 +22960,7 @@
             <a:endParaRPr dirty="0"/>
           </a:p>
           <a:p>
-            <a:pPr marL="457200" lvl="0" indent="-311150" algn="l" rtl="0">
+            <a:pPr marL="457200" lvl="0" indent="-311150" algn="just" rtl="0">
               <a:spcBef>
                 <a:spcPts val="0"/>
               </a:spcBef>
@@ -23150,7 +22981,7 @@
             <a:endParaRPr dirty="0"/>
           </a:p>
           <a:p>
-            <a:pPr marL="457200" lvl="0" indent="-311150" algn="l" rtl="0">
+            <a:pPr marL="457200" lvl="0" indent="-311150" algn="just" rtl="0">
               <a:spcBef>
                 <a:spcPts val="0"/>
               </a:spcBef>
@@ -23171,7 +23002,7 @@
             <a:endParaRPr dirty="0"/>
           </a:p>
           <a:p>
-            <a:pPr marL="0" lvl="0" indent="0" algn="l" rtl="0">
+            <a:pPr marL="0" lvl="0" indent="0" algn="just" rtl="0">
               <a:spcBef>
                 <a:spcPts val="1600"/>
               </a:spcBef>
@@ -23428,6 +23259,18 @@
   <p:clrMapOvr>
     <a:masterClrMapping/>
   </p:clrMapOvr>
+  <mc:AlternateContent xmlns:mc="http://schemas.openxmlformats.org/markup-compatibility/2006" xmlns:p14="http://schemas.microsoft.com/office/powerpoint/2010/main">
+    <mc:Choice Requires="p14">
+      <p:transition p14:dur="400">
+        <p:circle/>
+      </p:transition>
+    </mc:Choice>
+    <mc:Fallback xmlns="">
+      <p:transition>
+        <p:circle/>
+      </p:transition>
+    </mc:Fallback>
+  </mc:AlternateContent>
   <p:timing>
     <p:tnLst>
       <p:par>

--- a/Seminar1_Github_v02.pptx
+++ b/Seminar1_Github_v02.pptx
@@ -289,7 +289,7 @@
             <a:srgbClr val="A4A3A4"/>
           </p15:clr>
         </p15:guide>
-        <p15:guide id="3" orient="horz" pos="850">
+        <p15:guide id="3" orient="horz" pos="849" userDrawn="1">
           <p15:clr>
             <a:srgbClr val="9AA0A6"/>
           </p15:clr>
@@ -854,28 +854,40 @@
               <a:buNone/>
             </a:pPr>
             <a:r>
-              <a:rPr lang="uk-UA" dirty="0" smtClean="0"/>
-              <a:t>Доброго</a:t>
-            </a:r>
-            <a:r>
-              <a:rPr lang="uk-UA" baseline="0" dirty="0" smtClean="0"/>
-              <a:t> дня всім. Дану презентацію </a:t>
-            </a:r>
-            <a:r>
-              <a:rPr lang="uk-UA" baseline="0" dirty="0" err="1" smtClean="0"/>
-              <a:t>підготовали</a:t>
-            </a:r>
-            <a:r>
-              <a:rPr lang="uk-UA" baseline="0" dirty="0" smtClean="0"/>
-              <a:t> студенти групи ПМ.м-91/1 Арнаутов Олексій та Станіслав Ільїн. Ми розповімо Вам про веб-сервіс </a:t>
-            </a:r>
-            <a:r>
-              <a:rPr lang="en-US" baseline="0" dirty="0" smtClean="0"/>
-              <a:t>GitHub</a:t>
-            </a:r>
-            <a:r>
-              <a:rPr lang="uk-UA" baseline="0" dirty="0" smtClean="0"/>
-              <a:t> як систему контролю версій та соціальну мережу для розробників.</a:t>
+              <a:rPr lang="ru-RU" dirty="0" smtClean="0"/>
+              <a:t>Доброго дня </a:t>
+            </a:r>
+            <a:r>
+              <a:rPr lang="ru-RU" dirty="0" err="1" smtClean="0"/>
+              <a:t>всім</a:t>
+            </a:r>
+            <a:r>
+              <a:rPr lang="ru-RU" dirty="0" smtClean="0"/>
+              <a:t> </a:t>
+            </a:r>
+            <a:r>
+              <a:rPr lang="ru-RU" dirty="0" err="1" smtClean="0"/>
+              <a:t>присутнім</a:t>
+            </a:r>
+            <a:r>
+              <a:rPr lang="ru-RU" dirty="0" smtClean="0"/>
+              <a:t>. Мене </a:t>
+            </a:r>
+            <a:r>
+              <a:rPr lang="ru-RU" dirty="0" err="1" smtClean="0"/>
+              <a:t>звати</a:t>
+            </a:r>
+            <a:r>
+              <a:rPr lang="ru-RU" dirty="0" smtClean="0"/>
+              <a:t> </a:t>
+            </a:r>
+            <a:r>
+              <a:rPr lang="ru-RU" dirty="0" err="1" smtClean="0"/>
+              <a:t>Олексій</a:t>
+            </a:r>
+            <a:r>
+              <a:rPr lang="ru-RU" dirty="0" smtClean="0"/>
+              <a:t> Арнаутов,</a:t>
             </a:r>
           </a:p>
           <a:p>
@@ -889,15 +901,139 @@
               <a:buNone/>
             </a:pPr>
             <a:r>
-              <a:rPr lang="uk-UA" baseline="0" dirty="0" smtClean="0"/>
-              <a:t>І для почату декілька слів про саму систему </a:t>
-            </a:r>
-            <a:r>
-              <a:rPr lang="en-US" baseline="0" dirty="0" err="1" smtClean="0"/>
-              <a:t>Git</a:t>
-            </a:r>
-            <a:r>
-              <a:rPr lang="en-US" baseline="0" dirty="0" smtClean="0"/>
+              <a:rPr lang="ru-RU" dirty="0" err="1" smtClean="0"/>
+              <a:t>сьогодні</a:t>
+            </a:r>
+            <a:r>
+              <a:rPr lang="ru-RU" dirty="0" smtClean="0"/>
+              <a:t> я та </a:t>
+            </a:r>
+            <a:r>
+              <a:rPr lang="ru-RU" dirty="0" err="1" smtClean="0"/>
+              <a:t>мій</a:t>
+            </a:r>
+            <a:r>
+              <a:rPr lang="ru-RU" dirty="0" smtClean="0"/>
+              <a:t> </a:t>
+            </a:r>
+            <a:r>
+              <a:rPr lang="ru-RU" dirty="0" err="1" smtClean="0"/>
+              <a:t>колега</a:t>
+            </a:r>
+            <a:r>
+              <a:rPr lang="ru-RU" dirty="0" smtClean="0"/>
+              <a:t> </a:t>
+            </a:r>
+            <a:r>
+              <a:rPr lang="ru-RU" dirty="0" err="1" smtClean="0"/>
+              <a:t>Станіслав</a:t>
+            </a:r>
+            <a:r>
+              <a:rPr lang="ru-RU" dirty="0" smtClean="0"/>
+              <a:t> </a:t>
+            </a:r>
+            <a:r>
+              <a:rPr lang="ru-RU" dirty="0" err="1" smtClean="0"/>
+              <a:t>Ільїн</a:t>
+            </a:r>
+            <a:r>
+              <a:rPr lang="ru-RU" dirty="0" smtClean="0"/>
+              <a:t> </a:t>
+            </a:r>
+            <a:r>
+              <a:rPr lang="ru-RU" dirty="0" err="1" smtClean="0"/>
+              <a:t>познайомимо</a:t>
+            </a:r>
+            <a:r>
+              <a:rPr lang="ru-RU" dirty="0" smtClean="0"/>
+              <a:t> Вас </a:t>
+            </a:r>
+            <a:r>
+              <a:rPr lang="ru-RU" dirty="0" err="1" smtClean="0"/>
+              <a:t>із</a:t>
+            </a:r>
+            <a:endParaRPr lang="ru-RU" dirty="0" smtClean="0"/>
+          </a:p>
+          <a:p>
+            <a:pPr marL="0" lvl="0" indent="0" algn="l" rtl="0">
+              <a:spcBef>
+                <a:spcPts val="0"/>
+              </a:spcBef>
+              <a:spcAft>
+                <a:spcPts val="0"/>
+              </a:spcAft>
+              <a:buNone/>
+            </a:pPr>
+            <a:r>
+              <a:rPr lang="ru-RU" dirty="0" smtClean="0"/>
+              <a:t>веб-</a:t>
+            </a:r>
+            <a:r>
+              <a:rPr lang="ru-RU" dirty="0" err="1" smtClean="0"/>
+              <a:t>сервісом</a:t>
+            </a:r>
+            <a:r>
+              <a:rPr lang="ru-RU" dirty="0" smtClean="0"/>
+              <a:t> </a:t>
+            </a:r>
+            <a:r>
+              <a:rPr lang="en-US" dirty="0" smtClean="0"/>
+              <a:t>GitHub, </a:t>
+            </a:r>
+            <a:r>
+              <a:rPr lang="ru-RU" dirty="0" err="1" smtClean="0"/>
+              <a:t>який</a:t>
+            </a:r>
+            <a:r>
+              <a:rPr lang="ru-RU" dirty="0" smtClean="0"/>
+              <a:t> </a:t>
+            </a:r>
+            <a:r>
+              <a:rPr lang="ru-RU" dirty="0" err="1" smtClean="0"/>
+              <a:t>представляє</a:t>
+            </a:r>
+            <a:r>
+              <a:rPr lang="ru-RU" dirty="0" smtClean="0"/>
+              <a:t> собою систему </a:t>
+            </a:r>
+            <a:r>
+              <a:rPr lang="ru-RU" dirty="0" err="1" smtClean="0"/>
+              <a:t>контролью</a:t>
+            </a:r>
+            <a:endParaRPr lang="ru-RU" dirty="0" smtClean="0"/>
+          </a:p>
+          <a:p>
+            <a:pPr marL="0" lvl="0" indent="0" algn="l" rtl="0">
+              <a:spcBef>
+                <a:spcPts val="0"/>
+              </a:spcBef>
+              <a:spcAft>
+                <a:spcPts val="0"/>
+              </a:spcAft>
+              <a:buNone/>
+            </a:pPr>
+            <a:r>
+              <a:rPr lang="ru-RU" dirty="0" err="1" smtClean="0"/>
+              <a:t>версій</a:t>
+            </a:r>
+            <a:r>
+              <a:rPr lang="ru-RU" dirty="0" smtClean="0"/>
+              <a:t> та </a:t>
+            </a:r>
+            <a:r>
+              <a:rPr lang="ru-RU" dirty="0" err="1" smtClean="0"/>
+              <a:t>соціальну</a:t>
+            </a:r>
+            <a:r>
+              <a:rPr lang="ru-RU" dirty="0" smtClean="0"/>
+              <a:t> мережу для </a:t>
+            </a:r>
+            <a:r>
+              <a:rPr lang="ru-RU" dirty="0" err="1" smtClean="0"/>
+              <a:t>розробників</a:t>
+            </a:r>
+            <a:r>
+              <a:rPr lang="ru-RU" dirty="0" smtClean="0"/>
               <a:t>.</a:t>
             </a:r>
             <a:endParaRPr dirty="0"/>
@@ -1004,7 +1140,139 @@
               </a:spcAft>
               <a:buNone/>
             </a:pPr>
-            <a:endParaRPr/>
+            <a:r>
+              <a:rPr lang="uk-UA" dirty="0" smtClean="0"/>
+              <a:t>Слайд </a:t>
+            </a:r>
+            <a:r>
+              <a:rPr lang="uk-UA" dirty="0" err="1" smtClean="0"/>
+              <a:t>Стаса</a:t>
+            </a:r>
+            <a:r>
+              <a:rPr lang="uk-UA" dirty="0" smtClean="0"/>
+              <a:t>. </a:t>
+            </a:r>
+            <a:r>
+              <a:rPr lang="ru-RU" dirty="0" smtClean="0"/>
+              <a:t>10-&gt;</a:t>
+            </a:r>
+            <a:r>
+              <a:rPr lang="ru-RU" dirty="0" err="1" smtClean="0"/>
+              <a:t>Злиття</a:t>
+            </a:r>
+            <a:r>
+              <a:rPr lang="ru-RU" dirty="0" smtClean="0"/>
+              <a:t> - </a:t>
+            </a:r>
+            <a:r>
+              <a:rPr lang="ru-RU" dirty="0" err="1" smtClean="0"/>
+              <a:t>це</a:t>
+            </a:r>
+            <a:r>
+              <a:rPr lang="ru-RU" dirty="0" smtClean="0"/>
+              <a:t> </a:t>
+            </a:r>
+            <a:r>
+              <a:rPr lang="ru-RU" dirty="0" err="1" smtClean="0"/>
+              <a:t>додавання</a:t>
+            </a:r>
+            <a:r>
+              <a:rPr lang="ru-RU" dirty="0" smtClean="0"/>
+              <a:t> </a:t>
+            </a:r>
+            <a:r>
+              <a:rPr lang="ru-RU" dirty="0" err="1" smtClean="0"/>
+              <a:t>нових</a:t>
+            </a:r>
+            <a:r>
+              <a:rPr lang="ru-RU" dirty="0" smtClean="0"/>
+              <a:t> </a:t>
+            </a:r>
+            <a:r>
+              <a:rPr lang="ru-RU" dirty="0" err="1" smtClean="0"/>
+              <a:t>наробок</a:t>
+            </a:r>
+            <a:r>
+              <a:rPr lang="ru-RU" dirty="0" smtClean="0"/>
+              <a:t> з </a:t>
+            </a:r>
+            <a:r>
+              <a:rPr lang="ru-RU" dirty="0" err="1" smtClean="0"/>
+              <a:t>однієї</a:t>
+            </a:r>
+            <a:r>
+              <a:rPr lang="ru-RU" dirty="0" smtClean="0"/>
+              <a:t> </a:t>
+            </a:r>
+            <a:r>
+              <a:rPr lang="ru-RU" dirty="0" err="1" smtClean="0"/>
+              <a:t>гілки</a:t>
+            </a:r>
+            <a:r>
+              <a:rPr lang="ru-RU" dirty="0" smtClean="0"/>
+              <a:t> на </a:t>
+            </a:r>
+            <a:r>
+              <a:rPr lang="ru-RU" dirty="0" err="1" smtClean="0"/>
+              <a:t>іншу</a:t>
+            </a:r>
+            <a:r>
+              <a:rPr lang="ru-RU" dirty="0" smtClean="0"/>
+              <a:t>, при </a:t>
+            </a:r>
+            <a:r>
+              <a:rPr lang="ru-RU" dirty="0" err="1" smtClean="0"/>
+              <a:t>цьому</a:t>
+            </a:r>
+            <a:r>
+              <a:rPr lang="ru-RU" dirty="0" smtClean="0"/>
+              <a:t> </a:t>
+            </a:r>
+            <a:r>
+              <a:rPr lang="ru-RU" dirty="0" err="1" smtClean="0"/>
+              <a:t>останні</a:t>
+            </a:r>
+            <a:r>
+              <a:rPr lang="ru-RU" dirty="0" smtClean="0"/>
+              <a:t> </a:t>
+            </a:r>
+            <a:r>
+              <a:rPr lang="ru-RU" dirty="0" err="1" smtClean="0"/>
+              <a:t>коміти</a:t>
+            </a:r>
+            <a:r>
+              <a:rPr lang="ru-RU" dirty="0" smtClean="0"/>
+              <a:t> </a:t>
+            </a:r>
+            <a:r>
+              <a:rPr lang="ru-RU" dirty="0" err="1" smtClean="0"/>
+              <a:t>цих</a:t>
+            </a:r>
+            <a:r>
+              <a:rPr lang="ru-RU" dirty="0" smtClean="0"/>
+              <a:t> </a:t>
+            </a:r>
+            <a:r>
+              <a:rPr lang="ru-RU" dirty="0" err="1" smtClean="0"/>
+              <a:t>гілок</a:t>
+            </a:r>
+            <a:r>
+              <a:rPr lang="ru-RU" dirty="0" smtClean="0"/>
+              <a:t> </a:t>
+            </a:r>
+            <a:r>
+              <a:rPr lang="ru-RU" dirty="0" err="1" smtClean="0"/>
+              <a:t>стають</a:t>
+            </a:r>
+            <a:r>
+              <a:rPr lang="ru-RU" dirty="0" smtClean="0"/>
+              <a:t> </a:t>
+            </a:r>
+            <a:r>
+              <a:rPr lang="ru-RU" dirty="0" err="1" smtClean="0"/>
+              <a:t>ідентичними</a:t>
+            </a:r>
+            <a:endParaRPr dirty="0"/>
           </a:p>
         </p:txBody>
       </p:sp>
@@ -1108,7 +1376,133 @@
               </a:spcAft>
               <a:buNone/>
             </a:pPr>
-            <a:endParaRPr/>
+            <a:r>
+              <a:rPr lang="uk-UA" dirty="0" smtClean="0"/>
+              <a:t>Слайд </a:t>
+            </a:r>
+            <a:r>
+              <a:rPr lang="uk-UA" dirty="0" err="1" smtClean="0"/>
+              <a:t>Стаса</a:t>
+            </a:r>
+            <a:r>
+              <a:rPr lang="uk-UA" dirty="0" smtClean="0"/>
+              <a:t>.</a:t>
+            </a:r>
+          </a:p>
+          <a:p>
+            <a:pPr marL="0" lvl="0" indent="0" algn="l" rtl="0">
+              <a:spcBef>
+                <a:spcPts val="0"/>
+              </a:spcBef>
+              <a:spcAft>
+                <a:spcPts val="0"/>
+              </a:spcAft>
+              <a:buNone/>
+            </a:pPr>
+            <a:r>
+              <a:rPr lang="uk-UA" dirty="0" smtClean="0"/>
+              <a:t>11-&gt;Комбінуючи базові </a:t>
+            </a:r>
+            <a:r>
+              <a:rPr lang="uk-UA" dirty="0" err="1" smtClean="0"/>
+              <a:t>опреації</a:t>
+            </a:r>
+            <a:r>
+              <a:rPr lang="uk-UA" dirty="0" smtClean="0"/>
+              <a:t> з гілками можна </a:t>
+            </a:r>
+            <a:r>
+              <a:rPr lang="uk-UA" dirty="0" err="1" smtClean="0"/>
+              <a:t>налагод</a:t>
+            </a:r>
+            <a:r>
+              <a:rPr lang="uk-UA" dirty="0" smtClean="0"/>
+              <a:t>....</a:t>
+            </a:r>
+          </a:p>
+          <a:p>
+            <a:pPr marL="0" lvl="0" indent="0" algn="l" rtl="0">
+              <a:spcBef>
+                <a:spcPts val="0"/>
+              </a:spcBef>
+              <a:spcAft>
+                <a:spcPts val="0"/>
+              </a:spcAft>
+              <a:buNone/>
+            </a:pPr>
+            <a:endParaRPr lang="uk-UA" dirty="0" smtClean="0"/>
+          </a:p>
+          <a:p>
+            <a:pPr marL="0" lvl="0" indent="0" algn="l" rtl="0">
+              <a:spcBef>
+                <a:spcPts val="0"/>
+              </a:spcBef>
+              <a:spcAft>
+                <a:spcPts val="0"/>
+              </a:spcAft>
+              <a:buNone/>
+            </a:pPr>
+            <a:r>
+              <a:rPr lang="uk-UA" dirty="0" smtClean="0"/>
+              <a:t>На сьогоднішній день гіт має багато реалізацій у </a:t>
+            </a:r>
+            <a:r>
+              <a:rPr lang="uk-UA" dirty="0" err="1" smtClean="0"/>
+              <a:t>вебі</a:t>
+            </a:r>
+            <a:r>
+              <a:rPr lang="uk-UA" dirty="0" smtClean="0"/>
+              <a:t>. До таких реалізацій належать </a:t>
+            </a:r>
+            <a:r>
+              <a:rPr lang="uk-UA" dirty="0" err="1" smtClean="0"/>
+              <a:t>гітхаб</a:t>
+            </a:r>
+            <a:r>
+              <a:rPr lang="uk-UA" dirty="0" smtClean="0"/>
+              <a:t>, </a:t>
+            </a:r>
+            <a:r>
+              <a:rPr lang="uk-UA" dirty="0" err="1" smtClean="0"/>
+              <a:t>гітлаб</a:t>
+            </a:r>
+            <a:r>
+              <a:rPr lang="uk-UA" dirty="0" smtClean="0"/>
+              <a:t>, </a:t>
+            </a:r>
+            <a:r>
+              <a:rPr lang="uk-UA" dirty="0" err="1" smtClean="0"/>
+              <a:t>бітбакет</a:t>
+            </a:r>
+            <a:r>
+              <a:rPr lang="uk-UA" dirty="0" smtClean="0"/>
+              <a:t> та інші. Ми б хотіли розповісти вам про популярний інструмент </a:t>
+            </a:r>
+            <a:r>
+              <a:rPr lang="uk-UA" dirty="0" err="1" smtClean="0"/>
+              <a:t>гітхаб</a:t>
+            </a:r>
+            <a:endParaRPr lang="uk-UA" dirty="0" smtClean="0"/>
+          </a:p>
+          <a:p>
+            <a:pPr marL="0" lvl="0" indent="0" algn="l" rtl="0">
+              <a:spcBef>
+                <a:spcPts val="0"/>
+              </a:spcBef>
+              <a:spcAft>
+                <a:spcPts val="0"/>
+              </a:spcAft>
+              <a:buNone/>
+            </a:pPr>
+            <a:r>
+              <a:rPr lang="uk-UA" dirty="0" smtClean="0"/>
+              <a:t>Наступний </a:t>
+            </a:r>
+            <a:r>
+              <a:rPr lang="uk-UA" dirty="0" smtClean="0"/>
+              <a:t>мій.</a:t>
+            </a:r>
+            <a:endParaRPr dirty="0"/>
           </a:p>
         </p:txBody>
       </p:sp>
@@ -1212,7 +1606,47 @@
               </a:spcAft>
               <a:buNone/>
             </a:pPr>
-            <a:endParaRPr/>
+            <a:r>
+              <a:rPr lang="en-US" dirty="0" smtClean="0"/>
+              <a:t>GitHub</a:t>
+            </a:r>
+            <a:r>
+              <a:rPr lang="uk-UA" dirty="0" smtClean="0"/>
+              <a:t> - сайт, який</a:t>
+            </a:r>
+            <a:r>
+              <a:rPr lang="uk-UA" baseline="0" dirty="0" smtClean="0"/>
+              <a:t> частиною своєї функціональності</a:t>
+            </a:r>
+            <a:r>
+              <a:rPr lang="en-US" baseline="0" dirty="0" smtClean="0"/>
+              <a:t>,</a:t>
+            </a:r>
+            <a:r>
+              <a:rPr lang="uk-UA" baseline="0" dirty="0" smtClean="0"/>
+              <a:t> є веб-інтерфейсом та </a:t>
+            </a:r>
+            <a:r>
+              <a:rPr lang="uk-UA" baseline="0" dirty="0" err="1" smtClean="0"/>
+              <a:t>хостингом</a:t>
+            </a:r>
+            <a:r>
+              <a:rPr lang="uk-UA" baseline="0" dirty="0" smtClean="0"/>
+              <a:t> для системи контролю версій </a:t>
+            </a:r>
+            <a:r>
+              <a:rPr lang="en-US" baseline="0" dirty="0" err="1" smtClean="0"/>
+              <a:t>Git</a:t>
+            </a:r>
+            <a:r>
+              <a:rPr lang="en-US" baseline="0" dirty="0" smtClean="0"/>
+              <a:t>.</a:t>
+            </a:r>
+            <a:r>
+              <a:rPr lang="uk-UA" baseline="0" dirty="0" smtClean="0"/>
+              <a:t> А також потужним комунікаційним вузлом для розробників.</a:t>
+            </a:r>
+            <a:endParaRPr dirty="0"/>
           </a:p>
         </p:txBody>
       </p:sp>
@@ -1316,7 +1750,91 @@
               </a:spcAft>
               <a:buNone/>
             </a:pPr>
-            <a:endParaRPr/>
+            <a:r>
+              <a:rPr lang="uk-UA" dirty="0" smtClean="0"/>
+              <a:t>Для створення власного </a:t>
+            </a:r>
+            <a:r>
+              <a:rPr lang="uk-UA" dirty="0" err="1" smtClean="0"/>
+              <a:t>аккаунту</a:t>
+            </a:r>
+            <a:r>
+              <a:rPr lang="uk-UA" baseline="0" dirty="0" smtClean="0"/>
+              <a:t> на </a:t>
+            </a:r>
+            <a:r>
+              <a:rPr lang="en-US" baseline="0" dirty="0" smtClean="0"/>
+              <a:t>GitHub </a:t>
+            </a:r>
+            <a:r>
+              <a:rPr lang="uk-UA" baseline="0" dirty="0" smtClean="0"/>
+              <a:t>достатньо виконати всього два кроки: перейти безпосередньо на сторінку, а надати всю необхідну інформацію та виконати всі інструкції. Після створення облікового запису можна створити </a:t>
+            </a:r>
+            <a:r>
+              <a:rPr lang="uk-UA" baseline="0" dirty="0" err="1" smtClean="0"/>
+              <a:t>туже</a:t>
+            </a:r>
+            <a:r>
+              <a:rPr lang="uk-UA" baseline="0" dirty="0" smtClean="0"/>
+              <a:t> </a:t>
+            </a:r>
+            <a:r>
+              <a:rPr lang="en-US" baseline="0" dirty="0" err="1" smtClean="0"/>
+              <a:t>Git</a:t>
+            </a:r>
+            <a:r>
+              <a:rPr lang="uk-UA" baseline="0" dirty="0" smtClean="0"/>
+              <a:t>-</a:t>
+            </a:r>
+            <a:r>
+              <a:rPr lang="uk-UA" baseline="0" dirty="0" err="1" smtClean="0"/>
+              <a:t>репозиторій</a:t>
+            </a:r>
+            <a:r>
+              <a:rPr lang="uk-UA" baseline="0" dirty="0" smtClean="0"/>
+              <a:t> знайшовши кнопку </a:t>
+            </a:r>
+            <a:r>
+              <a:rPr lang="en-US" baseline="0" dirty="0" smtClean="0"/>
+              <a:t>“New” </a:t>
+            </a:r>
+            <a:r>
+              <a:rPr lang="ru-RU" baseline="0" dirty="0" smtClean="0"/>
+              <a:t>в </a:t>
+            </a:r>
+            <a:r>
+              <a:rPr lang="uk-UA" baseline="0" dirty="0" smtClean="0"/>
+              <a:t>секції – </a:t>
+            </a:r>
+            <a:r>
+              <a:rPr lang="en-US" baseline="0" dirty="0" smtClean="0"/>
+              <a:t>“Repositories” </a:t>
+            </a:r>
+            <a:r>
+              <a:rPr lang="uk-UA" baseline="0" dirty="0" smtClean="0"/>
+              <a:t>та заповнивши необхідну інформацію. Після створення даний </a:t>
+            </a:r>
+            <a:r>
+              <a:rPr lang="uk-UA" baseline="0" dirty="0" err="1" smtClean="0"/>
+              <a:t>репозиторій</a:t>
+            </a:r>
+            <a:r>
+              <a:rPr lang="uk-UA" baseline="0" dirty="0" smtClean="0"/>
+              <a:t> можна використовувати безпосередньо через </a:t>
+            </a:r>
+            <a:r>
+              <a:rPr lang="en-US" baseline="0" dirty="0" smtClean="0"/>
+              <a:t>web-</a:t>
+            </a:r>
+            <a:r>
+              <a:rPr lang="uk-UA" baseline="0" dirty="0" smtClean="0"/>
+              <a:t>інтерфейс або ж клонувати його собі на комп’ютер використавши його адресу. Тепер я передаю </a:t>
+            </a:r>
+            <a:r>
+              <a:rPr lang="uk-UA" baseline="0" smtClean="0"/>
+              <a:t>слово Станіславу.</a:t>
+            </a:r>
+            <a:endParaRPr dirty="0"/>
           </a:p>
         </p:txBody>
       </p:sp>
@@ -1420,7 +1938,160 @@
               </a:spcAft>
               <a:buNone/>
             </a:pPr>
-            <a:endParaRPr/>
+            <a:r>
+              <a:rPr lang="ru-RU" dirty="0" smtClean="0"/>
+              <a:t>14-&gt;</a:t>
+            </a:r>
+            <a:r>
+              <a:rPr lang="ru-RU" dirty="0" err="1" smtClean="0"/>
+              <a:t>Зазвичай</a:t>
+            </a:r>
+            <a:r>
+              <a:rPr lang="ru-RU" dirty="0" smtClean="0"/>
+              <a:t> </a:t>
+            </a:r>
+            <a:r>
+              <a:rPr lang="ru-RU" dirty="0" err="1" smtClean="0"/>
+              <a:t>зі</a:t>
+            </a:r>
+            <a:r>
+              <a:rPr lang="ru-RU" dirty="0" smtClean="0"/>
+              <a:t> </a:t>
+            </a:r>
+            <a:r>
+              <a:rPr lang="ru-RU" dirty="0" err="1" smtClean="0"/>
+              <a:t>створенням</a:t>
+            </a:r>
+            <a:r>
+              <a:rPr lang="ru-RU" dirty="0" smtClean="0"/>
+              <a:t> </a:t>
+            </a:r>
+            <a:r>
+              <a:rPr lang="ru-RU" dirty="0" err="1" smtClean="0"/>
+              <a:t>акаунту</a:t>
+            </a:r>
+            <a:r>
+              <a:rPr lang="ru-RU" dirty="0" smtClean="0"/>
+              <a:t> </a:t>
+            </a:r>
+            <a:r>
+              <a:rPr lang="ru-RU" dirty="0" err="1" smtClean="0"/>
+              <a:t>роблять</a:t>
+            </a:r>
+            <a:r>
+              <a:rPr lang="ru-RU" dirty="0" smtClean="0"/>
+              <a:t> </a:t>
+            </a:r>
+            <a:r>
+              <a:rPr lang="ru-RU" dirty="0" err="1" smtClean="0"/>
+              <a:t>його</a:t>
+            </a:r>
+            <a:r>
+              <a:rPr lang="ru-RU" dirty="0" smtClean="0"/>
+              <a:t> </a:t>
+            </a:r>
+            <a:r>
+              <a:rPr lang="ru-RU" dirty="0" err="1" smtClean="0"/>
+              <a:t>прив'язку</a:t>
+            </a:r>
+            <a:r>
+              <a:rPr lang="ru-RU" dirty="0" smtClean="0"/>
+              <a:t> з локальною машиною за </a:t>
+            </a:r>
+            <a:r>
+              <a:rPr lang="ru-RU" dirty="0" err="1" smtClean="0"/>
+              <a:t>допомогою</a:t>
+            </a:r>
+            <a:r>
+              <a:rPr lang="ru-RU" dirty="0" smtClean="0"/>
+              <a:t> </a:t>
+            </a:r>
+            <a:r>
+              <a:rPr lang="en-US" dirty="0" smtClean="0"/>
+              <a:t>SSH </a:t>
+            </a:r>
+            <a:r>
+              <a:rPr lang="ru-RU" dirty="0" err="1" smtClean="0"/>
+              <a:t>з'єднання</a:t>
+            </a:r>
+            <a:r>
+              <a:rPr lang="ru-RU" dirty="0" smtClean="0"/>
+              <a:t>. Для </a:t>
+            </a:r>
+            <a:r>
+              <a:rPr lang="ru-RU" dirty="0" err="1" smtClean="0"/>
+              <a:t>цього</a:t>
+            </a:r>
+            <a:r>
+              <a:rPr lang="ru-RU" dirty="0" smtClean="0"/>
+              <a:t>:</a:t>
+            </a:r>
+          </a:p>
+          <a:p>
+            <a:pPr marL="0" lvl="0" indent="0" algn="l" rtl="0">
+              <a:spcBef>
+                <a:spcPts val="0"/>
+              </a:spcBef>
+              <a:spcAft>
+                <a:spcPts val="0"/>
+              </a:spcAft>
+              <a:buNone/>
+            </a:pPr>
+            <a:r>
+              <a:rPr lang="ru-RU" dirty="0" smtClean="0"/>
+              <a:t>1.....</a:t>
+            </a:r>
+          </a:p>
+          <a:p>
+            <a:pPr marL="0" lvl="0" indent="0" algn="l" rtl="0">
+              <a:spcBef>
+                <a:spcPts val="0"/>
+              </a:spcBef>
+              <a:spcAft>
+                <a:spcPts val="0"/>
+              </a:spcAft>
+              <a:buNone/>
+            </a:pPr>
+            <a:r>
+              <a:rPr lang="ru-RU" dirty="0" smtClean="0"/>
+              <a:t>2.....</a:t>
+            </a:r>
+          </a:p>
+          <a:p>
+            <a:pPr marL="0" lvl="0" indent="0" algn="l" rtl="0">
+              <a:spcBef>
+                <a:spcPts val="0"/>
+              </a:spcBef>
+              <a:spcAft>
+                <a:spcPts val="0"/>
+              </a:spcAft>
+              <a:buNone/>
+            </a:pPr>
+            <a:r>
+              <a:rPr lang="ru-RU" dirty="0" smtClean="0"/>
+              <a:t>3. </a:t>
+            </a:r>
+            <a:r>
+              <a:rPr lang="ru-RU" dirty="0" err="1" smtClean="0"/>
+              <a:t>Додають</a:t>
+            </a:r>
+            <a:r>
+              <a:rPr lang="ru-RU" dirty="0" smtClean="0"/>
+              <a:t> ключ до </a:t>
+            </a:r>
+            <a:r>
+              <a:rPr lang="ru-RU" dirty="0" err="1" smtClean="0"/>
+              <a:t>Гітхаб</a:t>
+            </a:r>
+            <a:r>
+              <a:rPr lang="ru-RU" dirty="0" smtClean="0"/>
+              <a:t> </a:t>
+            </a:r>
+            <a:r>
+              <a:rPr lang="ru-RU" dirty="0" err="1" smtClean="0"/>
+              <a:t>акаунту</a:t>
+            </a:r>
+            <a:endParaRPr lang="ru-RU" dirty="0" smtClean="0"/>
           </a:p>
         </p:txBody>
       </p:sp>
@@ -1524,7 +2195,110 @@
               </a:spcAft>
               <a:buNone/>
             </a:pPr>
-            <a:endParaRPr/>
+            <a:r>
+              <a:rPr lang="uk-UA" dirty="0" smtClean="0"/>
+              <a:t>Слайд</a:t>
+            </a:r>
+            <a:r>
+              <a:rPr lang="uk-UA" baseline="0" dirty="0" smtClean="0"/>
+              <a:t> </a:t>
+            </a:r>
+            <a:r>
+              <a:rPr lang="uk-UA" baseline="0" dirty="0" err="1" smtClean="0"/>
+              <a:t>Стаса</a:t>
+            </a:r>
+            <a:r>
+              <a:rPr lang="uk-UA" baseline="0" dirty="0" smtClean="0"/>
+              <a:t>. </a:t>
+            </a:r>
+            <a:r>
+              <a:rPr lang="ru-RU" baseline="0" dirty="0" smtClean="0"/>
+              <a:t>15-&gt;Для </a:t>
+            </a:r>
+            <a:r>
+              <a:rPr lang="ru-RU" baseline="0" dirty="0" err="1" smtClean="0"/>
+              <a:t>роботи</a:t>
+            </a:r>
+            <a:r>
+              <a:rPr lang="ru-RU" baseline="0" dirty="0" smtClean="0"/>
+              <a:t> з проектом....</a:t>
+            </a:r>
+          </a:p>
+          <a:p>
+            <a:pPr marL="0" lvl="0" indent="0" algn="l" rtl="0">
+              <a:spcBef>
+                <a:spcPts val="0"/>
+              </a:spcBef>
+              <a:spcAft>
+                <a:spcPts val="0"/>
+              </a:spcAft>
+              <a:buNone/>
+            </a:pPr>
+            <a:r>
+              <a:rPr lang="ru-RU" baseline="0" dirty="0" err="1" smtClean="0"/>
+              <a:t>Достатньо</a:t>
+            </a:r>
+            <a:r>
+              <a:rPr lang="ru-RU" baseline="0" dirty="0" smtClean="0"/>
+              <a:t> знати три </a:t>
+            </a:r>
+            <a:r>
+              <a:rPr lang="ru-RU" baseline="0" dirty="0" err="1" smtClean="0"/>
+              <a:t>базові</a:t>
+            </a:r>
+            <a:r>
+              <a:rPr lang="ru-RU" baseline="0" dirty="0" smtClean="0"/>
+              <a:t> </a:t>
+            </a:r>
+            <a:r>
+              <a:rPr lang="ru-RU" baseline="0" dirty="0" err="1" smtClean="0"/>
+              <a:t>команди</a:t>
+            </a:r>
+            <a:r>
+              <a:rPr lang="ru-RU" baseline="0" dirty="0" smtClean="0"/>
+              <a:t> для </a:t>
+            </a:r>
+            <a:r>
+              <a:rPr lang="ru-RU" baseline="0" dirty="0" err="1" smtClean="0"/>
+              <a:t>спілкування</a:t>
+            </a:r>
+            <a:r>
+              <a:rPr lang="ru-RU" baseline="0" dirty="0" smtClean="0"/>
+              <a:t> </a:t>
+            </a:r>
+            <a:r>
+              <a:rPr lang="ru-RU" baseline="0" dirty="0" err="1" smtClean="0"/>
+              <a:t>із</a:t>
+            </a:r>
+            <a:r>
+              <a:rPr lang="ru-RU" baseline="0" dirty="0" smtClean="0"/>
+              <a:t> сервером а </a:t>
+            </a:r>
+            <a:r>
+              <a:rPr lang="ru-RU" baseline="0" dirty="0" err="1" smtClean="0"/>
+              <a:t>саме</a:t>
+            </a:r>
+            <a:r>
+              <a:rPr lang="ru-RU" baseline="0" dirty="0" smtClean="0"/>
+              <a:t> </a:t>
+            </a:r>
+            <a:r>
+              <a:rPr lang="ru-RU" baseline="0" dirty="0" err="1" smtClean="0"/>
+              <a:t>завантаження</a:t>
+            </a:r>
+            <a:r>
+              <a:rPr lang="ru-RU" baseline="0" dirty="0" smtClean="0"/>
+              <a:t> з та до </a:t>
+            </a:r>
+            <a:r>
+              <a:rPr lang="ru-RU" baseline="0" dirty="0" err="1" smtClean="0"/>
+              <a:t>віддаленого</a:t>
+            </a:r>
+            <a:r>
+              <a:rPr lang="ru-RU" baseline="0" dirty="0" smtClean="0"/>
+              <a:t> серверу.</a:t>
+            </a:r>
+            <a:endParaRPr dirty="0"/>
           </a:p>
         </p:txBody>
       </p:sp>
@@ -1628,7 +2402,90 @@
               </a:spcAft>
               <a:buNone/>
             </a:pPr>
-            <a:endParaRPr/>
+            <a:r>
+              <a:rPr lang="uk-UA" dirty="0" smtClean="0"/>
+              <a:t>Слайд </a:t>
+            </a:r>
+            <a:r>
+              <a:rPr lang="uk-UA" dirty="0" err="1" smtClean="0"/>
+              <a:t>Стаса</a:t>
+            </a:r>
+            <a:r>
+              <a:rPr lang="uk-UA" dirty="0" smtClean="0"/>
+              <a:t>. </a:t>
+            </a:r>
+            <a:r>
+              <a:rPr lang="ru-RU" dirty="0" smtClean="0"/>
+              <a:t>16-&gt;Пул </a:t>
+            </a:r>
+            <a:r>
+              <a:rPr lang="ru-RU" dirty="0" err="1" smtClean="0"/>
+              <a:t>реквест</a:t>
+            </a:r>
+            <a:r>
+              <a:rPr lang="ru-RU" dirty="0" smtClean="0"/>
+              <a:t>....</a:t>
+            </a:r>
+          </a:p>
+          <a:p>
+            <a:pPr marL="0" lvl="0" indent="0" algn="l" rtl="0">
+              <a:spcBef>
+                <a:spcPts val="0"/>
+              </a:spcBef>
+              <a:spcAft>
+                <a:spcPts val="0"/>
+              </a:spcAft>
+              <a:buNone/>
+            </a:pPr>
+            <a:endParaRPr lang="ru-RU" dirty="0" smtClean="0"/>
+          </a:p>
+          <a:p>
+            <a:pPr marL="0" lvl="0" indent="0" algn="l" rtl="0">
+              <a:spcBef>
+                <a:spcPts val="0"/>
+              </a:spcBef>
+              <a:spcAft>
+                <a:spcPts val="0"/>
+              </a:spcAft>
+              <a:buNone/>
+            </a:pPr>
+            <a:r>
+              <a:rPr lang="ru-RU" dirty="0" err="1" smtClean="0"/>
+              <a:t>Github</a:t>
+            </a:r>
+            <a:r>
+              <a:rPr lang="ru-RU" dirty="0" smtClean="0"/>
+              <a:t> практично </a:t>
+            </a:r>
+            <a:r>
+              <a:rPr lang="ru-RU" dirty="0" err="1" smtClean="0"/>
+              <a:t>всюди</a:t>
+            </a:r>
+            <a:r>
+              <a:rPr lang="ru-RU" dirty="0" smtClean="0"/>
+              <a:t> </a:t>
+            </a:r>
+            <a:r>
+              <a:rPr lang="ru-RU" dirty="0" err="1" smtClean="0"/>
+              <a:t>дозволяє</a:t>
+            </a:r>
+            <a:r>
+              <a:rPr lang="ru-RU" dirty="0" smtClean="0"/>
+              <a:t> </a:t>
+            </a:r>
+            <a:r>
+              <a:rPr lang="ru-RU" dirty="0" err="1" smtClean="0"/>
+              <a:t>залишати</a:t>
+            </a:r>
+            <a:r>
+              <a:rPr lang="ru-RU" dirty="0" smtClean="0"/>
+              <a:t> </a:t>
+            </a:r>
+            <a:r>
+              <a:rPr lang="ru-RU" dirty="0" err="1" smtClean="0"/>
+              <a:t>коментарі</a:t>
+            </a:r>
+            <a:endParaRPr dirty="0"/>
           </a:p>
         </p:txBody>
       </p:sp>
@@ -1732,7 +2589,111 @@
               </a:spcAft>
               <a:buNone/>
             </a:pPr>
-            <a:endParaRPr/>
+            <a:r>
+              <a:rPr lang="uk-UA" dirty="0" smtClean="0"/>
+              <a:t>Слайд </a:t>
+            </a:r>
+            <a:r>
+              <a:rPr lang="uk-UA" dirty="0" err="1" smtClean="0"/>
+              <a:t>Стаса</a:t>
+            </a:r>
+            <a:r>
+              <a:rPr lang="uk-UA" dirty="0" smtClean="0"/>
+              <a:t>. </a:t>
+            </a:r>
+            <a:r>
+              <a:rPr lang="ru-RU" dirty="0" smtClean="0"/>
+              <a:t>17-&gt;</a:t>
+            </a:r>
+            <a:r>
+              <a:rPr lang="ru-RU" dirty="0" err="1" smtClean="0"/>
+              <a:t>Ще</a:t>
+            </a:r>
+            <a:r>
+              <a:rPr lang="ru-RU" dirty="0" smtClean="0"/>
+              <a:t> одна велика </a:t>
+            </a:r>
+            <a:r>
+              <a:rPr lang="ru-RU" dirty="0" err="1" smtClean="0"/>
+              <a:t>місія</a:t>
+            </a:r>
+            <a:r>
+              <a:rPr lang="ru-RU" dirty="0" smtClean="0"/>
+              <a:t> </a:t>
+            </a:r>
+            <a:r>
+              <a:rPr lang="ru-RU" dirty="0" err="1" smtClean="0"/>
+              <a:t>гітхбу</a:t>
+            </a:r>
+            <a:endParaRPr lang="ru-RU" dirty="0" smtClean="0"/>
+          </a:p>
+          <a:p>
+            <a:pPr marL="0" lvl="0" indent="0" algn="l" rtl="0">
+              <a:spcBef>
+                <a:spcPts val="0"/>
+              </a:spcBef>
+              <a:spcAft>
+                <a:spcPts val="0"/>
+              </a:spcAft>
+              <a:buNone/>
+            </a:pPr>
+            <a:endParaRPr lang="ru-RU" dirty="0" smtClean="0"/>
+          </a:p>
+          <a:p>
+            <a:pPr marL="0" lvl="0" indent="0" algn="l" rtl="0">
+              <a:spcBef>
+                <a:spcPts val="0"/>
+              </a:spcBef>
+              <a:spcAft>
+                <a:spcPts val="0"/>
+              </a:spcAft>
+              <a:buNone/>
+            </a:pPr>
+            <a:r>
+              <a:rPr lang="ru-RU" dirty="0" smtClean="0"/>
+              <a:t>...</a:t>
+            </a:r>
+            <a:r>
+              <a:rPr lang="ru-RU" dirty="0" err="1" smtClean="0"/>
+              <a:t>зі</a:t>
+            </a:r>
+            <a:r>
+              <a:rPr lang="ru-RU" dirty="0" smtClean="0"/>
+              <a:t> </a:t>
+            </a:r>
+            <a:r>
+              <a:rPr lang="ru-RU" dirty="0" err="1" smtClean="0"/>
+              <a:t>всім</a:t>
+            </a:r>
+            <a:r>
+              <a:rPr lang="ru-RU" dirty="0" smtClean="0"/>
+              <a:t> </a:t>
+            </a:r>
+            <a:r>
+              <a:rPr lang="ru-RU" dirty="0" err="1" smtClean="0"/>
+              <a:t>світом</a:t>
+            </a:r>
+            <a:r>
+              <a:rPr lang="ru-RU" dirty="0" smtClean="0"/>
+              <a:t> та додавши </a:t>
+            </a:r>
+            <a:r>
+              <a:rPr lang="ru-RU" dirty="0" err="1" smtClean="0"/>
+              <a:t>це</a:t>
+            </a:r>
+            <a:r>
+              <a:rPr lang="ru-RU" dirty="0" smtClean="0"/>
+              <a:t> як + в </a:t>
+            </a:r>
+            <a:r>
+              <a:rPr lang="ru-RU" dirty="0" err="1" smtClean="0"/>
+              <a:t>своє</a:t>
+            </a:r>
+            <a:r>
+              <a:rPr lang="ru-RU" dirty="0" smtClean="0"/>
+              <a:t> резюме</a:t>
+            </a:r>
+            <a:endParaRPr dirty="0"/>
           </a:p>
         </p:txBody>
       </p:sp>
@@ -1837,76 +2798,16 @@
               <a:buNone/>
             </a:pPr>
             <a:r>
-              <a:rPr lang="ru-RU" noProof="0" dirty="0" smtClean="0"/>
-              <a:t>Во,</a:t>
-            </a:r>
-            <a:r>
-              <a:rPr lang="ru-RU" baseline="0" noProof="0" dirty="0" smtClean="0"/>
-              <a:t> я выдумал.</a:t>
-            </a:r>
-          </a:p>
-          <a:p>
-            <a:pPr marL="228600" lvl="0" indent="-228600" algn="l" rtl="0">
-              <a:spcBef>
-                <a:spcPts val="0"/>
-              </a:spcBef>
-              <a:spcAft>
-                <a:spcPts val="0"/>
-              </a:spcAft>
-              <a:buAutoNum type="arabicPeriod"/>
-            </a:pPr>
-            <a:r>
-              <a:rPr lang="ru-RU" baseline="0" noProof="0" dirty="0" smtClean="0"/>
-              <a:t>Во втором пункте просто убрал слово «</a:t>
-            </a:r>
-            <a:r>
-              <a:rPr lang="uk-UA" baseline="0" noProof="0" dirty="0" smtClean="0"/>
-              <a:t>віддаленому», </a:t>
-            </a:r>
-            <a:r>
-              <a:rPr lang="uk-UA" baseline="0" noProof="0" dirty="0" err="1" smtClean="0"/>
-              <a:t>что</a:t>
-            </a:r>
-            <a:r>
-              <a:rPr lang="uk-UA" baseline="0" noProof="0" dirty="0" smtClean="0"/>
-              <a:t> перед «сервері» </a:t>
-            </a:r>
-            <a:r>
-              <a:rPr lang="ru-RU" baseline="0" noProof="0" dirty="0" smtClean="0"/>
-              <a:t>стояло.</a:t>
-            </a:r>
-          </a:p>
-          <a:p>
-            <a:pPr marL="228600" lvl="0" indent="-228600" algn="l" rtl="0">
-              <a:spcBef>
-                <a:spcPts val="0"/>
-              </a:spcBef>
-              <a:spcAft>
-                <a:spcPts val="0"/>
-              </a:spcAft>
-              <a:buAutoNum type="arabicPeriod"/>
-            </a:pPr>
-            <a:r>
-              <a:rPr lang="ru-RU" baseline="0" noProof="0" dirty="0" smtClean="0"/>
-              <a:t>Заменил «минусы» со собратьев «</a:t>
-            </a:r>
-            <a:r>
-              <a:rPr lang="ru-RU" baseline="0" noProof="0" dirty="0" err="1" smtClean="0"/>
-              <a:t>подлинее</a:t>
-            </a:r>
-            <a:r>
-              <a:rPr lang="ru-RU" baseline="0" noProof="0" dirty="0" smtClean="0"/>
-              <a:t>» </a:t>
-            </a:r>
-            <a:r>
-              <a:rPr lang="ru-RU" baseline="0" noProof="0" dirty="0" smtClean="0">
-                <a:sym typeface="Wingdings" panose="05000000000000000000" pitchFamily="2" charset="2"/>
-              </a:rPr>
-              <a:t></a:t>
-            </a:r>
-            <a:r>
-              <a:rPr lang="ru-RU" baseline="0" noProof="0" dirty="0" smtClean="0"/>
-              <a:t> </a:t>
+              <a:rPr lang="uk-UA" noProof="0" dirty="0" smtClean="0"/>
+              <a:t>Слайд </a:t>
+            </a:r>
+            <a:r>
+              <a:rPr lang="uk-UA" noProof="0" dirty="0" err="1" smtClean="0"/>
+              <a:t>Стаса</a:t>
+            </a:r>
+            <a:r>
+              <a:rPr lang="uk-UA" noProof="0" dirty="0" smtClean="0"/>
+              <a:t>. 18-&gt;Висновки</a:t>
             </a:r>
             <a:endParaRPr lang="ru-RU" noProof="0" dirty="0" smtClean="0"/>
           </a:p>
@@ -1921,11 +2822,11 @@
 </file>
 
 <file path=ppt/notesSlides/notesSlide19.xml><?xml version="1.0" encoding="utf-8"?>
-<p:notes xmlns:a="http://schemas.openxmlformats.org/drawingml/2006/main" xmlns:r="http://schemas.openxmlformats.org/officeDocument/2006/relationships" xmlns:p="http://schemas.openxmlformats.org/presentationml/2006/main" showMasterSp="0" showMasterPhAnim="0">
+<p:notes xmlns:a="http://schemas.openxmlformats.org/drawingml/2006/main" xmlns:r="http://schemas.openxmlformats.org/officeDocument/2006/relationships" xmlns:p="http://schemas.openxmlformats.org/presentationml/2006/main">
   <p:cSld>
     <p:spTree>
       <p:nvGrpSpPr>
-        <p:cNvPr id="1" name="Shape 328"/>
+        <p:cNvPr id="1" name=""/>
         <p:cNvGrpSpPr/>
         <p:nvPr/>
       </p:nvGrpSpPr>
@@ -1939,84 +2840,57 @@
       </p:grpSpPr>
       <p:sp>
         <p:nvSpPr>
-          <p:cNvPr id="329" name="Google Shape;329;g72be0e060f_0_11:notes"/>
+          <p:cNvPr id="2" name="Образ слайда 1"/>
           <p:cNvSpPr>
             <a:spLocks noGrp="1" noRot="1" noChangeAspect="1"/>
           </p:cNvSpPr>
           <p:nvPr>
-            <p:ph type="sldImg" idx="2"/>
+            <p:ph type="sldImg"/>
           </p:nvPr>
         </p:nvSpPr>
-        <p:spPr>
-          <a:xfrm>
-            <a:off x="381000" y="685800"/>
-            <a:ext cx="6096000" cy="3429000"/>
-          </a:xfrm>
-          <a:custGeom>
-            <a:avLst/>
-            <a:gdLst/>
-            <a:ahLst/>
-            <a:cxnLst/>
-            <a:rect l="l" t="t" r="r" b="b"/>
-            <a:pathLst>
-              <a:path w="120000" h="120000" extrusionOk="0">
-                <a:moveTo>
-                  <a:pt x="0" y="0"/>
-                </a:moveTo>
-                <a:lnTo>
-                  <a:pt x="120000" y="0"/>
-                </a:lnTo>
-                <a:lnTo>
-                  <a:pt x="120000" y="120000"/>
-                </a:lnTo>
-                <a:lnTo>
-                  <a:pt x="0" y="120000"/>
-                </a:lnTo>
-                <a:close/>
-              </a:path>
-            </a:pathLst>
-          </a:custGeom>
-        </p:spPr>
+        <p:spPr/>
       </p:sp>
       <p:sp>
         <p:nvSpPr>
-          <p:cNvPr id="330" name="Google Shape;330;g72be0e060f_0_11:notes"/>
-          <p:cNvSpPr txBox="1">
+          <p:cNvPr id="3" name="Заметки 2"/>
+          <p:cNvSpPr>
             <a:spLocks noGrp="1"/>
           </p:cNvSpPr>
           <p:nvPr>
             <p:ph type="body" idx="1"/>
           </p:nvPr>
         </p:nvSpPr>
-        <p:spPr>
-          <a:xfrm>
-            <a:off x="685800" y="4343400"/>
-            <a:ext cx="5486400" cy="4114800"/>
-          </a:xfrm>
-          <a:prstGeom prst="rect">
-            <a:avLst/>
-          </a:prstGeom>
-        </p:spPr>
+        <p:spPr/>
         <p:txBody>
-          <a:bodyPr spcFirstLastPara="1" wrap="square" lIns="91425" tIns="91425" rIns="91425" bIns="91425" anchor="t" anchorCtr="0">
-            <a:noAutofit/>
-          </a:bodyPr>
+          <a:bodyPr/>
           <a:lstStyle/>
           <a:p>
-            <a:pPr marL="0" lvl="0" indent="0" algn="l" rtl="0">
-              <a:spcBef>
-                <a:spcPts val="0"/>
-              </a:spcBef>
-              <a:spcAft>
-                <a:spcPts val="0"/>
-              </a:spcAft>
-              <a:buNone/>
-            </a:pPr>
-            <a:endParaRPr/>
+            <a:r>
+              <a:rPr lang="ru-RU" dirty="0" smtClean="0"/>
+              <a:t>19-&gt;</a:t>
+            </a:r>
+            <a:r>
+              <a:rPr lang="ru-RU" dirty="0" err="1" smtClean="0"/>
+              <a:t>Дякую</a:t>
+            </a:r>
+            <a:r>
+              <a:rPr lang="ru-RU" dirty="0" smtClean="0"/>
+              <a:t> за </a:t>
+            </a:r>
+            <a:r>
+              <a:rPr lang="ru-RU" dirty="0" err="1" smtClean="0"/>
+              <a:t>увагу</a:t>
+            </a:r>
+            <a:endParaRPr lang="ru-RU" dirty="0"/>
           </a:p>
         </p:txBody>
       </p:sp>
     </p:spTree>
+    <p:extLst>
+      <p:ext uri="{BB962C8B-B14F-4D97-AF65-F5344CB8AC3E}">
+        <p14:creationId xmlns:p14="http://schemas.microsoft.com/office/powerpoint/2010/main" val="3923952103"/>
+      </p:ext>
+    </p:extLst>
   </p:cSld>
   <p:clrMapOvr>
     <a:masterClrMapping/>
@@ -2207,7 +3081,7 @@
             </a:pPr>
             <a:r>
               <a:rPr lang="uk-UA" baseline="0" dirty="0" smtClean="0"/>
-              <a:t>    Творцями даної системи колектив розробників, що працював над ядром ОС </a:t>
+              <a:t>    Творцями даної системи є колектив розробників, що працював над ядром ОС </a:t>
             </a:r>
             <a:r>
               <a:rPr lang="en-US" baseline="0" dirty="0" smtClean="0"/>
@@ -2215,7 +3089,7 @@
             </a:r>
             <a:r>
               <a:rPr lang="uk-UA" baseline="0" dirty="0" smtClean="0"/>
-              <a:t>А надихнула на створення цієї системи їх досвід використання системи контролю версій під назвою </a:t>
+              <a:t>А надихнув їх на створення цієї системи досвід використання системи контролю версій під назвою </a:t>
             </a:r>
             <a:r>
               <a:rPr lang="en-US" baseline="0" dirty="0" err="1" smtClean="0"/>
@@ -2226,6 +3100,110 @@
               <a:t>.</a:t>
             </a:r>
             <a:endParaRPr lang="uk-UA" baseline="0" dirty="0" smtClean="0"/>
+          </a:p>
+        </p:txBody>
+      </p:sp>
+    </p:spTree>
+  </p:cSld>
+  <p:clrMapOvr>
+    <a:masterClrMapping/>
+  </p:clrMapOvr>
+</p:notes>
+</file>
+
+<file path=ppt/notesSlides/notesSlide20.xml><?xml version="1.0" encoding="utf-8"?>
+<p:notes xmlns:a="http://schemas.openxmlformats.org/drawingml/2006/main" xmlns:r="http://schemas.openxmlformats.org/officeDocument/2006/relationships" xmlns:p="http://schemas.openxmlformats.org/presentationml/2006/main" showMasterSp="0" showMasterPhAnim="0">
+  <p:cSld>
+    <p:spTree>
+      <p:nvGrpSpPr>
+        <p:cNvPr id="1" name="Shape 328"/>
+        <p:cNvGrpSpPr/>
+        <p:nvPr/>
+      </p:nvGrpSpPr>
+      <p:grpSpPr>
+        <a:xfrm>
+          <a:off x="0" y="0"/>
+          <a:ext cx="0" cy="0"/>
+          <a:chOff x="0" y="0"/>
+          <a:chExt cx="0" cy="0"/>
+        </a:xfrm>
+      </p:grpSpPr>
+      <p:sp>
+        <p:nvSpPr>
+          <p:cNvPr id="329" name="Google Shape;329;g72be0e060f_0_11:notes"/>
+          <p:cNvSpPr>
+            <a:spLocks noGrp="1" noRot="1" noChangeAspect="1"/>
+          </p:cNvSpPr>
+          <p:nvPr>
+            <p:ph type="sldImg" idx="2"/>
+          </p:nvPr>
+        </p:nvSpPr>
+        <p:spPr>
+          <a:xfrm>
+            <a:off x="381000" y="685800"/>
+            <a:ext cx="6096000" cy="3429000"/>
+          </a:xfrm>
+          <a:custGeom>
+            <a:avLst/>
+            <a:gdLst/>
+            <a:ahLst/>
+            <a:cxnLst/>
+            <a:rect l="l" t="t" r="r" b="b"/>
+            <a:pathLst>
+              <a:path w="120000" h="120000" extrusionOk="0">
+                <a:moveTo>
+                  <a:pt x="0" y="0"/>
+                </a:moveTo>
+                <a:lnTo>
+                  <a:pt x="120000" y="0"/>
+                </a:lnTo>
+                <a:lnTo>
+                  <a:pt x="120000" y="120000"/>
+                </a:lnTo>
+                <a:lnTo>
+                  <a:pt x="0" y="120000"/>
+                </a:lnTo>
+                <a:close/>
+              </a:path>
+            </a:pathLst>
+          </a:custGeom>
+        </p:spPr>
+      </p:sp>
+      <p:sp>
+        <p:nvSpPr>
+          <p:cNvPr id="330" name="Google Shape;330;g72be0e060f_0_11:notes"/>
+          <p:cNvSpPr txBox="1">
+            <a:spLocks noGrp="1"/>
+          </p:cNvSpPr>
+          <p:nvPr>
+            <p:ph type="body" idx="1"/>
+          </p:nvPr>
+        </p:nvSpPr>
+        <p:spPr>
+          <a:xfrm>
+            <a:off x="685800" y="4343400"/>
+            <a:ext cx="5486400" cy="4114800"/>
+          </a:xfrm>
+          <a:prstGeom prst="rect">
+            <a:avLst/>
+          </a:prstGeom>
+        </p:spPr>
+        <p:txBody>
+          <a:bodyPr spcFirstLastPara="1" wrap="square" lIns="91425" tIns="91425" rIns="91425" bIns="91425" anchor="t" anchorCtr="0">
+            <a:noAutofit/>
+          </a:bodyPr>
+          <a:lstStyle/>
+          <a:p>
+            <a:pPr marL="0" lvl="0" indent="0" algn="l" rtl="0">
+              <a:spcBef>
+                <a:spcPts val="0"/>
+              </a:spcBef>
+              <a:spcAft>
+                <a:spcPts val="0"/>
+              </a:spcAft>
+              <a:buNone/>
+            </a:pPr>
+            <a:endParaRPr dirty="0"/>
           </a:p>
         </p:txBody>
       </p:sp>
@@ -2329,7 +3307,51 @@
               </a:spcAft>
               <a:buNone/>
             </a:pPr>
-            <a:endParaRPr/>
+            <a:r>
+              <a:rPr lang="uk-UA" dirty="0" smtClean="0"/>
+              <a:t>Для роботи з </a:t>
+            </a:r>
+            <a:r>
+              <a:rPr lang="en-US" dirty="0" err="1" smtClean="0"/>
+              <a:t>Git</a:t>
+            </a:r>
+            <a:r>
+              <a:rPr lang="uk-UA" baseline="0" dirty="0" smtClean="0"/>
+              <a:t> є два інтерфейси: консольний (у вигляді оригінального клієнту) або графічний (для прикладу програма </a:t>
+            </a:r>
+            <a:r>
+              <a:rPr lang="en-US" baseline="0" dirty="0" err="1" smtClean="0"/>
+              <a:t>SmartGit</a:t>
+            </a:r>
+            <a:r>
+              <a:rPr lang="en-US" baseline="0" dirty="0" smtClean="0"/>
+              <a:t> </a:t>
+            </a:r>
+            <a:r>
+              <a:rPr lang="uk-UA" baseline="0" dirty="0" smtClean="0"/>
+              <a:t>або </a:t>
+            </a:r>
+            <a:r>
+              <a:rPr lang="en-US" baseline="0" dirty="0" err="1" smtClean="0"/>
+              <a:t>TortoiseGit</a:t>
+            </a:r>
+            <a:r>
+              <a:rPr lang="en-US" baseline="0" dirty="0" smtClean="0"/>
+              <a:t>)</a:t>
+            </a:r>
+            <a:r>
+              <a:rPr lang="uk-UA" baseline="0" dirty="0" smtClean="0"/>
+              <a:t>.</a:t>
+            </a:r>
+            <a:r>
+              <a:rPr lang="en-US" baseline="0" dirty="0" smtClean="0"/>
+              <a:t> </a:t>
+            </a:r>
+            <a:r>
+              <a:rPr lang="uk-UA" baseline="0" dirty="0" smtClean="0"/>
+              <a:t>Після встановлення необхідно перейти до налаштування системи.</a:t>
+            </a:r>
+            <a:endParaRPr dirty="0"/>
           </a:p>
         </p:txBody>
       </p:sp>
@@ -2424,6 +3446,68 @@
           </a:bodyPr>
           <a:lstStyle/>
           <a:p>
+            <a:pPr marL="0" marR="0" lvl="0" indent="0" algn="l" defTabSz="914400" rtl="0" eaLnBrk="1" fontAlgn="auto" latinLnBrk="0" hangingPunct="1">
+              <a:lnSpc>
+                <a:spcPct val="100000"/>
+              </a:lnSpc>
+              <a:spcBef>
+                <a:spcPts val="0"/>
+              </a:spcBef>
+              <a:spcAft>
+                <a:spcPts val="0"/>
+              </a:spcAft>
+              <a:buClr>
+                <a:srgbClr val="000000"/>
+              </a:buClr>
+              <a:buSzPts val="1100"/>
+              <a:buFont typeface="Arial"/>
+              <a:buNone/>
+              <a:tabLst/>
+              <a:defRPr/>
+            </a:pPr>
+            <a:r>
+              <a:rPr lang="ru-RU" baseline="0" dirty="0" err="1" smtClean="0"/>
+              <a:t>Після</a:t>
+            </a:r>
+            <a:r>
+              <a:rPr lang="ru-RU" baseline="0" dirty="0" smtClean="0"/>
+              <a:t> </a:t>
+            </a:r>
+            <a:r>
+              <a:rPr lang="ru-RU" baseline="0" dirty="0" err="1" smtClean="0"/>
+              <a:t>встановлення</a:t>
+            </a:r>
+            <a:r>
+              <a:rPr lang="ru-RU" baseline="0" dirty="0" smtClean="0"/>
+              <a:t> </a:t>
+            </a:r>
+            <a:r>
+              <a:rPr lang="ru-RU" baseline="0" dirty="0" err="1" smtClean="0"/>
+              <a:t>необхідно</a:t>
+            </a:r>
+            <a:r>
+              <a:rPr lang="ru-RU" baseline="0" dirty="0" smtClean="0"/>
+              <a:t> перейти до </a:t>
+            </a:r>
+            <a:r>
+              <a:rPr lang="ru-RU" baseline="0" dirty="0" err="1" smtClean="0"/>
+              <a:t>налаштування</a:t>
+            </a:r>
+            <a:r>
+              <a:rPr lang="ru-RU" baseline="0" dirty="0" smtClean="0"/>
+              <a:t> </a:t>
+            </a:r>
+            <a:r>
+              <a:rPr lang="ru-RU" baseline="0" dirty="0" err="1" smtClean="0"/>
+              <a:t>системи</a:t>
+            </a:r>
+            <a:r>
+              <a:rPr lang="ru-RU" baseline="0" dirty="0" smtClean="0"/>
+              <a:t>.</a:t>
+            </a:r>
+            <a:endParaRPr lang="ru-RU" dirty="0" smtClean="0"/>
+          </a:p>
+          <a:p>
             <a:pPr marL="0" lvl="0" indent="0" algn="l" rtl="0">
               <a:spcBef>
                 <a:spcPts val="0"/>
@@ -2433,7 +3517,54 @@
               </a:spcAft>
               <a:buNone/>
             </a:pPr>
-            <a:endParaRPr/>
+            <a:r>
+              <a:rPr lang="uk-UA" dirty="0" smtClean="0"/>
+              <a:t> Обов’язковим етапом</a:t>
+            </a:r>
+            <a:r>
+              <a:rPr lang="uk-UA" baseline="0" dirty="0" smtClean="0"/>
+              <a:t> є запис імені користувача та електронної пошти без цієї інформації не можливо буде зберегти дані за допомогою інструментів </a:t>
+            </a:r>
+            <a:r>
+              <a:rPr lang="en-US" baseline="0" dirty="0" err="1" smtClean="0"/>
+              <a:t>Git</a:t>
+            </a:r>
+            <a:r>
+              <a:rPr lang="en-US" baseline="0" dirty="0" smtClean="0"/>
+              <a:t>.</a:t>
+            </a:r>
+          </a:p>
+          <a:p>
+            <a:pPr marL="0" lvl="0" indent="0" algn="l" rtl="0">
+              <a:spcBef>
+                <a:spcPts val="0"/>
+              </a:spcBef>
+              <a:spcAft>
+                <a:spcPts val="0"/>
+              </a:spcAft>
+              <a:buNone/>
+            </a:pPr>
+            <a:r>
+              <a:rPr lang="uk-UA" baseline="0" dirty="0" smtClean="0"/>
+              <a:t>А також є можливість налаштування системи ігнорування файлів, щоб не нагромаджувати у створеному сховищі файли тимчасові або ті що є проміжними (наприклад файли з розширенням </a:t>
+            </a:r>
+            <a:r>
+              <a:rPr lang="en-US" baseline="0" dirty="0" smtClean="0"/>
+              <a:t>.o</a:t>
+            </a:r>
+            <a:r>
+              <a:rPr lang="uk-UA" baseline="0" dirty="0" smtClean="0"/>
+              <a:t>, які утворюються</a:t>
+            </a:r>
+            <a:r>
+              <a:rPr lang="en-US" baseline="0" dirty="0" smtClean="0"/>
+              <a:t> </a:t>
+            </a:r>
+            <a:r>
+              <a:rPr lang="uk-UA" baseline="0" dirty="0" smtClean="0"/>
+              <a:t>під час компіляції).</a:t>
+            </a:r>
+            <a:endParaRPr dirty="0"/>
           </a:p>
         </p:txBody>
       </p:sp>
@@ -2537,7 +3668,55 @@
               </a:spcAft>
               <a:buNone/>
             </a:pPr>
-            <a:endParaRPr/>
+            <a:r>
+              <a:rPr lang="uk-UA" dirty="0" smtClean="0"/>
+              <a:t>Після</a:t>
+            </a:r>
+            <a:r>
+              <a:rPr lang="uk-UA" baseline="0" dirty="0" smtClean="0"/>
+              <a:t> налаштування можна переходити до </a:t>
+            </a:r>
+            <a:r>
+              <a:rPr lang="uk-UA" baseline="0" dirty="0" smtClean="0"/>
+              <a:t>створення віртуального сховища даних, яке ще називають </a:t>
+            </a:r>
+            <a:r>
+              <a:rPr lang="uk-UA" baseline="0" dirty="0" err="1" smtClean="0"/>
+              <a:t>репозиторієм</a:t>
+            </a:r>
+            <a:r>
+              <a:rPr lang="uk-UA" baseline="0" dirty="0" smtClean="0"/>
+              <a:t> </a:t>
+            </a:r>
+            <a:r>
+              <a:rPr lang="en-US" baseline="0" dirty="0" err="1" smtClean="0"/>
+              <a:t>Git</a:t>
+            </a:r>
+            <a:r>
+              <a:rPr lang="en-US" baseline="0" dirty="0" smtClean="0"/>
+              <a:t>. </a:t>
+            </a:r>
+            <a:r>
+              <a:rPr lang="uk-UA" baseline="0" dirty="0" smtClean="0"/>
+              <a:t>Для цього переходимо в потрібний каталог, а потім використовуємо одну з доступних можливостей: або створюємо новий </a:t>
+            </a:r>
+            <a:r>
+              <a:rPr lang="uk-UA" baseline="0" dirty="0" err="1" smtClean="0"/>
+              <a:t>репозиторій</a:t>
+            </a:r>
+            <a:r>
+              <a:rPr lang="uk-UA" baseline="0" dirty="0" smtClean="0"/>
+              <a:t>, або копіюємо його за якоюсь </a:t>
+            </a:r>
+            <a:r>
+              <a:rPr lang="uk-UA" baseline="0" dirty="0" err="1" smtClean="0"/>
+              <a:t>адресою</a:t>
+            </a:r>
+            <a:r>
+              <a:rPr lang="uk-UA" baseline="0" dirty="0" smtClean="0"/>
+              <a:t>.</a:t>
+            </a:r>
+            <a:endParaRPr dirty="0"/>
           </a:p>
         </p:txBody>
       </p:sp>
@@ -2641,7 +3820,107 @@
               </a:spcAft>
               <a:buNone/>
             </a:pPr>
-            <a:endParaRPr/>
+            <a:r>
+              <a:rPr lang="uk-UA" dirty="0" smtClean="0"/>
+              <a:t>Після</a:t>
+            </a:r>
+            <a:r>
+              <a:rPr lang="uk-UA" baseline="0" dirty="0" smtClean="0"/>
+              <a:t> створення </a:t>
+            </a:r>
+            <a:r>
+              <a:rPr lang="uk-UA" baseline="0" dirty="0" err="1" smtClean="0"/>
+              <a:t>репозиторію</a:t>
+            </a:r>
+            <a:r>
+              <a:rPr lang="uk-UA" baseline="0" dirty="0" smtClean="0"/>
+              <a:t> можна почати його використовувати: додавати файли за допомогою команд </a:t>
+            </a:r>
+            <a:r>
+              <a:rPr lang="en-US" baseline="0" dirty="0" err="1" smtClean="0"/>
+              <a:t>git</a:t>
+            </a:r>
+            <a:r>
+              <a:rPr lang="en-US" baseline="0" dirty="0" smtClean="0"/>
+              <a:t> add </a:t>
+            </a:r>
+            <a:r>
+              <a:rPr lang="uk-UA" baseline="0" dirty="0" smtClean="0"/>
+              <a:t>та </a:t>
+            </a:r>
+            <a:r>
+              <a:rPr lang="en-US" baseline="0" dirty="0" err="1" smtClean="0"/>
+              <a:t>git</a:t>
+            </a:r>
+            <a:r>
+              <a:rPr lang="en-US" baseline="0" dirty="0" smtClean="0"/>
+              <a:t> commit</a:t>
+            </a:r>
+            <a:r>
+              <a:rPr lang="uk-UA" baseline="0" dirty="0" smtClean="0"/>
+              <a:t> (остання команда також дозволяє зберегти деякий опис для тих файлів, що підлягають збереженню)</a:t>
+            </a:r>
+            <a:r>
+              <a:rPr lang="en-US" baseline="0" dirty="0" smtClean="0"/>
+              <a:t>; </a:t>
+            </a:r>
+            <a:r>
+              <a:rPr lang="uk-UA" baseline="0" dirty="0" smtClean="0"/>
+              <a:t>видаляти – за допомогою </a:t>
+            </a:r>
+            <a:r>
+              <a:rPr lang="en-US" baseline="0" dirty="0" err="1" smtClean="0"/>
+              <a:t>git</a:t>
+            </a:r>
+            <a:r>
+              <a:rPr lang="en-US" baseline="0" dirty="0" smtClean="0"/>
+              <a:t> </a:t>
+            </a:r>
+            <a:r>
+              <a:rPr lang="en-US" baseline="0" dirty="0" err="1" smtClean="0"/>
+              <a:t>rm</a:t>
+            </a:r>
+            <a:r>
+              <a:rPr lang="en-US" baseline="0" dirty="0" smtClean="0"/>
+              <a:t> </a:t>
+            </a:r>
+            <a:r>
+              <a:rPr lang="uk-UA" baseline="0" dirty="0" smtClean="0"/>
+              <a:t>та відновлювати за допомогою </a:t>
+            </a:r>
+            <a:r>
+              <a:rPr lang="en-US" baseline="0" dirty="0" err="1" smtClean="0"/>
+              <a:t>git</a:t>
+            </a:r>
+            <a:r>
+              <a:rPr lang="en-US" baseline="0" dirty="0" smtClean="0"/>
+              <a:t> checkout</a:t>
+            </a:r>
+            <a:r>
+              <a:rPr lang="uk-UA" baseline="0" dirty="0" smtClean="0"/>
+              <a:t>, попередньо знайшовши </a:t>
+            </a:r>
+            <a:r>
+              <a:rPr lang="uk-UA" baseline="0" dirty="0" err="1" smtClean="0"/>
+              <a:t>хєш</a:t>
+            </a:r>
+            <a:r>
+              <a:rPr lang="uk-UA" baseline="0" dirty="0" smtClean="0"/>
+              <a:t> збереження, у якому знаходиться необхідний файл за допомогою </a:t>
+            </a:r>
+            <a:r>
+              <a:rPr lang="en-US" baseline="0" dirty="0" err="1" smtClean="0"/>
+              <a:t>git</a:t>
+            </a:r>
+            <a:r>
+              <a:rPr lang="en-US" baseline="0" dirty="0" smtClean="0"/>
+              <a:t> log – </a:t>
+            </a:r>
+            <a:r>
+              <a:rPr lang="uk-UA" baseline="0" dirty="0" smtClean="0"/>
+              <a:t>дана команда дає можливість переглянути історію збережень.</a:t>
+            </a:r>
+            <a:endParaRPr dirty="0"/>
           </a:p>
         </p:txBody>
       </p:sp>
@@ -2745,7 +4024,39 @@
               </a:spcAft>
               <a:buNone/>
             </a:pPr>
-            <a:endParaRPr/>
+            <a:r>
+              <a:rPr lang="uk-UA" dirty="0" smtClean="0"/>
+              <a:t>Також </a:t>
+            </a:r>
+            <a:r>
+              <a:rPr lang="en-US" dirty="0" err="1" smtClean="0"/>
+              <a:t>Git</a:t>
+            </a:r>
+            <a:r>
+              <a:rPr lang="en-US" dirty="0" smtClean="0"/>
+              <a:t> </a:t>
+            </a:r>
+            <a:r>
+              <a:rPr lang="uk-UA" dirty="0" smtClean="0"/>
+              <a:t>надає можливість пересвідчитися в якому</a:t>
+            </a:r>
+            <a:r>
+              <a:rPr lang="uk-UA" baseline="0" dirty="0" smtClean="0"/>
+              <a:t> стані перебувають файли відносно самої системи </a:t>
+            </a:r>
+            <a:r>
+              <a:rPr lang="en-US" baseline="0" dirty="0" err="1" smtClean="0"/>
+              <a:t>Git</a:t>
+            </a:r>
+            <a:r>
+              <a:rPr lang="en-US" baseline="0" dirty="0" smtClean="0"/>
+              <a:t>. </a:t>
+            </a:r>
+            <a:r>
+              <a:rPr lang="uk-UA" baseline="0" dirty="0" smtClean="0"/>
+              <a:t>Команда, яку Ви бачите на слайді, у якості результату видає список імен файлів, що знаходяться в каталозі, поряд з якими відображаються спеціальні мітки, що пояснюють поточний стан файлу. Відповідні пояснення Ви бачите на слайді. Тепер я передаю слово Станіславу.</a:t>
+            </a:r>
+            <a:endParaRPr dirty="0"/>
           </a:p>
         </p:txBody>
       </p:sp>
@@ -2849,7 +4160,229 @@
               </a:spcAft>
               <a:buNone/>
             </a:pPr>
-            <a:endParaRPr/>
+            <a:r>
+              <a:rPr lang="uk-UA" dirty="0" smtClean="0"/>
+              <a:t>Слайд </a:t>
+            </a:r>
+            <a:r>
+              <a:rPr lang="uk-UA" dirty="0" err="1" smtClean="0"/>
+              <a:t>Стаса</a:t>
+            </a:r>
+            <a:r>
+              <a:rPr lang="uk-UA" dirty="0" smtClean="0"/>
+              <a:t>.</a:t>
+            </a:r>
+          </a:p>
+          <a:p>
+            <a:pPr marL="0" lvl="0" indent="0" algn="l" rtl="0">
+              <a:spcBef>
+                <a:spcPts val="0"/>
+              </a:spcBef>
+              <a:spcAft>
+                <a:spcPts val="0"/>
+              </a:spcAft>
+              <a:buNone/>
+            </a:pPr>
+            <a:r>
+              <a:rPr lang="ru-RU" dirty="0" smtClean="0"/>
+              <a:t>8-&gt;</a:t>
+            </a:r>
+            <a:r>
+              <a:rPr lang="ru-RU" dirty="0" err="1" smtClean="0"/>
+              <a:t>Склонувавши</a:t>
+            </a:r>
+            <a:r>
+              <a:rPr lang="ru-RU" dirty="0" smtClean="0"/>
+              <a:t> </a:t>
+            </a:r>
+            <a:r>
+              <a:rPr lang="ru-RU" dirty="0" err="1" smtClean="0"/>
+              <a:t>репозиторій</a:t>
+            </a:r>
+            <a:r>
+              <a:rPr lang="ru-RU" dirty="0" smtClean="0"/>
+              <a:t> на свою </a:t>
+            </a:r>
+            <a:r>
+              <a:rPr lang="ru-RU" dirty="0" err="1" smtClean="0"/>
+              <a:t>локальну</a:t>
+            </a:r>
+            <a:r>
+              <a:rPr lang="ru-RU" dirty="0" smtClean="0"/>
+              <a:t> машину ми </a:t>
+            </a:r>
+            <a:r>
+              <a:rPr lang="ru-RU" dirty="0" err="1" smtClean="0"/>
+              <a:t>можемо</a:t>
+            </a:r>
+            <a:r>
+              <a:rPr lang="ru-RU" dirty="0" smtClean="0"/>
+              <a:t> </a:t>
+            </a:r>
+            <a:r>
+              <a:rPr lang="ru-RU" dirty="0" err="1" smtClean="0"/>
+              <a:t>повноцінно</a:t>
+            </a:r>
+            <a:r>
+              <a:rPr lang="ru-RU" dirty="0" smtClean="0"/>
+              <a:t> з ним </a:t>
+            </a:r>
+            <a:r>
+              <a:rPr lang="ru-RU" dirty="0" err="1" smtClean="0"/>
+              <a:t>працювати</a:t>
+            </a:r>
+            <a:r>
+              <a:rPr lang="ru-RU" dirty="0" smtClean="0"/>
+              <a:t>. Для </a:t>
+            </a:r>
+            <a:r>
+              <a:rPr lang="ru-RU" dirty="0" err="1" smtClean="0"/>
+              <a:t>роботи</a:t>
+            </a:r>
+            <a:r>
+              <a:rPr lang="ru-RU" dirty="0" smtClean="0"/>
+              <a:t> </a:t>
+            </a:r>
+            <a:r>
+              <a:rPr lang="ru-RU" dirty="0" err="1" smtClean="0"/>
+              <a:t>достатньо</a:t>
+            </a:r>
+            <a:r>
+              <a:rPr lang="ru-RU" dirty="0" smtClean="0"/>
+              <a:t> знати три </a:t>
+            </a:r>
+            <a:r>
+              <a:rPr lang="ru-RU" dirty="0" err="1" smtClean="0"/>
+              <a:t>базові</a:t>
+            </a:r>
+            <a:r>
+              <a:rPr lang="ru-RU" dirty="0" smtClean="0"/>
+              <a:t> </a:t>
+            </a:r>
+            <a:r>
+              <a:rPr lang="ru-RU" dirty="0" err="1" smtClean="0"/>
+              <a:t>операції.Ідея</a:t>
+            </a:r>
+            <a:r>
+              <a:rPr lang="ru-RU" dirty="0" smtClean="0"/>
+              <a:t> </a:t>
+            </a:r>
+            <a:r>
+              <a:rPr lang="ru-RU" dirty="0" err="1" smtClean="0"/>
+              <a:t>розгалуження</a:t>
+            </a:r>
+            <a:r>
+              <a:rPr lang="ru-RU" dirty="0" smtClean="0"/>
+              <a:t> </a:t>
+            </a:r>
+            <a:r>
+              <a:rPr lang="ru-RU" dirty="0" err="1" smtClean="0"/>
+              <a:t>полягає</a:t>
+            </a:r>
+            <a:r>
+              <a:rPr lang="ru-RU" dirty="0" smtClean="0"/>
+              <a:t> у </a:t>
+            </a:r>
+            <a:r>
+              <a:rPr lang="ru-RU" dirty="0" err="1" smtClean="0"/>
+              <a:t>створенні</a:t>
+            </a:r>
+            <a:r>
+              <a:rPr lang="ru-RU" dirty="0" smtClean="0"/>
+              <a:t> нового </a:t>
+            </a:r>
+            <a:r>
+              <a:rPr lang="ru-RU" dirty="0" err="1" smtClean="0"/>
+              <a:t>окремого</a:t>
+            </a:r>
+            <a:r>
+              <a:rPr lang="ru-RU" dirty="0" smtClean="0"/>
+              <a:t> потоку </a:t>
+            </a:r>
+            <a:r>
+              <a:rPr lang="ru-RU" dirty="0" err="1" smtClean="0"/>
+              <a:t>розробки</a:t>
+            </a:r>
+            <a:r>
+              <a:rPr lang="ru-RU" dirty="0" smtClean="0"/>
+              <a:t> так, </a:t>
+            </a:r>
+            <a:r>
+              <a:rPr lang="ru-RU" dirty="0" err="1" smtClean="0"/>
+              <a:t>щоб</a:t>
+            </a:r>
+            <a:r>
+              <a:rPr lang="ru-RU" dirty="0" smtClean="0"/>
+              <a:t> </a:t>
+            </a:r>
+            <a:r>
+              <a:rPr lang="ru-RU" dirty="0" err="1" smtClean="0"/>
+              <a:t>декілька</a:t>
+            </a:r>
+            <a:r>
+              <a:rPr lang="ru-RU" dirty="0" smtClean="0"/>
+              <a:t> </a:t>
+            </a:r>
+            <a:r>
+              <a:rPr lang="ru-RU" dirty="0" err="1" smtClean="0"/>
+              <a:t>учасникв</a:t>
+            </a:r>
+            <a:r>
+              <a:rPr lang="ru-RU" dirty="0" smtClean="0"/>
+              <a:t> </a:t>
+            </a:r>
+            <a:r>
+              <a:rPr lang="ru-RU" dirty="0" err="1" smtClean="0"/>
+              <a:t>команди</a:t>
+            </a:r>
+            <a:r>
+              <a:rPr lang="ru-RU" dirty="0" smtClean="0"/>
+              <a:t> </a:t>
+            </a:r>
+            <a:r>
+              <a:rPr lang="ru-RU" dirty="0" err="1" smtClean="0"/>
+              <a:t>працювали</a:t>
+            </a:r>
+            <a:r>
+              <a:rPr lang="ru-RU" dirty="0" smtClean="0"/>
+              <a:t> над </a:t>
+            </a:r>
+            <a:r>
+              <a:rPr lang="ru-RU" dirty="0" err="1" smtClean="0"/>
+              <a:t>декількома</a:t>
+            </a:r>
+            <a:r>
+              <a:rPr lang="ru-RU" dirty="0" smtClean="0"/>
+              <a:t> </a:t>
+            </a:r>
+            <a:r>
+              <a:rPr lang="ru-RU" dirty="0" err="1" smtClean="0"/>
+              <a:t>фічами</a:t>
+            </a:r>
+            <a:r>
+              <a:rPr lang="ru-RU" dirty="0" smtClean="0"/>
+              <a:t> </a:t>
+            </a:r>
+            <a:r>
+              <a:rPr lang="ru-RU" dirty="0" err="1" smtClean="0"/>
+              <a:t>одночасно</a:t>
+            </a:r>
+            <a:r>
+              <a:rPr lang="ru-RU" dirty="0" smtClean="0"/>
+              <a:t>.</a:t>
+            </a:r>
+          </a:p>
+          <a:p>
+            <a:pPr marL="0" lvl="0" indent="0" algn="l" rtl="0">
+              <a:spcBef>
+                <a:spcPts val="0"/>
+              </a:spcBef>
+              <a:spcAft>
+                <a:spcPts val="0"/>
+              </a:spcAft>
+              <a:buNone/>
+            </a:pPr>
+            <a:endParaRPr dirty="0"/>
           </a:p>
         </p:txBody>
       </p:sp>
@@ -2953,7 +4486,50 @@
               </a:spcAft>
               <a:buNone/>
             </a:pPr>
-            <a:endParaRPr/>
+            <a:r>
+              <a:rPr lang="uk-UA" dirty="0" smtClean="0"/>
+              <a:t>Слайд </a:t>
+            </a:r>
+            <a:r>
+              <a:rPr lang="uk-UA" dirty="0" err="1" smtClean="0"/>
+              <a:t>Стаса</a:t>
+            </a:r>
+            <a:r>
+              <a:rPr lang="uk-UA" dirty="0" smtClean="0"/>
+              <a:t>. 9-&gt;</a:t>
+            </a:r>
+            <a:r>
+              <a:rPr lang="uk-UA" dirty="0" err="1" smtClean="0"/>
+              <a:t>Коміт</a:t>
+            </a:r>
+            <a:r>
+              <a:rPr lang="uk-UA" dirty="0" smtClean="0"/>
+              <a:t> - </a:t>
+            </a:r>
+            <a:r>
+              <a:rPr lang="en-US" dirty="0" smtClean="0"/>
+              <a:t>snapshot, </a:t>
+            </a:r>
+            <a:r>
+              <a:rPr lang="uk-UA" dirty="0" smtClean="0"/>
+              <a:t>або певний етап розробки </a:t>
+            </a:r>
+            <a:r>
+              <a:rPr lang="uk-UA" dirty="0" err="1" smtClean="0"/>
+              <a:t>проекта</a:t>
+            </a:r>
+            <a:r>
+              <a:rPr lang="uk-UA" dirty="0" smtClean="0"/>
+              <a:t>. Він робиться для фіксації певних наробок. Для цього спершу проводиться індексація модифікація файлів. Долі робиться власне </a:t>
+            </a:r>
+            <a:r>
+              <a:rPr lang="uk-UA" dirty="0" err="1" smtClean="0"/>
+              <a:t>коміт</a:t>
+            </a:r>
+            <a:r>
+              <a:rPr lang="uk-UA" dirty="0" smtClean="0"/>
+              <a:t>. Файли можна видаляти та виключати з індексації.</a:t>
+            </a:r>
           </a:p>
         </p:txBody>
       </p:sp>
@@ -12672,11 +14248,39 @@
             </a:pPr>
             <a:r>
               <a:rPr lang="ru" sz="1400" dirty="0"/>
-              <a:t>Github - глобальний веб-сервіс для спільної розробки програмних проектів, заснований за принципами Git, а також  хостінг (сховище) програмного коду. </a:t>
+              <a:t>Github - глобальний веб-сервіс для спільної розробки програмних проектів</a:t>
             </a:r>
             <a:r>
               <a:rPr lang="ru" sz="1400" dirty="0" smtClean="0"/>
-              <a:t>Це:</a:t>
+              <a:t>,</a:t>
+            </a:r>
+            <a:r>
+              <a:rPr lang="uk-UA" sz="1400" dirty="0" smtClean="0"/>
+              <a:t> ще один інтерфейс для</a:t>
+            </a:r>
+            <a:r>
+              <a:rPr lang="ru" sz="1400" dirty="0" smtClean="0"/>
+              <a:t> </a:t>
+            </a:r>
+            <a:r>
+              <a:rPr lang="ru" sz="1400" dirty="0"/>
+              <a:t>Git, а також  хостінг (сховище) програмного коду. </a:t>
+            </a:r>
+            <a:r>
+              <a:rPr lang="ru" sz="1400" dirty="0" smtClean="0"/>
+              <a:t>Зокрема </a:t>
+            </a:r>
+            <a:r>
+              <a:rPr lang="en-US" sz="1400" dirty="0" smtClean="0"/>
+              <a:t>GitHub – </a:t>
+            </a:r>
+            <a:r>
+              <a:rPr lang="uk-UA" sz="1400" dirty="0" smtClean="0"/>
+              <a:t>це</a:t>
+            </a:r>
+            <a:r>
+              <a:rPr lang="ru" sz="1400" dirty="0" smtClean="0"/>
+              <a:t>:</a:t>
             </a:r>
             <a:endParaRPr lang="en-US" sz="1400" dirty="0" smtClean="0"/>
           </a:p>
@@ -12708,7 +14312,19 @@
             </a:r>
             <a:r>
               <a:rPr lang="ru" sz="1400" dirty="0"/>
-              <a:t>млн. репозиторіїв - найбільший хостінг у </a:t>
+              <a:t>млн. репозиторіїв - найбільший хостінг </a:t>
+            </a:r>
+            <a:r>
+              <a:rPr lang="uk-UA" sz="1400" dirty="0" smtClean="0"/>
+              <a:t>програмного коду</a:t>
+            </a:r>
+            <a:r>
+              <a:rPr lang="en-US" sz="1400" dirty="0" smtClean="0"/>
+              <a:t> </a:t>
+            </a:r>
+            <a:r>
+              <a:rPr lang="ru" sz="1400" dirty="0" smtClean="0"/>
+              <a:t>у </a:t>
             </a:r>
             <a:r>
               <a:rPr lang="ru" sz="1400" dirty="0" smtClean="0"/>
@@ -12751,15 +14367,23 @@
             </a:r>
             <a:r>
               <a:rPr lang="ru-RU" sz="1400" dirty="0"/>
-              <a:t> них </a:t>
-            </a:r>
-            <a:r>
-              <a:rPr lang="ru-RU" sz="1400" dirty="0" err="1"/>
+              <a:t> </a:t>
+            </a:r>
+            <a:r>
+              <a:rPr lang="ru-RU" sz="1400" dirty="0" err="1" smtClean="0"/>
+              <a:t>яких</a:t>
+            </a:r>
+            <a:r>
+              <a:rPr lang="ru-RU" sz="1400" dirty="0" smtClean="0"/>
+              <a:t> </a:t>
+            </a:r>
+            <a:r>
+              <a:rPr lang="ru-RU" sz="1400" dirty="0" err="1" smtClean="0"/>
               <a:t>JavaScript</a:t>
             </a:r>
             <a:r>
-              <a:rPr lang="ru-RU" sz="1400" dirty="0"/>
-              <a:t> </a:t>
+              <a:rPr lang="ru-RU" sz="1400" dirty="0" smtClean="0"/>
+              <a:t> є </a:t>
             </a:r>
             <a:r>
               <a:rPr lang="ru-RU" sz="1400" dirty="0" err="1" smtClean="0"/>
@@ -12775,9 +14399,8 @@
             </a:r>
           </a:p>
           <a:p>
-            <a:pPr algn="just">
-              <a:buFont typeface="Lato"/>
-              <a:buChar char="-"/>
+            <a:pPr marL="146050" indent="0" algn="just">
+              <a:buNone/>
             </a:pPr>
             <a:r>
               <a:rPr lang="uk-UA" sz="1400" dirty="0" smtClean="0"/>
@@ -17660,6 +19283,9 @@
                     <p:cTn id="3" fill="hold">
                       <p:stCondLst>
                         <p:cond delay="indefinite"/>
+                        <p:cond evt="onBegin" delay="0">
+                          <p:tn val="2"/>
+                        </p:cond>
                       </p:stCondLst>
                       <p:childTnLst>
                         <p:par>
@@ -17669,7 +19295,7 @@
                             </p:stCondLst>
                             <p:childTnLst>
                               <p:par>
-                                <p:cTn id="5" presetID="42" presetClass="entr" presetSubtype="0" fill="hold" grpId="0" nodeType="clickEffect">
+                                <p:cTn id="5" presetID="42" presetClass="entr" presetSubtype="0" fill="hold" grpId="0" nodeType="afterEffect">
                                   <p:stCondLst>
                                     <p:cond delay="0"/>
                                   </p:stCondLst>
@@ -19177,6 +20803,9 @@
                     <p:cTn id="3" fill="hold">
                       <p:stCondLst>
                         <p:cond delay="indefinite"/>
+                        <p:cond evt="onBegin" delay="0">
+                          <p:tn val="2"/>
+                        </p:cond>
                       </p:stCondLst>
                       <p:childTnLst>
                         <p:par>
@@ -19186,7 +20815,7 @@
                             </p:stCondLst>
                             <p:childTnLst>
                               <p:par>
-                                <p:cTn id="5" presetID="22" presetClass="entr" presetSubtype="1" fill="hold" grpId="0" nodeType="clickEffect">
+                                <p:cTn id="5" presetID="22" presetClass="entr" presetSubtype="1" fill="hold" grpId="0" nodeType="afterEffect">
                                   <p:stCondLst>
                                     <p:cond delay="0"/>
                                   </p:stCondLst>
@@ -21147,7 +22776,7 @@
       </p:par>
     </p:tnLst>
     <p:bldLst>
-      <p:bldP spid="206" grpId="0" build="allAtOnce"/>
+      <p:bldP spid="206" grpId="0" uiExpand="1" build="allAtOnce"/>
     </p:bldLst>
   </p:timing>
 </p:sld>
@@ -21577,6 +23206,9 @@
                     <p:cTn id="3" fill="hold">
                       <p:stCondLst>
                         <p:cond delay="indefinite"/>
+                        <p:cond evt="onBegin" delay="0">
+                          <p:tn val="2"/>
+                        </p:cond>
                       </p:stCondLst>
                       <p:childTnLst>
                         <p:par>
@@ -21586,7 +23218,7 @@
                             </p:stCondLst>
                             <p:childTnLst>
                               <p:par>
-                                <p:cTn id="5" presetID="22" presetClass="entr" presetSubtype="8" fill="hold" grpId="0" nodeType="clickEffect">
+                                <p:cTn id="5" presetID="22" presetClass="entr" presetSubtype="8" fill="hold" grpId="0" nodeType="afterEffect">
                                   <p:stCondLst>
                                     <p:cond delay="0"/>
                                   </p:stCondLst>
@@ -21914,7 +23546,7 @@
       </p:par>
     </p:tnLst>
     <p:bldLst>
-      <p:bldP spid="213" grpId="0" build="allAtOnce"/>
+      <p:bldP spid="213" grpId="0" uiExpand="1" build="allAtOnce"/>
     </p:bldLst>
   </p:timing>
 </p:sld>
